--- a/public/team_presentations/team_13_presentation.pptx
+++ b/public/team_presentations/team_13_presentation.pptx
@@ -5,62 +5,69 @@
     <p:sldMasterId id="2147483693" r:id="rId1"/>
   </p:sldMasterIdLst>
   <p:notesMasterIdLst>
-    <p:notesMasterId r:id="rId15"/>
+    <p:notesMasterId r:id="rId20"/>
   </p:notesMasterIdLst>
   <p:sldIdLst>
     <p:sldId id="256" r:id="rId2"/>
-    <p:sldId id="257" r:id="rId3"/>
+    <p:sldId id="281" r:id="rId3"/>
     <p:sldId id="258" r:id="rId4"/>
     <p:sldId id="259" r:id="rId5"/>
     <p:sldId id="260" r:id="rId6"/>
     <p:sldId id="261" r:id="rId7"/>
-    <p:sldId id="278" r:id="rId8"/>
-    <p:sldId id="279" r:id="rId9"/>
-    <p:sldId id="272" r:id="rId10"/>
-    <p:sldId id="273" r:id="rId11"/>
-    <p:sldId id="274" r:id="rId12"/>
-    <p:sldId id="275" r:id="rId13"/>
-    <p:sldId id="276" r:id="rId14"/>
+    <p:sldId id="282" r:id="rId8"/>
+    <p:sldId id="283" r:id="rId9"/>
+    <p:sldId id="284" r:id="rId10"/>
+    <p:sldId id="278" r:id="rId11"/>
+    <p:sldId id="279" r:id="rId12"/>
+    <p:sldId id="272" r:id="rId13"/>
+    <p:sldId id="280" r:id="rId14"/>
+    <p:sldId id="285" r:id="rId15"/>
+    <p:sldId id="273" r:id="rId16"/>
+    <p:sldId id="274" r:id="rId17"/>
+    <p:sldId id="275" r:id="rId18"/>
+    <p:sldId id="276" r:id="rId19"/>
   </p:sldIdLst>
   <p:sldSz cx="9144000" cy="5143500" type="screen16x9"/>
   <p:notesSz cx="6858000" cy="9144000"/>
   <p:embeddedFontLst>
     <p:embeddedFont>
       <p:font typeface="Algerian" panose="04020705040A02060702" pitchFamily="82" charset="0"/>
-      <p:regular r:id="rId16"/>
+      <p:regular r:id="rId21"/>
+    </p:embeddedFont>
+    <p:embeddedFont>
+      <p:font typeface="Arial Narrow" panose="020B0606020202030204" pitchFamily="34" charset="0"/>
+      <p:regular r:id="rId22"/>
+      <p:bold r:id="rId23"/>
+      <p:italic r:id="rId24"/>
+      <p:boldItalic r:id="rId25"/>
     </p:embeddedFont>
     <p:embeddedFont>
       <p:font typeface="Roboto Serif" panose="020B0604020202020204" charset="0"/>
-      <p:regular r:id="rId17"/>
-      <p:bold r:id="rId18"/>
-      <p:italic r:id="rId19"/>
-      <p:boldItalic r:id="rId20"/>
-    </p:embeddedFont>
-    <p:embeddedFont>
-      <p:font typeface="Roboto Serif ExtraBold" panose="020B0604020202020204" charset="0"/>
-      <p:bold r:id="rId21"/>
-      <p:boldItalic r:id="rId22"/>
+      <p:regular r:id="rId26"/>
+      <p:bold r:id="rId27"/>
+      <p:italic r:id="rId28"/>
+      <p:boldItalic r:id="rId29"/>
     </p:embeddedFont>
     <p:embeddedFont>
       <p:font typeface="Roboto Serif Medium" panose="020B0604020202020204" charset="0"/>
-      <p:regular r:id="rId23"/>
-      <p:bold r:id="rId24"/>
-      <p:italic r:id="rId25"/>
-      <p:boldItalic r:id="rId26"/>
+      <p:regular r:id="rId30"/>
+      <p:bold r:id="rId31"/>
+      <p:italic r:id="rId32"/>
+      <p:boldItalic r:id="rId33"/>
     </p:embeddedFont>
     <p:embeddedFont>
       <p:font typeface="Work Sans" pitchFamily="2" charset="0"/>
-      <p:regular r:id="rId27"/>
-      <p:bold r:id="rId28"/>
-      <p:italic r:id="rId29"/>
-      <p:boldItalic r:id="rId30"/>
+      <p:regular r:id="rId34"/>
+      <p:bold r:id="rId35"/>
+      <p:italic r:id="rId36"/>
+      <p:boldItalic r:id="rId37"/>
     </p:embeddedFont>
     <p:embeddedFont>
       <p:font typeface="Work Sans Medium" pitchFamily="2" charset="0"/>
-      <p:regular r:id="rId31"/>
-      <p:bold r:id="rId32"/>
-      <p:italic r:id="rId33"/>
-      <p:boldItalic r:id="rId34"/>
+      <p:regular r:id="rId38"/>
+      <p:bold r:id="rId39"/>
+      <p:italic r:id="rId40"/>
+      <p:boldItalic r:id="rId41"/>
     </p:embeddedFont>
   </p:embeddedFontLst>
   <p:defaultTextStyle>
@@ -861,6 +868,110 @@
   <p:cSld>
     <p:spTree>
       <p:nvGrpSpPr>
+        <p:cNvPr id="1" name="Shape 621"/>
+        <p:cNvGrpSpPr/>
+        <p:nvPr/>
+      </p:nvGrpSpPr>
+      <p:grpSpPr>
+        <a:xfrm>
+          <a:off x="0" y="0"/>
+          <a:ext cx="0" cy="0"/>
+          <a:chOff x="0" y="0"/>
+          <a:chExt cx="0" cy="0"/>
+        </a:xfrm>
+      </p:grpSpPr>
+      <p:sp>
+        <p:nvSpPr>
+          <p:cNvPr id="622" name="Google Shape;622;g34fda2f06bf_1_46:notes"/>
+          <p:cNvSpPr>
+            <a:spLocks noGrp="1" noRot="1" noChangeAspect="1"/>
+          </p:cNvSpPr>
+          <p:nvPr>
+            <p:ph type="sldImg" idx="2"/>
+          </p:nvPr>
+        </p:nvSpPr>
+        <p:spPr>
+          <a:xfrm>
+            <a:off x="381000" y="685800"/>
+            <a:ext cx="6096000" cy="3429000"/>
+          </a:xfrm>
+          <a:custGeom>
+            <a:avLst/>
+            <a:gdLst/>
+            <a:ahLst/>
+            <a:cxnLst/>
+            <a:rect l="l" t="t" r="r" b="b"/>
+            <a:pathLst>
+              <a:path w="120000" h="120000" extrusionOk="0">
+                <a:moveTo>
+                  <a:pt x="0" y="0"/>
+                </a:moveTo>
+                <a:lnTo>
+                  <a:pt x="120000" y="0"/>
+                </a:lnTo>
+                <a:lnTo>
+                  <a:pt x="120000" y="120000"/>
+                </a:lnTo>
+                <a:lnTo>
+                  <a:pt x="0" y="120000"/>
+                </a:lnTo>
+                <a:close/>
+              </a:path>
+            </a:pathLst>
+          </a:custGeom>
+        </p:spPr>
+      </p:sp>
+      <p:sp>
+        <p:nvSpPr>
+          <p:cNvPr id="623" name="Google Shape;623;g34fda2f06bf_1_46:notes"/>
+          <p:cNvSpPr txBox="1">
+            <a:spLocks noGrp="1"/>
+          </p:cNvSpPr>
+          <p:nvPr>
+            <p:ph type="body" idx="1"/>
+          </p:nvPr>
+        </p:nvSpPr>
+        <p:spPr>
+          <a:xfrm>
+            <a:off x="685800" y="4343400"/>
+            <a:ext cx="5486400" cy="4114800"/>
+          </a:xfrm>
+          <a:prstGeom prst="rect">
+            <a:avLst/>
+          </a:prstGeom>
+        </p:spPr>
+        <p:txBody>
+          <a:bodyPr spcFirstLastPara="1" wrap="square" lIns="91425" tIns="91425" rIns="91425" bIns="91425" anchor="t" anchorCtr="0">
+            <a:noAutofit/>
+          </a:bodyPr>
+          <a:lstStyle/>
+          <a:p>
+            <a:pPr marL="0" lvl="0" indent="0" algn="l" rtl="0">
+              <a:spcBef>
+                <a:spcPts val="0"/>
+              </a:spcBef>
+              <a:spcAft>
+                <a:spcPts val="0"/>
+              </a:spcAft>
+              <a:buNone/>
+            </a:pPr>
+            <a:endParaRPr/>
+          </a:p>
+        </p:txBody>
+      </p:sp>
+    </p:spTree>
+  </p:cSld>
+  <p:clrMapOvr>
+    <a:masterClrMapping/>
+  </p:clrMapOvr>
+</p:notes>
+</file>
+
+<file path=ppt/notesSlides/notesSlide11.xml><?xml version="1.0" encoding="utf-8"?>
+<p:notes xmlns:a="http://schemas.openxmlformats.org/drawingml/2006/main" xmlns:r="http://schemas.openxmlformats.org/officeDocument/2006/relationships" xmlns:p="http://schemas.openxmlformats.org/presentationml/2006/main" showMasterSp="0" showMasterPhAnim="0">
+  <p:cSld>
+    <p:spTree>
+      <p:nvGrpSpPr>
         <p:cNvPr id="1" name="Shape 629"/>
         <p:cNvGrpSpPr/>
         <p:nvPr/>
@@ -960,7 +1071,7 @@
 </p:notes>
 </file>
 
-<file path=ppt/notesSlides/notesSlide11.xml><?xml version="1.0" encoding="utf-8"?>
+<file path=ppt/notesSlides/notesSlide12.xml><?xml version="1.0" encoding="utf-8"?>
 <p:notes xmlns:a="http://schemas.openxmlformats.org/drawingml/2006/main" xmlns:r="http://schemas.openxmlformats.org/officeDocument/2006/relationships" xmlns:p="http://schemas.openxmlformats.org/presentationml/2006/main" showMasterSp="0" showMasterPhAnim="0">
   <p:cSld>
     <p:spTree>
@@ -1064,7 +1175,7 @@
 </p:notes>
 </file>
 
-<file path=ppt/notesSlides/notesSlide12.xml><?xml version="1.0" encoding="utf-8"?>
+<file path=ppt/notesSlides/notesSlide13.xml><?xml version="1.0" encoding="utf-8"?>
 <p:notes xmlns:a="http://schemas.openxmlformats.org/drawingml/2006/main" xmlns:r="http://schemas.openxmlformats.org/officeDocument/2006/relationships" xmlns:p="http://schemas.openxmlformats.org/presentationml/2006/main" showMasterSp="0" showMasterPhAnim="0">
   <p:cSld>
     <p:spTree>
@@ -1173,110 +1284,6 @@
   <p:cSld>
     <p:spTree>
       <p:nvGrpSpPr>
-        <p:cNvPr id="1" name="Shape 527"/>
-        <p:cNvGrpSpPr/>
-        <p:nvPr/>
-      </p:nvGrpSpPr>
-      <p:grpSpPr>
-        <a:xfrm>
-          <a:off x="0" y="0"/>
-          <a:ext cx="0" cy="0"/>
-          <a:chOff x="0" y="0"/>
-          <a:chExt cx="0" cy="0"/>
-        </a:xfrm>
-      </p:grpSpPr>
-      <p:sp>
-        <p:nvSpPr>
-          <p:cNvPr id="528" name="Google Shape;528;g34dc4b0956d_0_7:notes"/>
-          <p:cNvSpPr>
-            <a:spLocks noGrp="1" noRot="1" noChangeAspect="1"/>
-          </p:cNvSpPr>
-          <p:nvPr>
-            <p:ph type="sldImg" idx="2"/>
-          </p:nvPr>
-        </p:nvSpPr>
-        <p:spPr>
-          <a:xfrm>
-            <a:off x="381000" y="685800"/>
-            <a:ext cx="6096000" cy="3429000"/>
-          </a:xfrm>
-          <a:custGeom>
-            <a:avLst/>
-            <a:gdLst/>
-            <a:ahLst/>
-            <a:cxnLst/>
-            <a:rect l="l" t="t" r="r" b="b"/>
-            <a:pathLst>
-              <a:path w="120000" h="120000" extrusionOk="0">
-                <a:moveTo>
-                  <a:pt x="0" y="0"/>
-                </a:moveTo>
-                <a:lnTo>
-                  <a:pt x="120000" y="0"/>
-                </a:lnTo>
-                <a:lnTo>
-                  <a:pt x="120000" y="120000"/>
-                </a:lnTo>
-                <a:lnTo>
-                  <a:pt x="0" y="120000"/>
-                </a:lnTo>
-                <a:close/>
-              </a:path>
-            </a:pathLst>
-          </a:custGeom>
-        </p:spPr>
-      </p:sp>
-      <p:sp>
-        <p:nvSpPr>
-          <p:cNvPr id="529" name="Google Shape;529;g34dc4b0956d_0_7:notes"/>
-          <p:cNvSpPr txBox="1">
-            <a:spLocks noGrp="1"/>
-          </p:cNvSpPr>
-          <p:nvPr>
-            <p:ph type="body" idx="1"/>
-          </p:nvPr>
-        </p:nvSpPr>
-        <p:spPr>
-          <a:xfrm>
-            <a:off x="685800" y="4343400"/>
-            <a:ext cx="5486400" cy="4114800"/>
-          </a:xfrm>
-          <a:prstGeom prst="rect">
-            <a:avLst/>
-          </a:prstGeom>
-        </p:spPr>
-        <p:txBody>
-          <a:bodyPr spcFirstLastPara="1" wrap="square" lIns="91425" tIns="91425" rIns="91425" bIns="91425" anchor="t" anchorCtr="0">
-            <a:noAutofit/>
-          </a:bodyPr>
-          <a:lstStyle/>
-          <a:p>
-            <a:pPr marL="0" lvl="0" indent="0" algn="l" rtl="0">
-              <a:spcBef>
-                <a:spcPts val="0"/>
-              </a:spcBef>
-              <a:spcAft>
-                <a:spcPts val="0"/>
-              </a:spcAft>
-              <a:buNone/>
-            </a:pPr>
-            <a:endParaRPr/>
-          </a:p>
-        </p:txBody>
-      </p:sp>
-    </p:spTree>
-  </p:cSld>
-  <p:clrMapOvr>
-    <a:masterClrMapping/>
-  </p:clrMapOvr>
-</p:notes>
-</file>
-
-<file path=ppt/notesSlides/notesSlide3.xml><?xml version="1.0" encoding="utf-8"?>
-<p:notes xmlns:a="http://schemas.openxmlformats.org/drawingml/2006/main" xmlns:r="http://schemas.openxmlformats.org/officeDocument/2006/relationships" xmlns:p="http://schemas.openxmlformats.org/presentationml/2006/main" showMasterSp="0" showMasterPhAnim="0">
-  <p:cSld>
-    <p:spTree>
-      <p:nvGrpSpPr>
         <p:cNvPr id="1" name="Shape 534"/>
         <p:cNvGrpSpPr/>
         <p:nvPr/>
@@ -1376,7 +1383,7 @@
 </p:notes>
 </file>
 
-<file path=ppt/notesSlides/notesSlide4.xml><?xml version="1.0" encoding="utf-8"?>
+<file path=ppt/notesSlides/notesSlide3.xml><?xml version="1.0" encoding="utf-8"?>
 <p:notes xmlns:a="http://schemas.openxmlformats.org/drawingml/2006/main" xmlns:r="http://schemas.openxmlformats.org/officeDocument/2006/relationships" xmlns:p="http://schemas.openxmlformats.org/presentationml/2006/main" showMasterSp="0" showMasterPhAnim="0">
   <p:cSld>
     <p:spTree>
@@ -1480,7 +1487,7 @@
 </p:notes>
 </file>
 
-<file path=ppt/notesSlides/notesSlide5.xml><?xml version="1.0" encoding="utf-8"?>
+<file path=ppt/notesSlides/notesSlide4.xml><?xml version="1.0" encoding="utf-8"?>
 <p:notes xmlns:a="http://schemas.openxmlformats.org/drawingml/2006/main" xmlns:r="http://schemas.openxmlformats.org/officeDocument/2006/relationships" xmlns:p="http://schemas.openxmlformats.org/presentationml/2006/main" showMasterSp="0" showMasterPhAnim="0">
   <p:cSld>
     <p:spTree>
@@ -1584,7 +1591,7 @@
 </p:notes>
 </file>
 
-<file path=ppt/notesSlides/notesSlide6.xml><?xml version="1.0" encoding="utf-8"?>
+<file path=ppt/notesSlides/notesSlide5.xml><?xml version="1.0" encoding="utf-8"?>
 <p:notes xmlns:a="http://schemas.openxmlformats.org/drawingml/2006/main" xmlns:r="http://schemas.openxmlformats.org/officeDocument/2006/relationships" xmlns:p="http://schemas.openxmlformats.org/presentationml/2006/main" showMasterSp="0" showMasterPhAnim="0">
   <p:cSld>
     <p:spTree>
@@ -1681,6 +1688,72 @@
         </p:txBody>
       </p:sp>
     </p:spTree>
+  </p:cSld>
+  <p:clrMapOvr>
+    <a:masterClrMapping/>
+  </p:clrMapOvr>
+</p:notes>
+</file>
+
+<file path=ppt/notesSlides/notesSlide6.xml><?xml version="1.0" encoding="utf-8"?>
+<p:notes xmlns:a="http://schemas.openxmlformats.org/drawingml/2006/main" xmlns:r="http://schemas.openxmlformats.org/officeDocument/2006/relationships" xmlns:p="http://schemas.openxmlformats.org/presentationml/2006/main">
+  <p:cSld>
+    <p:spTree>
+      <p:nvGrpSpPr>
+        <p:cNvPr id="1" name=""/>
+        <p:cNvGrpSpPr/>
+        <p:nvPr/>
+      </p:nvGrpSpPr>
+      <p:grpSpPr>
+        <a:xfrm>
+          <a:off x="0" y="0"/>
+          <a:ext cx="0" cy="0"/>
+          <a:chOff x="0" y="0"/>
+          <a:chExt cx="0" cy="0"/>
+        </a:xfrm>
+      </p:grpSpPr>
+      <p:sp>
+        <p:nvSpPr>
+          <p:cNvPr id="2" name="Slide Image Placeholder 1"/>
+          <p:cNvSpPr>
+            <a:spLocks noGrp="1" noRot="1" noChangeAspect="1"/>
+          </p:cNvSpPr>
+          <p:nvPr>
+            <p:ph type="sldImg"/>
+          </p:nvPr>
+        </p:nvSpPr>
+        <p:spPr>
+          <a:xfrm>
+            <a:off x="381000" y="685800"/>
+            <a:ext cx="6096000" cy="3429000"/>
+          </a:xfrm>
+        </p:spPr>
+      </p:sp>
+      <p:sp>
+        <p:nvSpPr>
+          <p:cNvPr id="3" name="Notes Placeholder 2"/>
+          <p:cNvSpPr>
+            <a:spLocks noGrp="1"/>
+          </p:cNvSpPr>
+          <p:nvPr>
+            <p:ph type="body" idx="1"/>
+          </p:nvPr>
+        </p:nvSpPr>
+        <p:spPr/>
+        <p:txBody>
+          <a:bodyPr/>
+          <a:lstStyle/>
+          <a:p>
+            <a:endParaRPr lang="en-IN" dirty="0"/>
+          </a:p>
+        </p:txBody>
+      </p:sp>
+    </p:spTree>
+    <p:extLst>
+      <p:ext uri="{BB962C8B-B14F-4D97-AF65-F5344CB8AC3E}">
+        <p14:creationId xmlns:p14="http://schemas.microsoft.com/office/powerpoint/2010/main" val="3775923460"/>
+      </p:ext>
+    </p:extLst>
   </p:cSld>
   <p:clrMapOvr>
     <a:masterClrMapping/>
@@ -1859,11 +1932,11 @@
 </file>
 
 <file path=ppt/notesSlides/notesSlide9.xml><?xml version="1.0" encoding="utf-8"?>
-<p:notes xmlns:a="http://schemas.openxmlformats.org/drawingml/2006/main" xmlns:r="http://schemas.openxmlformats.org/officeDocument/2006/relationships" xmlns:p="http://schemas.openxmlformats.org/presentationml/2006/main" showMasterSp="0" showMasterPhAnim="0">
+<p:notes xmlns:a="http://schemas.openxmlformats.org/drawingml/2006/main" xmlns:r="http://schemas.openxmlformats.org/officeDocument/2006/relationships" xmlns:p="http://schemas.openxmlformats.org/presentationml/2006/main">
   <p:cSld>
     <p:spTree>
       <p:nvGrpSpPr>
-        <p:cNvPr id="1" name="Shape 621"/>
+        <p:cNvPr id="1" name=""/>
         <p:cNvGrpSpPr/>
         <p:nvPr/>
       </p:nvGrpSpPr>
@@ -1877,12 +1950,12 @@
       </p:grpSpPr>
       <p:sp>
         <p:nvSpPr>
-          <p:cNvPr id="622" name="Google Shape;622;g34fda2f06bf_1_46:notes"/>
+          <p:cNvPr id="2" name="Slide Image Placeholder 1"/>
           <p:cNvSpPr>
             <a:spLocks noGrp="1" noRot="1" noChangeAspect="1"/>
           </p:cNvSpPr>
           <p:nvPr>
-            <p:ph type="sldImg" idx="2"/>
+            <p:ph type="sldImg"/>
           </p:nvPr>
         </p:nvSpPr>
         <p:spPr>
@@ -1890,71 +1963,33 @@
             <a:off x="381000" y="685800"/>
             <a:ext cx="6096000" cy="3429000"/>
           </a:xfrm>
-          <a:custGeom>
-            <a:avLst/>
-            <a:gdLst/>
-            <a:ahLst/>
-            <a:cxnLst/>
-            <a:rect l="l" t="t" r="r" b="b"/>
-            <a:pathLst>
-              <a:path w="120000" h="120000" extrusionOk="0">
-                <a:moveTo>
-                  <a:pt x="0" y="0"/>
-                </a:moveTo>
-                <a:lnTo>
-                  <a:pt x="120000" y="0"/>
-                </a:lnTo>
-                <a:lnTo>
-                  <a:pt x="120000" y="120000"/>
-                </a:lnTo>
-                <a:lnTo>
-                  <a:pt x="0" y="120000"/>
-                </a:lnTo>
-                <a:close/>
-              </a:path>
-            </a:pathLst>
-          </a:custGeom>
         </p:spPr>
       </p:sp>
       <p:sp>
         <p:nvSpPr>
-          <p:cNvPr id="623" name="Google Shape;623;g34fda2f06bf_1_46:notes"/>
-          <p:cNvSpPr txBox="1">
+          <p:cNvPr id="3" name="Notes Placeholder 2"/>
+          <p:cNvSpPr>
             <a:spLocks noGrp="1"/>
           </p:cNvSpPr>
           <p:nvPr>
             <p:ph type="body" idx="1"/>
           </p:nvPr>
         </p:nvSpPr>
-        <p:spPr>
-          <a:xfrm>
-            <a:off x="685800" y="4343400"/>
-            <a:ext cx="5486400" cy="4114800"/>
-          </a:xfrm>
-          <a:prstGeom prst="rect">
-            <a:avLst/>
-          </a:prstGeom>
-        </p:spPr>
+        <p:spPr/>
         <p:txBody>
-          <a:bodyPr spcFirstLastPara="1" wrap="square" lIns="91425" tIns="91425" rIns="91425" bIns="91425" anchor="t" anchorCtr="0">
-            <a:noAutofit/>
-          </a:bodyPr>
+          <a:bodyPr/>
           <a:lstStyle/>
           <a:p>
-            <a:pPr marL="0" lvl="0" indent="0" algn="l" rtl="0">
-              <a:spcBef>
-                <a:spcPts val="0"/>
-              </a:spcBef>
-              <a:spcAft>
-                <a:spcPts val="0"/>
-              </a:spcAft>
-              <a:buNone/>
-            </a:pPr>
-            <a:endParaRPr/>
+            <a:endParaRPr lang="en-IN" dirty="0"/>
           </a:p>
         </p:txBody>
       </p:sp>
     </p:spTree>
+    <p:extLst>
+      <p:ext uri="{BB962C8B-B14F-4D97-AF65-F5344CB8AC3E}">
+        <p14:creationId xmlns:p14="http://schemas.microsoft.com/office/powerpoint/2010/main" val="4184213504"/>
+      </p:ext>
+    </p:extLst>
   </p:cSld>
   <p:clrMapOvr>
     <a:masterClrMapping/>
@@ -55710,6 +55745,20 @@
 <file path=ppt/slides/slide1.xml><?xml version="1.0" encoding="utf-8"?>
 <p:sld xmlns:a="http://schemas.openxmlformats.org/drawingml/2006/main" xmlns:r="http://schemas.openxmlformats.org/officeDocument/2006/relationships" xmlns:p="http://schemas.openxmlformats.org/presentationml/2006/main">
   <p:cSld>
+    <p:bg>
+      <p:bgPr>
+        <a:blipFill dpi="0" rotWithShape="1">
+          <a:blip r:embed="rId3">
+            <a:lum/>
+          </a:blip>
+          <a:srcRect/>
+          <a:stretch>
+            <a:fillRect l="-6000" r="-6000"/>
+          </a:stretch>
+        </a:blipFill>
+        <a:effectLst/>
+      </p:bgPr>
+    </p:bg>
     <p:spTree>
       <p:nvGrpSpPr>
         <p:cNvPr id="1" name="Shape 522"/>
@@ -55724,31 +55773,6 @@
           <a:chExt cx="0" cy="0"/>
         </a:xfrm>
       </p:grpSpPr>
-      <p:pic>
-        <p:nvPicPr>
-          <p:cNvPr id="523" name="Google Shape;523;p47"/>
-          <p:cNvPicPr preferRelativeResize="0">
-            <a:picLocks noGrp="1"/>
-          </p:cNvPicPr>
-          <p:nvPr>
-            <p:ph type="pic" idx="2"/>
-          </p:nvPr>
-        </p:nvPicPr>
-        <p:blipFill>
-          <a:blip r:embed="rId3"/>
-          <a:srcRect t="694" b="694"/>
-          <a:stretch/>
-        </p:blipFill>
-        <p:spPr>
-          <a:xfrm>
-            <a:off x="0" y="0"/>
-            <a:ext cx="9144000" cy="5143500"/>
-          </a:xfrm>
-          <a:prstGeom prst="rect">
-            <a:avLst/>
-          </a:prstGeom>
-        </p:spPr>
-      </p:pic>
       <p:sp>
         <p:nvSpPr>
           <p:cNvPr id="525" name="Google Shape;525;p47"/>
@@ -55761,8 +55785,8 @@
         </p:nvSpPr>
         <p:spPr>
           <a:xfrm>
-            <a:off x="5927270" y="3190875"/>
-            <a:ext cx="3216729" cy="2085975"/>
+            <a:off x="4572000" y="2847703"/>
+            <a:ext cx="4571999" cy="2429147"/>
           </a:xfrm>
           <a:prstGeom prst="rect">
             <a:avLst/>
@@ -55784,14 +55808,33 @@
               <a:buNone/>
             </a:pPr>
             <a:r>
-              <a:rPr lang="en" dirty="0">
+              <a:rPr lang="en" sz="1400" dirty="0">
                 <a:solidFill>
                   <a:schemeClr val="bg2"/>
                 </a:solidFill>
               </a:rPr>
-              <a:t>Presented By </a:t>
+              <a:t>Presented By</a:t>
             </a:r>
-            <a:endParaRPr dirty="0">
+          </a:p>
+          <a:p>
+            <a:pPr marL="0" lvl="0" indent="0" algn="l" rtl="0">
+              <a:spcBef>
+                <a:spcPts val="0"/>
+              </a:spcBef>
+              <a:spcAft>
+                <a:spcPts val="0"/>
+              </a:spcAft>
+              <a:buNone/>
+            </a:pPr>
+            <a:r>
+              <a:rPr lang="en" sz="1400" dirty="0">
+                <a:solidFill>
+                  <a:schemeClr val="bg2"/>
+                </a:solidFill>
+              </a:rPr>
+              <a:t> 	</a:t>
+            </a:r>
+            <a:endParaRPr sz="1400" dirty="0">
               <a:solidFill>
                 <a:schemeClr val="bg2"/>
               </a:solidFill>
@@ -55808,14 +55851,14 @@
               <a:buNone/>
             </a:pPr>
             <a:r>
-              <a:rPr lang="en" dirty="0">
+              <a:rPr lang="en" sz="1400" dirty="0">
                 <a:solidFill>
                   <a:schemeClr val="bg2"/>
                 </a:solidFill>
               </a:rPr>
-              <a:t>CH .Sohitha Sai(23KD1A0219)</a:t>
+              <a:t>CH .Sohitha Sai		23KD1A0219</a:t>
             </a:r>
-            <a:endParaRPr dirty="0">
+            <a:endParaRPr sz="1400" dirty="0">
               <a:solidFill>
                 <a:schemeClr val="bg2"/>
               </a:solidFill>
@@ -55832,14 +55875,14 @@
               <a:buNone/>
             </a:pPr>
             <a:r>
-              <a:rPr lang="en" dirty="0">
+              <a:rPr lang="en" sz="1400" dirty="0">
                 <a:solidFill>
                   <a:schemeClr val="bg2"/>
                 </a:solidFill>
               </a:rPr>
-              <a:t>L . Venkata Lakshmi(23KD1A0260)</a:t>
+              <a:t>L . Venkata Lakshmi	 	23KD1A0260</a:t>
             </a:r>
-            <a:endParaRPr dirty="0">
+            <a:endParaRPr sz="1400" dirty="0">
               <a:solidFill>
                 <a:schemeClr val="bg2"/>
               </a:solidFill>
@@ -55856,14 +55899,14 @@
               <a:buNone/>
             </a:pPr>
             <a:r>
-              <a:rPr lang="en" dirty="0">
+              <a:rPr lang="en" sz="1400" dirty="0">
                 <a:solidFill>
                   <a:schemeClr val="bg2"/>
                 </a:solidFill>
               </a:rPr>
-              <a:t>B . Ramu (23KD1A0212)</a:t>
+              <a:t>B . Ramu 			23KD1A0212</a:t>
             </a:r>
-            <a:endParaRPr dirty="0">
+            <a:endParaRPr sz="1400" dirty="0">
               <a:solidFill>
                 <a:schemeClr val="bg2"/>
               </a:solidFill>
@@ -55880,14 +55923,14 @@
               <a:buNone/>
             </a:pPr>
             <a:r>
-              <a:rPr lang="en" dirty="0">
+              <a:rPr lang="en" sz="1400" dirty="0">
                 <a:solidFill>
                   <a:schemeClr val="bg2"/>
                 </a:solidFill>
               </a:rPr>
-              <a:t>I . Vamsi  (23KD1A0245)</a:t>
+              <a:t>I . Vamsi  			23KD1A0245</a:t>
             </a:r>
-            <a:endParaRPr dirty="0">
+            <a:endParaRPr sz="1400" dirty="0">
               <a:solidFill>
                 <a:schemeClr val="bg2"/>
               </a:solidFill>
@@ -55931,8 +55974,8 @@
         </p:nvSpPr>
         <p:spPr>
           <a:xfrm>
-            <a:off x="3682093" y="386317"/>
-            <a:ext cx="5421813" cy="1046410"/>
+            <a:off x="278674" y="107642"/>
+            <a:ext cx="8516983" cy="677078"/>
           </a:xfrm>
           <a:prstGeom prst="rect">
             <a:avLst/>
@@ -55958,10 +56001,15 @@
               <a:buNone/>
             </a:pPr>
             <a:r>
-              <a:rPr lang="en" sz="2800" b="1" dirty="0">
-                <a:solidFill>
-                  <a:schemeClr val="bg2"/>
-                </a:solidFill>
+              <a:rPr lang="en" sz="3200" b="1" dirty="0">
+                <a:blipFill>
+                  <a:blip r:embed="rId4">
+                    <a:alphaModFix amt="65000"/>
+                  </a:blip>
+                  <a:stretch>
+                    <a:fillRect/>
+                  </a:stretch>
+                </a:blipFill>
                 <a:latin typeface="Roboto Serif"/>
                 <a:ea typeface="Roboto Serif"/>
                 <a:cs typeface="Roboto Serif"/>
@@ -55969,10 +56017,15 @@
               </a:rPr>
               <a:t>DESIGN THINKING AND INNOVATION</a:t>
             </a:r>
-            <a:endParaRPr sz="2800" dirty="0">
-              <a:solidFill>
-                <a:schemeClr val="bg2"/>
-              </a:solidFill>
+            <a:endParaRPr sz="3200" dirty="0">
+              <a:blipFill>
+                <a:blip r:embed="rId4">
+                  <a:alphaModFix amt="65000"/>
+                </a:blip>
+                <a:stretch>
+                  <a:fillRect/>
+                </a:stretch>
+              </a:blipFill>
               <a:latin typeface="Work Sans"/>
               <a:ea typeface="Work Sans"/>
               <a:cs typeface="Work Sans"/>
@@ -55990,3251 +56043,6 @@
 </file>
 
 <file path=ppt/slides/slide10.xml><?xml version="1.0" encoding="utf-8"?>
-<p:sld xmlns:a="http://schemas.openxmlformats.org/drawingml/2006/main" xmlns:r="http://schemas.openxmlformats.org/officeDocument/2006/relationships" xmlns:p="http://schemas.openxmlformats.org/presentationml/2006/main">
-  <p:cSld>
-    <p:bg>
-      <p:bgPr>
-        <a:solidFill>
-          <a:schemeClr val="tx2">
-            <a:lumMod val="40000"/>
-            <a:lumOff val="60000"/>
-          </a:schemeClr>
-        </a:solidFill>
-        <a:effectLst/>
-      </p:bgPr>
-    </p:bg>
-    <p:spTree>
-      <p:nvGrpSpPr>
-        <p:cNvPr id="1" name="Shape 624"/>
-        <p:cNvGrpSpPr/>
-        <p:nvPr/>
-      </p:nvGrpSpPr>
-      <p:grpSpPr>
-        <a:xfrm>
-          <a:off x="0" y="0"/>
-          <a:ext cx="0" cy="0"/>
-          <a:chOff x="0" y="0"/>
-          <a:chExt cx="0" cy="0"/>
-        </a:xfrm>
-      </p:grpSpPr>
-      <p:sp>
-        <p:nvSpPr>
-          <p:cNvPr id="625" name="Google Shape;625;p64"/>
-          <p:cNvSpPr txBox="1"/>
-          <p:nvPr/>
-        </p:nvSpPr>
-        <p:spPr>
-          <a:xfrm>
-            <a:off x="72750" y="0"/>
-            <a:ext cx="8998500" cy="5405700"/>
-          </a:xfrm>
-          <a:prstGeom prst="rect">
-            <a:avLst/>
-          </a:prstGeom>
-          <a:noFill/>
-          <a:ln>
-            <a:noFill/>
-          </a:ln>
-        </p:spPr>
-        <p:txBody>
-          <a:bodyPr spcFirstLastPara="1" wrap="square" lIns="91425" tIns="91425" rIns="91425" bIns="91425" anchor="t" anchorCtr="0">
-            <a:spAutoFit/>
-          </a:bodyPr>
-          <a:lstStyle/>
-          <a:p>
-            <a:pPr marL="0" lvl="0" indent="0" algn="l" rtl="0">
-              <a:lnSpc>
-                <a:spcPct val="115000"/>
-              </a:lnSpc>
-              <a:spcBef>
-                <a:spcPts val="1400"/>
-              </a:spcBef>
-              <a:spcAft>
-                <a:spcPts val="0"/>
-              </a:spcAft>
-              <a:buNone/>
-            </a:pPr>
-            <a:r>
-              <a:rPr lang="en" sz="1300" b="1" dirty="0">
-                <a:solidFill>
-                  <a:schemeClr val="dk1"/>
-                </a:solidFill>
-              </a:rPr>
-              <a:t>🔩</a:t>
-            </a:r>
-            <a:r>
-              <a:rPr lang="en" sz="1600" b="1" dirty="0">
-                <a:solidFill>
-                  <a:schemeClr val="dk1"/>
-                </a:solidFill>
-              </a:rPr>
-              <a:t> Key Components in the Prototype</a:t>
-            </a:r>
-            <a:endParaRPr sz="1600" b="1" dirty="0">
-              <a:solidFill>
-                <a:schemeClr val="dk1"/>
-              </a:solidFill>
-            </a:endParaRPr>
-          </a:p>
-          <a:p>
-            <a:pPr marL="457200" lvl="0" indent="-317500" algn="l" rtl="0">
-              <a:lnSpc>
-                <a:spcPct val="115000"/>
-              </a:lnSpc>
-              <a:spcBef>
-                <a:spcPts val="1200"/>
-              </a:spcBef>
-              <a:spcAft>
-                <a:spcPts val="0"/>
-              </a:spcAft>
-              <a:buClr>
-                <a:schemeClr val="dk1"/>
-              </a:buClr>
-              <a:buSzPts val="1400"/>
-              <a:buAutoNum type="arabicPeriod"/>
-            </a:pPr>
-            <a:r>
-              <a:rPr lang="en" b="1" dirty="0">
-                <a:solidFill>
-                  <a:schemeClr val="dk1"/>
-                </a:solidFill>
-              </a:rPr>
-              <a:t>Arduino Uno SMD</a:t>
-            </a:r>
-            <a:r>
-              <a:rPr lang="en" dirty="0">
-                <a:solidFill>
-                  <a:schemeClr val="dk1"/>
-                </a:solidFill>
-              </a:rPr>
-              <a:t> </a:t>
-            </a:r>
-            <a:br>
-              <a:rPr lang="en" dirty="0">
-                <a:solidFill>
-                  <a:schemeClr val="dk1"/>
-                </a:solidFill>
-              </a:rPr>
-            </a:br>
-            <a:endParaRPr dirty="0">
-              <a:solidFill>
-                <a:schemeClr val="dk1"/>
-              </a:solidFill>
-            </a:endParaRPr>
-          </a:p>
-          <a:p>
-            <a:pPr marL="914400" lvl="1" indent="-317500" algn="l" rtl="0">
-              <a:lnSpc>
-                <a:spcPct val="115000"/>
-              </a:lnSpc>
-              <a:spcBef>
-                <a:spcPts val="0"/>
-              </a:spcBef>
-              <a:spcAft>
-                <a:spcPts val="0"/>
-              </a:spcAft>
-              <a:buClr>
-                <a:schemeClr val="dk1"/>
-              </a:buClr>
-              <a:buSzPts val="1400"/>
-              <a:buChar char="○"/>
-            </a:pPr>
-            <a:r>
-              <a:rPr lang="en" dirty="0">
-                <a:solidFill>
-                  <a:schemeClr val="dk1"/>
-                </a:solidFill>
-              </a:rPr>
-              <a:t>Acts as the system’s central controller.</a:t>
-            </a:r>
-            <a:br>
-              <a:rPr lang="en" dirty="0">
-                <a:solidFill>
-                  <a:schemeClr val="dk1"/>
-                </a:solidFill>
-              </a:rPr>
-            </a:br>
-            <a:endParaRPr dirty="0">
-              <a:solidFill>
-                <a:schemeClr val="dk1"/>
-              </a:solidFill>
-            </a:endParaRPr>
-          </a:p>
-          <a:p>
-            <a:pPr marL="914400" lvl="1" indent="-317500" algn="l" rtl="0">
-              <a:lnSpc>
-                <a:spcPct val="115000"/>
-              </a:lnSpc>
-              <a:spcBef>
-                <a:spcPts val="0"/>
-              </a:spcBef>
-              <a:spcAft>
-                <a:spcPts val="0"/>
-              </a:spcAft>
-              <a:buClr>
-                <a:schemeClr val="dk1"/>
-              </a:buClr>
-              <a:buSzPts val="1400"/>
-              <a:buChar char="○"/>
-            </a:pPr>
-            <a:r>
-              <a:rPr lang="en" dirty="0">
-                <a:solidFill>
-                  <a:schemeClr val="dk1"/>
-                </a:solidFill>
-              </a:rPr>
-              <a:t>Receives input from sensors and controls the servo based on logic.</a:t>
-            </a:r>
-            <a:br>
-              <a:rPr lang="en" dirty="0">
-                <a:solidFill>
-                  <a:schemeClr val="dk1"/>
-                </a:solidFill>
-              </a:rPr>
-            </a:br>
-            <a:endParaRPr dirty="0">
-              <a:solidFill>
-                <a:schemeClr val="dk1"/>
-              </a:solidFill>
-            </a:endParaRPr>
-          </a:p>
-          <a:p>
-            <a:pPr marL="457200" lvl="0" indent="-317500" algn="l" rtl="0">
-              <a:lnSpc>
-                <a:spcPct val="115000"/>
-              </a:lnSpc>
-              <a:spcBef>
-                <a:spcPts val="0"/>
-              </a:spcBef>
-              <a:spcAft>
-                <a:spcPts val="0"/>
-              </a:spcAft>
-              <a:buClr>
-                <a:schemeClr val="dk1"/>
-              </a:buClr>
-              <a:buSzPts val="1400"/>
-              <a:buAutoNum type="arabicPeriod"/>
-            </a:pPr>
-            <a:r>
-              <a:rPr lang="en" b="1" dirty="0">
-                <a:solidFill>
-                  <a:schemeClr val="dk1"/>
-                </a:solidFill>
-              </a:rPr>
-              <a:t>Servo 9g Motor</a:t>
-            </a:r>
-            <a:r>
-              <a:rPr lang="en" dirty="0">
-                <a:solidFill>
-                  <a:schemeClr val="dk1"/>
-                </a:solidFill>
-              </a:rPr>
-              <a:t> </a:t>
-            </a:r>
-            <a:br>
-              <a:rPr lang="en" dirty="0">
-                <a:solidFill>
-                  <a:schemeClr val="dk1"/>
-                </a:solidFill>
-              </a:rPr>
-            </a:br>
-            <a:endParaRPr dirty="0">
-              <a:solidFill>
-                <a:schemeClr val="dk1"/>
-              </a:solidFill>
-            </a:endParaRPr>
-          </a:p>
-          <a:p>
-            <a:pPr marL="914400" lvl="1" indent="-317500" algn="l" rtl="0">
-              <a:lnSpc>
-                <a:spcPct val="115000"/>
-              </a:lnSpc>
-              <a:spcBef>
-                <a:spcPts val="0"/>
-              </a:spcBef>
-              <a:spcAft>
-                <a:spcPts val="0"/>
-              </a:spcAft>
-              <a:buClr>
-                <a:schemeClr val="dk1"/>
-              </a:buClr>
-              <a:buSzPts val="1400"/>
-              <a:buChar char="○"/>
-            </a:pPr>
-            <a:r>
-              <a:rPr lang="en" dirty="0">
-                <a:solidFill>
-                  <a:schemeClr val="dk1"/>
-                </a:solidFill>
-              </a:rPr>
-              <a:t>Physically shifts the flap to direct waste into the correct bin.</a:t>
-            </a:r>
-            <a:br>
-              <a:rPr lang="en" dirty="0">
-                <a:solidFill>
-                  <a:schemeClr val="dk1"/>
-                </a:solidFill>
-              </a:rPr>
-            </a:br>
-            <a:endParaRPr dirty="0">
-              <a:solidFill>
-                <a:schemeClr val="dk1"/>
-              </a:solidFill>
-            </a:endParaRPr>
-          </a:p>
-          <a:p>
-            <a:pPr marL="914400" lvl="1" indent="-317500" algn="l" rtl="0">
-              <a:lnSpc>
-                <a:spcPct val="115000"/>
-              </a:lnSpc>
-              <a:spcBef>
-                <a:spcPts val="0"/>
-              </a:spcBef>
-              <a:spcAft>
-                <a:spcPts val="0"/>
-              </a:spcAft>
-              <a:buClr>
-                <a:schemeClr val="dk1"/>
-              </a:buClr>
-              <a:buSzPts val="1400"/>
-              <a:buChar char="○"/>
-            </a:pPr>
-            <a:r>
-              <a:rPr lang="en" dirty="0">
-                <a:solidFill>
-                  <a:schemeClr val="dk1"/>
-                </a:solidFill>
-              </a:rPr>
-              <a:t>Quick and precise motion based on Arduino’s signal.</a:t>
-            </a:r>
-            <a:br>
-              <a:rPr lang="en" dirty="0">
-                <a:solidFill>
-                  <a:schemeClr val="dk1"/>
-                </a:solidFill>
-              </a:rPr>
-            </a:br>
-            <a:endParaRPr dirty="0">
-              <a:solidFill>
-                <a:schemeClr val="dk1"/>
-              </a:solidFill>
-            </a:endParaRPr>
-          </a:p>
-          <a:p>
-            <a:pPr marL="457200" lvl="0" indent="-317500" algn="l" rtl="0">
-              <a:lnSpc>
-                <a:spcPct val="115000"/>
-              </a:lnSpc>
-              <a:spcBef>
-                <a:spcPts val="0"/>
-              </a:spcBef>
-              <a:spcAft>
-                <a:spcPts val="0"/>
-              </a:spcAft>
-              <a:buClr>
-                <a:schemeClr val="dk1"/>
-              </a:buClr>
-              <a:buSzPts val="1400"/>
-              <a:buAutoNum type="arabicPeriod"/>
-            </a:pPr>
-            <a:r>
-              <a:rPr lang="en" b="1" dirty="0">
-                <a:solidFill>
-                  <a:schemeClr val="dk1"/>
-                </a:solidFill>
-              </a:rPr>
-              <a:t>Soil Moisture Sensor</a:t>
-            </a:r>
-            <a:r>
-              <a:rPr lang="en" dirty="0">
-                <a:solidFill>
-                  <a:schemeClr val="dk1"/>
-                </a:solidFill>
-              </a:rPr>
-              <a:t> </a:t>
-            </a:r>
-            <a:br>
-              <a:rPr lang="en" dirty="0">
-                <a:solidFill>
-                  <a:schemeClr val="dk1"/>
-                </a:solidFill>
-              </a:rPr>
-            </a:br>
-            <a:endParaRPr dirty="0">
-              <a:solidFill>
-                <a:schemeClr val="dk1"/>
-              </a:solidFill>
-            </a:endParaRPr>
-          </a:p>
-          <a:p>
-            <a:pPr marL="914400" lvl="1" indent="-317500" algn="l" rtl="0">
-              <a:lnSpc>
-                <a:spcPct val="115000"/>
-              </a:lnSpc>
-              <a:spcBef>
-                <a:spcPts val="0"/>
-              </a:spcBef>
-              <a:spcAft>
-                <a:spcPts val="0"/>
-              </a:spcAft>
-              <a:buClr>
-                <a:schemeClr val="dk1"/>
-              </a:buClr>
-              <a:buSzPts val="1400"/>
-              <a:buChar char="○"/>
-            </a:pPr>
-            <a:r>
-              <a:rPr lang="en" dirty="0">
-                <a:solidFill>
-                  <a:schemeClr val="dk1"/>
-                </a:solidFill>
-              </a:rPr>
-              <a:t>Measures how wet the waste is.</a:t>
-            </a:r>
-            <a:br>
-              <a:rPr lang="en" dirty="0">
-                <a:solidFill>
-                  <a:schemeClr val="dk1"/>
-                </a:solidFill>
-              </a:rPr>
-            </a:br>
-            <a:endParaRPr dirty="0">
-              <a:solidFill>
-                <a:schemeClr val="dk1"/>
-              </a:solidFill>
-            </a:endParaRPr>
-          </a:p>
-          <a:p>
-            <a:pPr marL="914400" lvl="1" indent="-317500" algn="l" rtl="0">
-              <a:lnSpc>
-                <a:spcPct val="115000"/>
-              </a:lnSpc>
-              <a:spcBef>
-                <a:spcPts val="0"/>
-              </a:spcBef>
-              <a:spcAft>
-                <a:spcPts val="0"/>
-              </a:spcAft>
-              <a:buClr>
-                <a:schemeClr val="dk1"/>
-              </a:buClr>
-              <a:buSzPts val="1400"/>
-              <a:buChar char="○"/>
-            </a:pPr>
-            <a:r>
-              <a:rPr lang="en" dirty="0">
-                <a:solidFill>
-                  <a:schemeClr val="dk1"/>
-                </a:solidFill>
-              </a:rPr>
-              <a:t>Sends moisture data to Arduino to determine waste type</a:t>
-            </a:r>
-            <a:br>
-              <a:rPr lang="en" dirty="0">
-                <a:solidFill>
-                  <a:schemeClr val="dk1"/>
-                </a:solidFill>
-              </a:rPr>
-            </a:br>
-            <a:endParaRPr dirty="0">
-              <a:solidFill>
-                <a:schemeClr val="dk1"/>
-              </a:solidFill>
-            </a:endParaRPr>
-          </a:p>
-          <a:p>
-            <a:pPr marL="0" lvl="0" indent="0" algn="l" rtl="0">
-              <a:lnSpc>
-                <a:spcPct val="115000"/>
-              </a:lnSpc>
-              <a:spcBef>
-                <a:spcPts val="1200"/>
-              </a:spcBef>
-              <a:spcAft>
-                <a:spcPts val="0"/>
-              </a:spcAft>
-              <a:buNone/>
-            </a:pPr>
-            <a:endParaRPr sz="1100" dirty="0">
-              <a:solidFill>
-                <a:schemeClr val="dk1"/>
-              </a:solidFill>
-            </a:endParaRPr>
-          </a:p>
-        </p:txBody>
-      </p:sp>
-      <p:pic>
-        <p:nvPicPr>
-          <p:cNvPr id="626" name="Google Shape;626;p64" title="soil sensor.jpg"/>
-          <p:cNvPicPr preferRelativeResize="0"/>
-          <p:nvPr/>
-        </p:nvPicPr>
-        <p:blipFill>
-          <a:blip r:embed="rId3">
-            <a:alphaModFix/>
-          </a:blip>
-          <a:stretch>
-            <a:fillRect/>
-          </a:stretch>
-        </p:blipFill>
-        <p:spPr>
-          <a:xfrm>
-            <a:off x="6655050" y="3956175"/>
-            <a:ext cx="1857900" cy="1187325"/>
-          </a:xfrm>
-          <a:prstGeom prst="rect">
-            <a:avLst/>
-          </a:prstGeom>
-          <a:noFill/>
-          <a:ln>
-            <a:noFill/>
-          </a:ln>
-        </p:spPr>
-      </p:pic>
-      <p:pic>
-        <p:nvPicPr>
-          <p:cNvPr id="627" name="Google Shape;627;p64" title="servo motor.jpg"/>
-          <p:cNvPicPr preferRelativeResize="0"/>
-          <p:nvPr/>
-        </p:nvPicPr>
-        <p:blipFill>
-          <a:blip r:embed="rId4">
-            <a:alphaModFix/>
-          </a:blip>
-          <a:stretch>
-            <a:fillRect/>
-          </a:stretch>
-        </p:blipFill>
-        <p:spPr>
-          <a:xfrm>
-            <a:off x="6655050" y="2342750"/>
-            <a:ext cx="1857900" cy="1277925"/>
-          </a:xfrm>
-          <a:prstGeom prst="rect">
-            <a:avLst/>
-          </a:prstGeom>
-          <a:noFill/>
-          <a:ln>
-            <a:noFill/>
-          </a:ln>
-        </p:spPr>
-      </p:pic>
-      <p:pic>
-        <p:nvPicPr>
-          <p:cNvPr id="628" name="Google Shape;628;p64" title="Arduino_Uno_-_R3.jpg"/>
-          <p:cNvPicPr preferRelativeResize="0"/>
-          <p:nvPr/>
-        </p:nvPicPr>
-        <p:blipFill>
-          <a:blip r:embed="rId5">
-            <a:alphaModFix/>
-          </a:blip>
-          <a:stretch>
-            <a:fillRect/>
-          </a:stretch>
-        </p:blipFill>
-        <p:spPr>
-          <a:xfrm>
-            <a:off x="6574650" y="415275"/>
-            <a:ext cx="2122376" cy="1451025"/>
-          </a:xfrm>
-          <a:prstGeom prst="rect">
-            <a:avLst/>
-          </a:prstGeom>
-          <a:noFill/>
-          <a:ln>
-            <a:noFill/>
-          </a:ln>
-        </p:spPr>
-      </p:pic>
-    </p:spTree>
-  </p:cSld>
-  <p:clrMapOvr>
-    <a:masterClrMapping/>
-  </p:clrMapOvr>
-</p:sld>
-</file>
-
-<file path=ppt/slides/slide11.xml><?xml version="1.0" encoding="utf-8"?>
-<p:sld xmlns:a="http://schemas.openxmlformats.org/drawingml/2006/main" xmlns:r="http://schemas.openxmlformats.org/officeDocument/2006/relationships" xmlns:p="http://schemas.openxmlformats.org/presentationml/2006/main">
-  <p:cSld>
-    <p:bg>
-      <p:bgPr>
-        <a:solidFill>
-          <a:schemeClr val="tx2">
-            <a:lumMod val="40000"/>
-            <a:lumOff val="60000"/>
-          </a:schemeClr>
-        </a:solidFill>
-        <a:effectLst/>
-      </p:bgPr>
-    </p:bg>
-    <p:spTree>
-      <p:nvGrpSpPr>
-        <p:cNvPr id="1" name="Shape 632"/>
-        <p:cNvGrpSpPr/>
-        <p:nvPr/>
-      </p:nvGrpSpPr>
-      <p:grpSpPr>
-        <a:xfrm>
-          <a:off x="0" y="0"/>
-          <a:ext cx="0" cy="0"/>
-          <a:chOff x="0" y="0"/>
-          <a:chExt cx="0" cy="0"/>
-        </a:xfrm>
-      </p:grpSpPr>
-      <p:sp>
-        <p:nvSpPr>
-          <p:cNvPr id="633" name="Google Shape;633;p65"/>
-          <p:cNvSpPr txBox="1"/>
-          <p:nvPr/>
-        </p:nvSpPr>
-        <p:spPr>
-          <a:xfrm>
-            <a:off x="14050" y="0"/>
-            <a:ext cx="9233400" cy="5502900"/>
-          </a:xfrm>
-          <a:prstGeom prst="rect">
-            <a:avLst/>
-          </a:prstGeom>
-          <a:noFill/>
-          <a:ln>
-            <a:noFill/>
-          </a:ln>
-        </p:spPr>
-        <p:txBody>
-          <a:bodyPr spcFirstLastPara="1" wrap="square" lIns="91425" tIns="91425" rIns="91425" bIns="91425" anchor="t" anchorCtr="0">
-            <a:spAutoFit/>
-          </a:bodyPr>
-          <a:lstStyle/>
-          <a:p>
-            <a:pPr marL="457200" lvl="0" indent="0" algn="l" rtl="0">
-              <a:lnSpc>
-                <a:spcPct val="115000"/>
-              </a:lnSpc>
-              <a:spcBef>
-                <a:spcPts val="1200"/>
-              </a:spcBef>
-              <a:spcAft>
-                <a:spcPts val="0"/>
-              </a:spcAft>
-              <a:buNone/>
-            </a:pPr>
-            <a:r>
-              <a:rPr lang="en" b="1">
-                <a:solidFill>
-                  <a:schemeClr val="dk1"/>
-                </a:solidFill>
-              </a:rPr>
-              <a:t>Ultrasonic Sensor</a:t>
-            </a:r>
-            <a:r>
-              <a:rPr lang="en">
-                <a:solidFill>
-                  <a:schemeClr val="dk1"/>
-                </a:solidFill>
-              </a:rPr>
-              <a:t> 📏</a:t>
-            </a:r>
-            <a:br>
-              <a:rPr lang="en">
-                <a:solidFill>
-                  <a:schemeClr val="dk1"/>
-                </a:solidFill>
-              </a:rPr>
-            </a:br>
-            <a:endParaRPr>
-              <a:solidFill>
-                <a:schemeClr val="dk1"/>
-              </a:solidFill>
-            </a:endParaRPr>
-          </a:p>
-          <a:p>
-            <a:pPr marL="914400" lvl="1" indent="-317500" algn="l" rtl="0">
-              <a:lnSpc>
-                <a:spcPct val="115000"/>
-              </a:lnSpc>
-              <a:spcBef>
-                <a:spcPts val="1200"/>
-              </a:spcBef>
-              <a:spcAft>
-                <a:spcPts val="0"/>
-              </a:spcAft>
-              <a:buClr>
-                <a:schemeClr val="dk1"/>
-              </a:buClr>
-              <a:buSzPts val="1400"/>
-              <a:buChar char="○"/>
-            </a:pPr>
-            <a:r>
-              <a:rPr lang="en">
-                <a:solidFill>
-                  <a:schemeClr val="dk1"/>
-                </a:solidFill>
-              </a:rPr>
-              <a:t>Senses when waste is placed within range</a:t>
-            </a:r>
-            <a:endParaRPr>
-              <a:solidFill>
-                <a:schemeClr val="dk1"/>
-              </a:solidFill>
-            </a:endParaRPr>
-          </a:p>
-          <a:p>
-            <a:pPr marL="914400" lvl="1" indent="-317500" algn="l" rtl="0">
-              <a:lnSpc>
-                <a:spcPct val="115000"/>
-              </a:lnSpc>
-              <a:spcBef>
-                <a:spcPts val="0"/>
-              </a:spcBef>
-              <a:spcAft>
-                <a:spcPts val="0"/>
-              </a:spcAft>
-              <a:buClr>
-                <a:schemeClr val="dk1"/>
-              </a:buClr>
-              <a:buSzPts val="1400"/>
-              <a:buChar char="○"/>
-            </a:pPr>
-            <a:r>
-              <a:rPr lang="en">
-                <a:solidFill>
-                  <a:schemeClr val="dk1"/>
-                </a:solidFill>
-              </a:rPr>
-              <a:t>Ensures system activates only when waste is detected.</a:t>
-            </a:r>
-            <a:br>
-              <a:rPr lang="en">
-                <a:solidFill>
-                  <a:schemeClr val="dk1"/>
-                </a:solidFill>
-              </a:rPr>
-            </a:br>
-            <a:endParaRPr>
-              <a:solidFill>
-                <a:schemeClr val="dk1"/>
-              </a:solidFill>
-            </a:endParaRPr>
-          </a:p>
-          <a:p>
-            <a:pPr marL="457200" lvl="0" indent="0" algn="l" rtl="0">
-              <a:lnSpc>
-                <a:spcPct val="115000"/>
-              </a:lnSpc>
-              <a:spcBef>
-                <a:spcPts val="1200"/>
-              </a:spcBef>
-              <a:spcAft>
-                <a:spcPts val="0"/>
-              </a:spcAft>
-              <a:buNone/>
-            </a:pPr>
-            <a:r>
-              <a:rPr lang="en" b="1">
-                <a:solidFill>
-                  <a:schemeClr val="dk1"/>
-                </a:solidFill>
-              </a:rPr>
-              <a:t>USB Cable</a:t>
-            </a:r>
-            <a:r>
-              <a:rPr lang="en">
-                <a:solidFill>
-                  <a:schemeClr val="dk1"/>
-                </a:solidFill>
-              </a:rPr>
-              <a:t> 🔌</a:t>
-            </a:r>
-            <a:endParaRPr>
-              <a:solidFill>
-                <a:schemeClr val="dk1"/>
-              </a:solidFill>
-            </a:endParaRPr>
-          </a:p>
-          <a:p>
-            <a:pPr marL="457200" lvl="0" indent="-317500" algn="l" rtl="0">
-              <a:lnSpc>
-                <a:spcPct val="115000"/>
-              </a:lnSpc>
-              <a:spcBef>
-                <a:spcPts val="1200"/>
-              </a:spcBef>
-              <a:spcAft>
-                <a:spcPts val="0"/>
-              </a:spcAft>
-              <a:buClr>
-                <a:schemeClr val="dk1"/>
-              </a:buClr>
-              <a:buSzPts val="1400"/>
-              <a:buChar char="○"/>
-            </a:pPr>
-            <a:r>
-              <a:rPr lang="en">
-                <a:solidFill>
-                  <a:schemeClr val="dk1"/>
-                </a:solidFill>
-              </a:rPr>
-              <a:t>Used for programming the Arduino and providing power during testing.</a:t>
-            </a:r>
-            <a:br>
-              <a:rPr lang="en">
-                <a:solidFill>
-                  <a:schemeClr val="dk1"/>
-                </a:solidFill>
-              </a:rPr>
-            </a:br>
-            <a:endParaRPr>
-              <a:solidFill>
-                <a:schemeClr val="dk1"/>
-              </a:solidFill>
-            </a:endParaRPr>
-          </a:p>
-          <a:p>
-            <a:pPr marL="457200" lvl="0" indent="0" algn="l" rtl="0">
-              <a:lnSpc>
-                <a:spcPct val="115000"/>
-              </a:lnSpc>
-              <a:spcBef>
-                <a:spcPts val="1200"/>
-              </a:spcBef>
-              <a:spcAft>
-                <a:spcPts val="0"/>
-              </a:spcAft>
-              <a:buNone/>
-            </a:pPr>
-            <a:r>
-              <a:rPr lang="en" b="1">
-                <a:solidFill>
-                  <a:schemeClr val="dk1"/>
-                </a:solidFill>
-              </a:rPr>
-              <a:t>Nuts and Bolts (3x20mm &amp; 3x12mm)</a:t>
-            </a:r>
-            <a:r>
-              <a:rPr lang="en">
-                <a:solidFill>
-                  <a:schemeClr val="dk1"/>
-                </a:solidFill>
-              </a:rPr>
-              <a:t> 🔧</a:t>
-            </a:r>
-            <a:endParaRPr>
-              <a:solidFill>
-                <a:schemeClr val="dk1"/>
-              </a:solidFill>
-            </a:endParaRPr>
-          </a:p>
-          <a:p>
-            <a:pPr marL="457200" lvl="0" indent="0" algn="l" rtl="0">
-              <a:lnSpc>
-                <a:spcPct val="115000"/>
-              </a:lnSpc>
-              <a:spcBef>
-                <a:spcPts val="1200"/>
-              </a:spcBef>
-              <a:spcAft>
-                <a:spcPts val="0"/>
-              </a:spcAft>
-              <a:buNone/>
-            </a:pPr>
-            <a:r>
-              <a:rPr lang="en">
-                <a:solidFill>
-                  <a:schemeClr val="dk1"/>
-                </a:solidFill>
-              </a:rPr>
-              <a:t>Used to build the frame of the waste segregation device.</a:t>
-            </a:r>
-            <a:endParaRPr>
-              <a:solidFill>
-                <a:schemeClr val="dk1"/>
-              </a:solidFill>
-            </a:endParaRPr>
-          </a:p>
-          <a:p>
-            <a:pPr marL="457200" lvl="0" indent="0" algn="l" rtl="0">
-              <a:lnSpc>
-                <a:spcPct val="115000"/>
-              </a:lnSpc>
-              <a:spcBef>
-                <a:spcPts val="1200"/>
-              </a:spcBef>
-              <a:spcAft>
-                <a:spcPts val="0"/>
-              </a:spcAft>
-              <a:buNone/>
-            </a:pPr>
-            <a:r>
-              <a:rPr lang="en">
-                <a:solidFill>
-                  <a:schemeClr val="dk1"/>
-                </a:solidFill>
-              </a:rPr>
-              <a:t>Provides structural stability.</a:t>
-            </a:r>
-            <a:br>
-              <a:rPr lang="en">
-                <a:solidFill>
-                  <a:schemeClr val="dk1"/>
-                </a:solidFill>
-              </a:rPr>
-            </a:br>
-            <a:endParaRPr>
-              <a:solidFill>
-                <a:schemeClr val="dk1"/>
-              </a:solidFill>
-            </a:endParaRPr>
-          </a:p>
-          <a:p>
-            <a:pPr marL="457200" lvl="0" indent="0" algn="l" rtl="0">
-              <a:lnSpc>
-                <a:spcPct val="115000"/>
-              </a:lnSpc>
-              <a:spcBef>
-                <a:spcPts val="1200"/>
-              </a:spcBef>
-              <a:spcAft>
-                <a:spcPts val="0"/>
-              </a:spcAft>
-              <a:buNone/>
-            </a:pPr>
-            <a:r>
-              <a:rPr lang="en" b="1">
-                <a:solidFill>
-                  <a:schemeClr val="dk1"/>
-                </a:solidFill>
-              </a:rPr>
-              <a:t>F-F and M-F Jumper Wires</a:t>
-            </a:r>
-            <a:r>
-              <a:rPr lang="en">
-                <a:solidFill>
-                  <a:schemeClr val="dk1"/>
-                </a:solidFill>
-              </a:rPr>
-              <a:t> 🔗</a:t>
-            </a:r>
-            <a:endParaRPr>
-              <a:solidFill>
-                <a:schemeClr val="dk1"/>
-              </a:solidFill>
-            </a:endParaRPr>
-          </a:p>
-          <a:p>
-            <a:pPr marL="457200" lvl="0" indent="0" algn="l" rtl="0">
-              <a:lnSpc>
-                <a:spcPct val="115000"/>
-              </a:lnSpc>
-              <a:spcBef>
-                <a:spcPts val="1200"/>
-              </a:spcBef>
-              <a:spcAft>
-                <a:spcPts val="0"/>
-              </a:spcAft>
-              <a:buNone/>
-            </a:pPr>
-            <a:r>
-              <a:rPr lang="en">
-                <a:solidFill>
-                  <a:schemeClr val="dk1"/>
-                </a:solidFill>
-              </a:rPr>
-              <a:t>Connect components to the Arduino.</a:t>
-            </a:r>
-            <a:endParaRPr>
-              <a:solidFill>
-                <a:schemeClr val="dk1"/>
-              </a:solidFill>
-            </a:endParaRPr>
-          </a:p>
-          <a:p>
-            <a:pPr marL="457200" lvl="0" indent="0" algn="l" rtl="0">
-              <a:lnSpc>
-                <a:spcPct val="115000"/>
-              </a:lnSpc>
-              <a:spcBef>
-                <a:spcPts val="1200"/>
-              </a:spcBef>
-              <a:spcAft>
-                <a:spcPts val="1200"/>
-              </a:spcAft>
-              <a:buNone/>
-            </a:pPr>
-            <a:r>
-              <a:rPr lang="en">
-                <a:solidFill>
-                  <a:schemeClr val="dk1"/>
-                </a:solidFill>
-              </a:rPr>
-              <a:t>Ensures smooth communication between sensors, motor, and microcontroller.</a:t>
-            </a:r>
-            <a:br>
-              <a:rPr lang="en">
-                <a:solidFill>
-                  <a:schemeClr val="dk1"/>
-                </a:solidFill>
-              </a:rPr>
-            </a:br>
-            <a:endParaRPr>
-              <a:solidFill>
-                <a:schemeClr val="dk1"/>
-              </a:solidFill>
-            </a:endParaRPr>
-          </a:p>
-        </p:txBody>
-      </p:sp>
-      <p:pic>
-        <p:nvPicPr>
-          <p:cNvPr id="634" name="Google Shape;634;p65" title="Screenshot 2025-04-27 123504.png"/>
-          <p:cNvPicPr preferRelativeResize="0"/>
-          <p:nvPr/>
-        </p:nvPicPr>
-        <p:blipFill>
-          <a:blip r:embed="rId3">
-            <a:alphaModFix/>
-          </a:blip>
-          <a:stretch>
-            <a:fillRect/>
-          </a:stretch>
-        </p:blipFill>
-        <p:spPr>
-          <a:xfrm>
-            <a:off x="5675900" y="222200"/>
-            <a:ext cx="2786476" cy="1461825"/>
-          </a:xfrm>
-          <a:prstGeom prst="rect">
-            <a:avLst/>
-          </a:prstGeom>
-          <a:noFill/>
-          <a:ln>
-            <a:noFill/>
-          </a:ln>
-        </p:spPr>
-      </p:pic>
-      <p:pic>
-        <p:nvPicPr>
-          <p:cNvPr id="635" name="Google Shape;635;p65" title="jumper.jpg"/>
-          <p:cNvPicPr preferRelativeResize="0"/>
-          <p:nvPr/>
-        </p:nvPicPr>
-        <p:blipFill>
-          <a:blip r:embed="rId4">
-            <a:alphaModFix/>
-          </a:blip>
-          <a:stretch>
-            <a:fillRect/>
-          </a:stretch>
-        </p:blipFill>
-        <p:spPr>
-          <a:xfrm>
-            <a:off x="7177725" y="3068250"/>
-            <a:ext cx="1820775" cy="1839175"/>
-          </a:xfrm>
-          <a:prstGeom prst="rect">
-            <a:avLst/>
-          </a:prstGeom>
-          <a:noFill/>
-          <a:ln>
-            <a:noFill/>
-          </a:ln>
-        </p:spPr>
-      </p:pic>
-    </p:spTree>
-  </p:cSld>
-  <p:clrMapOvr>
-    <a:masterClrMapping/>
-  </p:clrMapOvr>
-</p:sld>
-</file>
-
-<file path=ppt/slides/slide12.xml><?xml version="1.0" encoding="utf-8"?>
-<p:sld xmlns:a="http://schemas.openxmlformats.org/drawingml/2006/main" xmlns:r="http://schemas.openxmlformats.org/officeDocument/2006/relationships" xmlns:p="http://schemas.openxmlformats.org/presentationml/2006/main">
-  <p:cSld>
-    <p:bg>
-      <p:bgPr>
-        <a:solidFill>
-          <a:schemeClr val="tx2">
-            <a:lumMod val="40000"/>
-            <a:lumOff val="60000"/>
-          </a:schemeClr>
-        </a:solidFill>
-        <a:effectLst/>
-      </p:bgPr>
-    </p:bg>
-    <p:spTree>
-      <p:nvGrpSpPr>
-        <p:cNvPr id="1" name="Shape 639"/>
-        <p:cNvGrpSpPr/>
-        <p:nvPr/>
-      </p:nvGrpSpPr>
-      <p:grpSpPr>
-        <a:xfrm>
-          <a:off x="0" y="0"/>
-          <a:ext cx="0" cy="0"/>
-          <a:chOff x="0" y="0"/>
-          <a:chExt cx="0" cy="0"/>
-        </a:xfrm>
-      </p:grpSpPr>
-      <p:sp>
-        <p:nvSpPr>
-          <p:cNvPr id="2" name="Title 1">
-            <a:extLst>
-              <a:ext uri="{FF2B5EF4-FFF2-40B4-BE49-F238E27FC236}">
-                <a16:creationId xmlns:a16="http://schemas.microsoft.com/office/drawing/2014/main" id="{C7F96D47-E4CE-E81D-7C28-DF9EDF130D61}"/>
-              </a:ext>
-            </a:extLst>
-          </p:cNvPr>
-          <p:cNvSpPr>
-            <a:spLocks noGrp="1"/>
-          </p:cNvSpPr>
-          <p:nvPr>
-            <p:ph type="title"/>
-          </p:nvPr>
-        </p:nvSpPr>
-        <p:spPr/>
-        <p:txBody>
-          <a:bodyPr/>
-          <a:lstStyle/>
-          <a:p>
-            <a:endParaRPr lang="en-IN"/>
-          </a:p>
-        </p:txBody>
-      </p:sp>
-      <p:sp>
-        <p:nvSpPr>
-          <p:cNvPr id="640" name="Google Shape;640;p66"/>
-          <p:cNvSpPr txBox="1">
-            <a:spLocks noGrp="1"/>
-          </p:cNvSpPr>
-          <p:nvPr>
-            <p:ph type="body" idx="4294967295"/>
-          </p:nvPr>
-        </p:nvSpPr>
-        <p:spPr>
-          <a:xfrm>
-            <a:off x="0" y="146050"/>
-            <a:ext cx="8353425" cy="4851400"/>
-          </a:xfrm>
-          <a:prstGeom prst="rect">
-            <a:avLst/>
-          </a:prstGeom>
-        </p:spPr>
-        <p:txBody>
-          <a:bodyPr spcFirstLastPara="1" wrap="square" lIns="91425" tIns="91425" rIns="91425" bIns="91425" anchor="t" anchorCtr="0">
-            <a:noAutofit/>
-          </a:bodyPr>
-          <a:lstStyle/>
-          <a:p>
-            <a:pPr marL="0" lvl="0" indent="0" algn="l" rtl="0">
-              <a:lnSpc>
-                <a:spcPct val="115000"/>
-              </a:lnSpc>
-              <a:spcBef>
-                <a:spcPts val="1800"/>
-              </a:spcBef>
-              <a:spcAft>
-                <a:spcPts val="0"/>
-              </a:spcAft>
-              <a:buClr>
-                <a:schemeClr val="dk1"/>
-              </a:buClr>
-              <a:buSzPts val="1100"/>
-              <a:buFont typeface="Arial"/>
-              <a:buNone/>
-            </a:pPr>
-            <a:r>
-              <a:rPr lang="en" sz="2700" b="1" dirty="0">
-                <a:latin typeface="Arial"/>
-                <a:ea typeface="Arial"/>
-                <a:cs typeface="Arial"/>
-                <a:sym typeface="Arial"/>
-              </a:rPr>
-              <a:t>✅ Conclusion</a:t>
-            </a:r>
-            <a:endParaRPr sz="2700" b="1" dirty="0">
-              <a:latin typeface="Arial"/>
-              <a:ea typeface="Arial"/>
-              <a:cs typeface="Arial"/>
-              <a:sym typeface="Arial"/>
-            </a:endParaRPr>
-          </a:p>
-          <a:p>
-            <a:pPr marL="0" lvl="0" indent="0" algn="l" rtl="0">
-              <a:lnSpc>
-                <a:spcPct val="115000"/>
-              </a:lnSpc>
-              <a:spcBef>
-                <a:spcPts val="1200"/>
-              </a:spcBef>
-              <a:spcAft>
-                <a:spcPts val="0"/>
-              </a:spcAft>
-              <a:buClr>
-                <a:schemeClr val="dk1"/>
-              </a:buClr>
-              <a:buSzPts val="1100"/>
-              <a:buFont typeface="Arial"/>
-              <a:buNone/>
-            </a:pPr>
-            <a:r>
-              <a:rPr lang="en" sz="1800" dirty="0">
-                <a:latin typeface="Arial"/>
-                <a:ea typeface="Arial"/>
-                <a:cs typeface="Arial"/>
-                <a:sym typeface="Arial"/>
-              </a:rPr>
-              <a:t>The </a:t>
-            </a:r>
-            <a:r>
-              <a:rPr lang="en" sz="1800" b="1" dirty="0">
-                <a:latin typeface="Arial"/>
-                <a:ea typeface="Arial"/>
-                <a:cs typeface="Arial"/>
-                <a:sym typeface="Arial"/>
-              </a:rPr>
-              <a:t>automated wet and dry waste segregation system</a:t>
-            </a:r>
-            <a:r>
-              <a:rPr lang="en" sz="1800" dirty="0">
-                <a:latin typeface="Arial"/>
-                <a:ea typeface="Arial"/>
-                <a:cs typeface="Arial"/>
-                <a:sym typeface="Arial"/>
-              </a:rPr>
-              <a:t> we developed provides a </a:t>
-            </a:r>
-            <a:r>
-              <a:rPr lang="en" sz="1800" b="1" dirty="0">
-                <a:latin typeface="Arial"/>
-                <a:ea typeface="Arial"/>
-                <a:cs typeface="Arial"/>
-                <a:sym typeface="Arial"/>
-              </a:rPr>
-              <a:t>smart, efficient, and eco-friendly solution</a:t>
-            </a:r>
-            <a:r>
-              <a:rPr lang="en" sz="1800" dirty="0">
-                <a:latin typeface="Arial"/>
-                <a:ea typeface="Arial"/>
-                <a:cs typeface="Arial"/>
-                <a:sym typeface="Arial"/>
-              </a:rPr>
-              <a:t> to one of the most common problems in daily waste management. By integrating sensors and automation using Arduino Uno, the system can accurately detect and categorize waste based on its moisture content — reducing human effort and error.</a:t>
-            </a:r>
-            <a:endParaRPr sz="1800" dirty="0">
-              <a:latin typeface="Arial"/>
-              <a:ea typeface="Arial"/>
-              <a:cs typeface="Arial"/>
-              <a:sym typeface="Arial"/>
-            </a:endParaRPr>
-          </a:p>
-          <a:p>
-            <a:pPr marL="0" lvl="0" indent="0" algn="l" rtl="0">
-              <a:lnSpc>
-                <a:spcPct val="115000"/>
-              </a:lnSpc>
-              <a:spcBef>
-                <a:spcPts val="1200"/>
-              </a:spcBef>
-              <a:spcAft>
-                <a:spcPts val="0"/>
-              </a:spcAft>
-              <a:buClr>
-                <a:schemeClr val="dk1"/>
-              </a:buClr>
-              <a:buSzPts val="1100"/>
-              <a:buFont typeface="Arial"/>
-              <a:buNone/>
-            </a:pPr>
-            <a:r>
-              <a:rPr lang="en" sz="1800" dirty="0">
-                <a:latin typeface="Arial"/>
-                <a:ea typeface="Arial"/>
-                <a:cs typeface="Arial"/>
-                <a:sym typeface="Arial"/>
-              </a:rPr>
-              <a:t>This project not only promotes </a:t>
-            </a:r>
-            <a:r>
-              <a:rPr lang="en" sz="1800" b="1" dirty="0">
-                <a:latin typeface="Arial"/>
-                <a:ea typeface="Arial"/>
-                <a:cs typeface="Arial"/>
-                <a:sym typeface="Arial"/>
-              </a:rPr>
-              <a:t>cleaner and more sustainable waste disposal habits</a:t>
-            </a:r>
-            <a:r>
-              <a:rPr lang="en" sz="1800" dirty="0">
-                <a:latin typeface="Arial"/>
-                <a:ea typeface="Arial"/>
-                <a:cs typeface="Arial"/>
-                <a:sym typeface="Arial"/>
-              </a:rPr>
-              <a:t> but also shows how </a:t>
-            </a:r>
-            <a:r>
-              <a:rPr lang="en" sz="1800" b="1" dirty="0">
-                <a:latin typeface="Arial"/>
-                <a:ea typeface="Arial"/>
-                <a:cs typeface="Arial"/>
-                <a:sym typeface="Arial"/>
-              </a:rPr>
-              <a:t>technology and innovation</a:t>
-            </a:r>
-            <a:r>
-              <a:rPr lang="en" sz="1800" dirty="0">
-                <a:latin typeface="Arial"/>
-                <a:ea typeface="Arial"/>
-                <a:cs typeface="Arial"/>
-                <a:sym typeface="Arial"/>
-              </a:rPr>
-              <a:t> can contribute to solving environmental challenges. With further development, this prototype can be scaled for use in </a:t>
-            </a:r>
-            <a:r>
-              <a:rPr lang="en" sz="1800" b="1" dirty="0">
-                <a:latin typeface="Arial"/>
-                <a:ea typeface="Arial"/>
-                <a:cs typeface="Arial"/>
-                <a:sym typeface="Arial"/>
-              </a:rPr>
-              <a:t>homes, schools, offices, and public spaces</a:t>
-            </a:r>
-            <a:r>
-              <a:rPr lang="en" sz="1800" dirty="0">
-                <a:latin typeface="Arial"/>
-                <a:ea typeface="Arial"/>
-                <a:cs typeface="Arial"/>
-                <a:sym typeface="Arial"/>
-              </a:rPr>
-              <a:t>, encouraging </a:t>
-            </a:r>
-            <a:r>
-              <a:rPr lang="en" sz="1800" b="1" dirty="0">
-                <a:latin typeface="Arial"/>
-                <a:ea typeface="Arial"/>
-                <a:cs typeface="Arial"/>
-                <a:sym typeface="Arial"/>
-              </a:rPr>
-              <a:t>widespread adoption of smart waste segregation</a:t>
-            </a:r>
-            <a:r>
-              <a:rPr lang="en" sz="1800" dirty="0">
-                <a:latin typeface="Arial"/>
-                <a:ea typeface="Arial"/>
-                <a:cs typeface="Arial"/>
-                <a:sym typeface="Arial"/>
-              </a:rPr>
-              <a:t> and leading toward a </a:t>
-            </a:r>
-            <a:r>
-              <a:rPr lang="en" sz="1800" b="1" dirty="0">
-                <a:latin typeface="Arial"/>
-                <a:ea typeface="Arial"/>
-                <a:cs typeface="Arial"/>
-                <a:sym typeface="Arial"/>
-              </a:rPr>
-              <a:t>greener future.</a:t>
-            </a:r>
-            <a:r>
-              <a:rPr lang="en" sz="1800" dirty="0">
-                <a:latin typeface="Arial"/>
-                <a:ea typeface="Arial"/>
-                <a:cs typeface="Arial"/>
-                <a:sym typeface="Arial"/>
-              </a:rPr>
-              <a:t> </a:t>
-            </a:r>
-            <a:endParaRPr sz="1800" dirty="0">
-              <a:latin typeface="Arial"/>
-              <a:ea typeface="Arial"/>
-              <a:cs typeface="Arial"/>
-              <a:sym typeface="Arial"/>
-            </a:endParaRPr>
-          </a:p>
-          <a:p>
-            <a:pPr marL="0" lvl="0" indent="0" algn="l" rtl="0">
-              <a:lnSpc>
-                <a:spcPct val="115000"/>
-              </a:lnSpc>
-              <a:spcBef>
-                <a:spcPts val="1200"/>
-              </a:spcBef>
-              <a:spcAft>
-                <a:spcPts val="0"/>
-              </a:spcAft>
-              <a:buClr>
-                <a:schemeClr val="dk1"/>
-              </a:buClr>
-              <a:buSzPts val="1100"/>
-              <a:buFont typeface="Arial"/>
-              <a:buNone/>
-            </a:pPr>
-            <a:endParaRPr sz="1100" dirty="0">
-              <a:latin typeface="Arial"/>
-              <a:ea typeface="Arial"/>
-              <a:cs typeface="Arial"/>
-              <a:sym typeface="Arial"/>
-            </a:endParaRPr>
-          </a:p>
-          <a:p>
-            <a:pPr marL="0" lvl="0" indent="0" algn="l" rtl="0">
-              <a:lnSpc>
-                <a:spcPct val="115000"/>
-              </a:lnSpc>
-              <a:spcBef>
-                <a:spcPts val="1200"/>
-              </a:spcBef>
-              <a:spcAft>
-                <a:spcPts val="0"/>
-              </a:spcAft>
-              <a:buNone/>
-            </a:pPr>
-            <a:endParaRPr dirty="0"/>
-          </a:p>
-        </p:txBody>
-      </p:sp>
-    </p:spTree>
-  </p:cSld>
-  <p:clrMapOvr>
-    <a:masterClrMapping/>
-  </p:clrMapOvr>
-</p:sld>
-</file>
-
-<file path=ppt/slides/slide13.xml><?xml version="1.0" encoding="utf-8"?>
-<p:sld xmlns:a="http://schemas.openxmlformats.org/drawingml/2006/main" xmlns:r="http://schemas.openxmlformats.org/officeDocument/2006/relationships" xmlns:p="http://schemas.openxmlformats.org/presentationml/2006/main">
-  <p:cSld>
-    <p:spTree>
-      <p:nvGrpSpPr>
-        <p:cNvPr id="1" name="Shape 644"/>
-        <p:cNvGrpSpPr/>
-        <p:nvPr/>
-      </p:nvGrpSpPr>
-      <p:grpSpPr>
-        <a:xfrm>
-          <a:off x="0" y="0"/>
-          <a:ext cx="0" cy="0"/>
-          <a:chOff x="0" y="0"/>
-          <a:chExt cx="0" cy="0"/>
-        </a:xfrm>
-      </p:grpSpPr>
-      <p:sp>
-        <p:nvSpPr>
-          <p:cNvPr id="645" name="Google Shape;645;p67"/>
-          <p:cNvSpPr txBox="1">
-            <a:spLocks noGrp="1"/>
-          </p:cNvSpPr>
-          <p:nvPr>
-            <p:ph type="title" idx="4294967295"/>
-          </p:nvPr>
-        </p:nvSpPr>
-        <p:spPr>
-          <a:xfrm>
-            <a:off x="938600" y="1569000"/>
-            <a:ext cx="6655200" cy="2005500"/>
-          </a:xfrm>
-          <a:prstGeom prst="rect">
-            <a:avLst/>
-          </a:prstGeom>
-        </p:spPr>
-        <p:txBody>
-          <a:bodyPr spcFirstLastPara="1" wrap="square" lIns="91425" tIns="91425" rIns="91425" bIns="91425" anchor="t" anchorCtr="0">
-            <a:noAutofit/>
-          </a:bodyPr>
-          <a:lstStyle/>
-          <a:p>
-            <a:pPr marL="0" lvl="0" indent="0" algn="l" rtl="0">
-              <a:spcBef>
-                <a:spcPts val="0"/>
-              </a:spcBef>
-              <a:spcAft>
-                <a:spcPts val="0"/>
-              </a:spcAft>
-              <a:buNone/>
-            </a:pPr>
-            <a:r>
-              <a:rPr lang="en" sz="6000">
-                <a:solidFill>
-                  <a:schemeClr val="lt1"/>
-                </a:solidFill>
-              </a:rPr>
-              <a:t>THANK</a:t>
-            </a:r>
-            <a:endParaRPr sz="6000">
-              <a:solidFill>
-                <a:schemeClr val="lt1"/>
-              </a:solidFill>
-            </a:endParaRPr>
-          </a:p>
-          <a:p>
-            <a:pPr marL="0" lvl="0" indent="0" algn="l" rtl="0">
-              <a:spcBef>
-                <a:spcPts val="0"/>
-              </a:spcBef>
-              <a:spcAft>
-                <a:spcPts val="0"/>
-              </a:spcAft>
-              <a:buNone/>
-            </a:pPr>
-            <a:r>
-              <a:rPr lang="en" sz="6000">
-                <a:solidFill>
-                  <a:schemeClr val="lt1"/>
-                </a:solidFill>
-              </a:rPr>
-              <a:t>YOU</a:t>
-            </a:r>
-            <a:endParaRPr sz="6000">
-              <a:solidFill>
-                <a:schemeClr val="lt1"/>
-              </a:solidFill>
-            </a:endParaRPr>
-          </a:p>
-        </p:txBody>
-      </p:sp>
-      <p:pic>
-        <p:nvPicPr>
-          <p:cNvPr id="646" name="Google Shape;646;p67" title="thank you.jpg"/>
-          <p:cNvPicPr preferRelativeResize="0"/>
-          <p:nvPr/>
-        </p:nvPicPr>
-        <p:blipFill>
-          <a:blip r:embed="rId3">
-            <a:alphaModFix/>
-          </a:blip>
-          <a:stretch>
-            <a:fillRect/>
-          </a:stretch>
-        </p:blipFill>
-        <p:spPr>
-          <a:xfrm>
-            <a:off x="92738" y="0"/>
-            <a:ext cx="9076024" cy="5143499"/>
-          </a:xfrm>
-          <a:prstGeom prst="rect">
-            <a:avLst/>
-          </a:prstGeom>
-          <a:noFill/>
-          <a:ln>
-            <a:noFill/>
-          </a:ln>
-        </p:spPr>
-      </p:pic>
-    </p:spTree>
-  </p:cSld>
-  <p:clrMapOvr>
-    <a:masterClrMapping/>
-  </p:clrMapOvr>
-</p:sld>
-</file>
-
-<file path=ppt/slides/slide2.xml><?xml version="1.0" encoding="utf-8"?>
-<p:sld xmlns:a="http://schemas.openxmlformats.org/drawingml/2006/main" xmlns:r="http://schemas.openxmlformats.org/officeDocument/2006/relationships" xmlns:p="http://schemas.openxmlformats.org/presentationml/2006/main">
-  <p:cSld>
-    <p:spTree>
-      <p:nvGrpSpPr>
-        <p:cNvPr id="1" name="Shape 530"/>
-        <p:cNvGrpSpPr/>
-        <p:nvPr/>
-      </p:nvGrpSpPr>
-      <p:grpSpPr>
-        <a:xfrm>
-          <a:off x="0" y="0"/>
-          <a:ext cx="0" cy="0"/>
-          <a:chOff x="0" y="0"/>
-          <a:chExt cx="0" cy="0"/>
-        </a:xfrm>
-      </p:grpSpPr>
-      <p:sp>
-        <p:nvSpPr>
-          <p:cNvPr id="532" name="Google Shape;532;p48"/>
-          <p:cNvSpPr txBox="1">
-            <a:spLocks noGrp="1"/>
-          </p:cNvSpPr>
-          <p:nvPr>
-            <p:ph type="title"/>
-          </p:nvPr>
-        </p:nvSpPr>
-        <p:spPr>
-          <a:xfrm>
-            <a:off x="65314" y="0"/>
-            <a:ext cx="9078686" cy="5143500"/>
-          </a:xfrm>
-          <a:prstGeom prst="rect">
-            <a:avLst/>
-          </a:prstGeom>
-          <a:solidFill>
-            <a:schemeClr val="accent3">
-              <a:lumMod val="50000"/>
-              <a:lumOff val="50000"/>
-            </a:schemeClr>
-          </a:solidFill>
-          <a:effectLst>
-            <a:glow rad="139700">
-              <a:schemeClr val="accent3">
-                <a:satMod val="175000"/>
-                <a:alpha val="40000"/>
-              </a:schemeClr>
-            </a:glow>
-          </a:effectLst>
-        </p:spPr>
-        <p:txBody>
-          <a:bodyPr spcFirstLastPara="1" wrap="square" lIns="91425" tIns="91425" rIns="91425" bIns="91425" anchor="t" anchorCtr="0">
-            <a:noAutofit/>
-          </a:bodyPr>
-          <a:lstStyle/>
-          <a:p>
-            <a:pPr marL="0" lvl="0" indent="0" algn="l" rtl="0">
-              <a:spcBef>
-                <a:spcPts val="0"/>
-              </a:spcBef>
-              <a:spcAft>
-                <a:spcPts val="0"/>
-              </a:spcAft>
-              <a:buNone/>
-            </a:pPr>
-            <a:r>
-              <a:rPr lang="en" sz="3900" b="1" i="1" dirty="0">
-                <a:effectLst>
-                  <a:outerShdw blurRad="38100" dist="38100" dir="2700000" algn="tl">
-                    <a:srgbClr val="000000">
-                      <a:alpha val="43137"/>
-                    </a:srgbClr>
-                  </a:outerShdw>
-                </a:effectLst>
-                <a:latin typeface="Roboto Serif Medium"/>
-                <a:ea typeface="Roboto Serif Medium"/>
-                <a:cs typeface="Roboto Serif Medium"/>
-                <a:sym typeface="Roboto Serif Medium"/>
-              </a:rPr>
-              <a:t>WET AND DRY WASTE SEGREGATION </a:t>
-            </a:r>
-            <a:endParaRPr sz="4000" b="1" i="1" dirty="0">
-              <a:effectLst>
-                <a:outerShdw blurRad="38100" dist="38100" dir="2700000" algn="tl">
-                  <a:srgbClr val="000000">
-                    <a:alpha val="43137"/>
-                  </a:srgbClr>
-                </a:outerShdw>
-              </a:effectLst>
-              <a:latin typeface="Roboto Serif Medium"/>
-              <a:ea typeface="Roboto Serif Medium"/>
-              <a:cs typeface="Roboto Serif Medium"/>
-              <a:sym typeface="Roboto Serif Medium"/>
-            </a:endParaRPr>
-          </a:p>
-        </p:txBody>
-      </p:sp>
-      <p:sp>
-        <p:nvSpPr>
-          <p:cNvPr id="531" name="Google Shape;531;p48"/>
-          <p:cNvSpPr txBox="1">
-            <a:spLocks noGrp="1"/>
-          </p:cNvSpPr>
-          <p:nvPr>
-            <p:ph type="subTitle" idx="4294967295"/>
-          </p:nvPr>
-        </p:nvSpPr>
-        <p:spPr>
-          <a:xfrm>
-            <a:off x="4714875" y="2044700"/>
-            <a:ext cx="4429125" cy="2952750"/>
-          </a:xfrm>
-          <a:prstGeom prst="rect">
-            <a:avLst/>
-          </a:prstGeom>
-          <a:ln>
-            <a:gradFill>
-              <a:gsLst>
-                <a:gs pos="0">
-                  <a:schemeClr val="accent1">
-                    <a:lumMod val="5000"/>
-                    <a:lumOff val="95000"/>
-                  </a:schemeClr>
-                </a:gs>
-                <a:gs pos="74000">
-                  <a:schemeClr val="accent1">
-                    <a:lumMod val="45000"/>
-                    <a:lumOff val="55000"/>
-                  </a:schemeClr>
-                </a:gs>
-                <a:gs pos="83000">
-                  <a:schemeClr val="accent1">
-                    <a:lumMod val="45000"/>
-                    <a:lumOff val="55000"/>
-                  </a:schemeClr>
-                </a:gs>
-                <a:gs pos="100000">
-                  <a:schemeClr val="accent1">
-                    <a:lumMod val="30000"/>
-                    <a:lumOff val="70000"/>
-                  </a:schemeClr>
-                </a:gs>
-              </a:gsLst>
-              <a:lin ang="5400000" scaled="1"/>
-            </a:gradFill>
-          </a:ln>
-        </p:spPr>
-        <p:txBody>
-          <a:bodyPr spcFirstLastPara="1" wrap="square" lIns="91425" tIns="91425" rIns="91425" bIns="91425" anchor="t" anchorCtr="0">
-            <a:noAutofit/>
-          </a:bodyPr>
-          <a:lstStyle/>
-          <a:p>
-            <a:pPr marL="0" lvl="0" indent="0" algn="l" rtl="0">
-              <a:spcBef>
-                <a:spcPts val="0"/>
-              </a:spcBef>
-              <a:spcAft>
-                <a:spcPts val="0"/>
-              </a:spcAft>
-              <a:buNone/>
-            </a:pPr>
-            <a:r>
-              <a:rPr lang="en" sz="2000" dirty="0"/>
-              <a:t>UNDER THE GUIDENCE OF </a:t>
-            </a:r>
-            <a:endParaRPr sz="2000" dirty="0"/>
-          </a:p>
-          <a:p>
-            <a:pPr marL="0" lvl="0" indent="0" algn="l" rtl="0">
-              <a:spcBef>
-                <a:spcPts val="0"/>
-              </a:spcBef>
-              <a:spcAft>
-                <a:spcPts val="0"/>
-              </a:spcAft>
-              <a:buNone/>
-            </a:pPr>
-            <a:r>
-              <a:rPr lang="en" sz="2000" b="1" dirty="0"/>
-              <a:t>Mr.B.RAM VARA PRASAD,</a:t>
-            </a:r>
-            <a:endParaRPr sz="2000" b="1" dirty="0"/>
-          </a:p>
-          <a:p>
-            <a:pPr marL="0" lvl="0" indent="0" algn="l" rtl="0">
-              <a:spcBef>
-                <a:spcPts val="0"/>
-              </a:spcBef>
-              <a:spcAft>
-                <a:spcPts val="0"/>
-              </a:spcAft>
-              <a:buNone/>
-            </a:pPr>
-            <a:r>
-              <a:rPr lang="en" sz="1500" dirty="0"/>
-              <a:t>(Ph.D)Assistant professor, Department of EEE, LIET(A).</a:t>
-            </a:r>
-            <a:r>
-              <a:rPr lang="en" sz="2000" dirty="0"/>
-              <a:t> </a:t>
-            </a:r>
-            <a:endParaRPr sz="2000" dirty="0"/>
-          </a:p>
-        </p:txBody>
-      </p:sp>
-      <p:pic>
-        <p:nvPicPr>
-          <p:cNvPr id="533" name="Google Shape;533;p48" title="wet and dry.jpg"/>
-          <p:cNvPicPr preferRelativeResize="0"/>
-          <p:nvPr/>
-        </p:nvPicPr>
-        <p:blipFill>
-          <a:blip r:embed="rId3">
-            <a:alphaModFix/>
-          </a:blip>
-          <a:stretch>
-            <a:fillRect/>
-          </a:stretch>
-        </p:blipFill>
-        <p:spPr>
-          <a:xfrm>
-            <a:off x="152400" y="2093700"/>
-            <a:ext cx="4099024" cy="2904199"/>
-          </a:xfrm>
-          <a:prstGeom prst="rect">
-            <a:avLst/>
-          </a:prstGeom>
-          <a:noFill/>
-          <a:ln>
-            <a:noFill/>
-          </a:ln>
-        </p:spPr>
-      </p:pic>
-    </p:spTree>
-  </p:cSld>
-  <p:clrMapOvr>
-    <a:masterClrMapping/>
-  </p:clrMapOvr>
-</p:sld>
-</file>
-
-<file path=ppt/slides/slide3.xml><?xml version="1.0" encoding="utf-8"?>
-<p:sld xmlns:a="http://schemas.openxmlformats.org/drawingml/2006/main" xmlns:r="http://schemas.openxmlformats.org/officeDocument/2006/relationships" xmlns:p="http://schemas.openxmlformats.org/presentationml/2006/main">
-  <p:cSld>
-    <p:spTree>
-      <p:nvGrpSpPr>
-        <p:cNvPr id="1" name="Shape 537"/>
-        <p:cNvGrpSpPr/>
-        <p:nvPr/>
-      </p:nvGrpSpPr>
-      <p:grpSpPr>
-        <a:xfrm>
-          <a:off x="0" y="0"/>
-          <a:ext cx="0" cy="0"/>
-          <a:chOff x="0" y="0"/>
-          <a:chExt cx="0" cy="0"/>
-        </a:xfrm>
-      </p:grpSpPr>
-      <p:sp>
-        <p:nvSpPr>
-          <p:cNvPr id="539" name="Google Shape;539;p49"/>
-          <p:cNvSpPr txBox="1">
-            <a:spLocks noGrp="1"/>
-          </p:cNvSpPr>
-          <p:nvPr>
-            <p:ph type="subTitle" idx="1"/>
-          </p:nvPr>
-        </p:nvSpPr>
-        <p:spPr>
-          <a:xfrm>
-            <a:off x="4406650" y="269800"/>
-            <a:ext cx="4409700" cy="542700"/>
-          </a:xfrm>
-          <a:prstGeom prst="rect">
-            <a:avLst/>
-          </a:prstGeom>
-        </p:spPr>
-        <p:txBody>
-          <a:bodyPr spcFirstLastPara="1" wrap="square" lIns="91425" tIns="91425" rIns="91425" bIns="91425" anchor="t" anchorCtr="0">
-            <a:noAutofit/>
-          </a:bodyPr>
-          <a:lstStyle/>
-          <a:p>
-            <a:pPr marL="457200" lvl="0" indent="-355600" algn="l" rtl="0">
-              <a:spcBef>
-                <a:spcPts val="0"/>
-              </a:spcBef>
-              <a:spcAft>
-                <a:spcPts val="0"/>
-              </a:spcAft>
-              <a:buSzPts val="2000"/>
-              <a:buFont typeface="Wingdings" panose="05000000000000000000" pitchFamily="2" charset="2"/>
-              <a:buChar char="v"/>
-            </a:pPr>
-            <a:r>
-              <a:rPr lang="en" dirty="0"/>
-              <a:t>INTRODUCTION TO DESIGN THINKING</a:t>
-            </a:r>
-            <a:endParaRPr dirty="0"/>
-          </a:p>
-        </p:txBody>
-      </p:sp>
-      <p:sp>
-        <p:nvSpPr>
-          <p:cNvPr id="540" name="Google Shape;540;p49"/>
-          <p:cNvSpPr txBox="1">
-            <a:spLocks noGrp="1"/>
-          </p:cNvSpPr>
-          <p:nvPr>
-            <p:ph type="subTitle" idx="2"/>
-          </p:nvPr>
-        </p:nvSpPr>
-        <p:spPr>
-          <a:xfrm>
-            <a:off x="4389450" y="1228105"/>
-            <a:ext cx="4409700" cy="542700"/>
-          </a:xfrm>
-          <a:prstGeom prst="rect">
-            <a:avLst/>
-          </a:prstGeom>
-        </p:spPr>
-        <p:txBody>
-          <a:bodyPr spcFirstLastPara="1" wrap="square" lIns="91425" tIns="91425" rIns="91425" bIns="91425" anchor="t" anchorCtr="0">
-            <a:noAutofit/>
-          </a:bodyPr>
-          <a:lstStyle/>
-          <a:p>
-            <a:pPr marL="444500" lvl="0" indent="-342900" algn="l" rtl="0">
-              <a:spcBef>
-                <a:spcPts val="0"/>
-              </a:spcBef>
-              <a:spcAft>
-                <a:spcPts val="0"/>
-              </a:spcAft>
-              <a:buSzPts val="2000"/>
-              <a:buFont typeface="Wingdings" panose="05000000000000000000" pitchFamily="2" charset="2"/>
-              <a:buChar char="v"/>
-            </a:pPr>
-            <a:r>
-              <a:rPr lang="en" dirty="0"/>
-              <a:t>PROBLEM STATEMENT</a:t>
-            </a:r>
-            <a:endParaRPr dirty="0"/>
-          </a:p>
-        </p:txBody>
-      </p:sp>
-      <p:sp>
-        <p:nvSpPr>
-          <p:cNvPr id="541" name="Google Shape;541;p49"/>
-          <p:cNvSpPr txBox="1">
-            <a:spLocks noGrp="1"/>
-          </p:cNvSpPr>
-          <p:nvPr>
-            <p:ph type="subTitle" idx="3"/>
-          </p:nvPr>
-        </p:nvSpPr>
-        <p:spPr>
-          <a:xfrm>
-            <a:off x="4406650" y="3425570"/>
-            <a:ext cx="4409700" cy="542700"/>
-          </a:xfrm>
-          <a:prstGeom prst="rect">
-            <a:avLst/>
-          </a:prstGeom>
-        </p:spPr>
-        <p:txBody>
-          <a:bodyPr spcFirstLastPara="1" wrap="square" lIns="91425" tIns="91425" rIns="91425" bIns="91425" anchor="t" anchorCtr="0">
-            <a:noAutofit/>
-          </a:bodyPr>
-          <a:lstStyle/>
-          <a:p>
-            <a:pPr marL="457200" lvl="0" indent="-355600" algn="l" rtl="0">
-              <a:spcBef>
-                <a:spcPts val="0"/>
-              </a:spcBef>
-              <a:spcAft>
-                <a:spcPts val="0"/>
-              </a:spcAft>
-              <a:buSzPts val="2000"/>
-              <a:buFont typeface="Wingdings" panose="05000000000000000000" pitchFamily="2" charset="2"/>
-              <a:buChar char="v"/>
-            </a:pPr>
-            <a:r>
-              <a:rPr lang="en" dirty="0"/>
-              <a:t>IDEATE</a:t>
-            </a:r>
-            <a:endParaRPr dirty="0"/>
-          </a:p>
-        </p:txBody>
-      </p:sp>
-      <p:sp>
-        <p:nvSpPr>
-          <p:cNvPr id="542" name="Google Shape;542;p49"/>
-          <p:cNvSpPr txBox="1">
-            <a:spLocks noGrp="1"/>
-          </p:cNvSpPr>
-          <p:nvPr>
-            <p:ph type="subTitle" idx="4"/>
-          </p:nvPr>
-        </p:nvSpPr>
-        <p:spPr>
-          <a:xfrm>
-            <a:off x="4406650" y="1909660"/>
-            <a:ext cx="4409700" cy="542700"/>
-          </a:xfrm>
-          <a:prstGeom prst="rect">
-            <a:avLst/>
-          </a:prstGeom>
-        </p:spPr>
-        <p:txBody>
-          <a:bodyPr spcFirstLastPara="1" wrap="square" lIns="91425" tIns="91425" rIns="91425" bIns="91425" anchor="t" anchorCtr="0">
-            <a:noAutofit/>
-          </a:bodyPr>
-          <a:lstStyle/>
-          <a:p>
-            <a:pPr marL="457200" lvl="0" indent="-355600" algn="l" rtl="0">
-              <a:spcBef>
-                <a:spcPts val="0"/>
-              </a:spcBef>
-              <a:spcAft>
-                <a:spcPts val="0"/>
-              </a:spcAft>
-              <a:buSzPts val="2000"/>
-              <a:buFont typeface="Wingdings" panose="05000000000000000000" pitchFamily="2" charset="2"/>
-              <a:buChar char="v"/>
-            </a:pPr>
-            <a:r>
-              <a:rPr lang="en" dirty="0"/>
-              <a:t>EMPATHY </a:t>
-            </a:r>
-            <a:endParaRPr dirty="0"/>
-          </a:p>
-        </p:txBody>
-      </p:sp>
-      <p:sp>
-        <p:nvSpPr>
-          <p:cNvPr id="543" name="Google Shape;543;p49"/>
-          <p:cNvSpPr txBox="1">
-            <a:spLocks noGrp="1"/>
-          </p:cNvSpPr>
-          <p:nvPr>
-            <p:ph type="subTitle" idx="5"/>
-          </p:nvPr>
-        </p:nvSpPr>
-        <p:spPr>
-          <a:xfrm>
-            <a:off x="4450200" y="4107150"/>
-            <a:ext cx="4409700" cy="1036500"/>
-          </a:xfrm>
-          <a:prstGeom prst="rect">
-            <a:avLst/>
-          </a:prstGeom>
-        </p:spPr>
-        <p:txBody>
-          <a:bodyPr spcFirstLastPara="1" wrap="square" lIns="91425" tIns="91425" rIns="91425" bIns="91425" anchor="t" anchorCtr="0">
-            <a:noAutofit/>
-          </a:bodyPr>
-          <a:lstStyle/>
-          <a:p>
-            <a:pPr marL="457200" lvl="0" indent="-355600" algn="l" rtl="0">
-              <a:spcBef>
-                <a:spcPts val="0"/>
-              </a:spcBef>
-              <a:spcAft>
-                <a:spcPts val="0"/>
-              </a:spcAft>
-              <a:buSzPts val="2000"/>
-              <a:buFont typeface="Wingdings" panose="05000000000000000000" pitchFamily="2" charset="2"/>
-              <a:buChar char="v"/>
-            </a:pPr>
-            <a:r>
-              <a:rPr lang="en" dirty="0"/>
-              <a:t>PROTOTYPE EXPLANATION</a:t>
-            </a:r>
-          </a:p>
-          <a:p>
-            <a:pPr marL="457200" lvl="0" indent="-355600" algn="l" rtl="0">
-              <a:spcBef>
-                <a:spcPts val="0"/>
-              </a:spcBef>
-              <a:spcAft>
-                <a:spcPts val="0"/>
-              </a:spcAft>
-              <a:buSzPts val="2000"/>
-              <a:buFont typeface="Wingdings" panose="05000000000000000000" pitchFamily="2" charset="2"/>
-              <a:buChar char="v"/>
-            </a:pPr>
-            <a:endParaRPr lang="en" dirty="0"/>
-          </a:p>
-          <a:p>
-            <a:pPr marL="457200" lvl="0" indent="-355600" algn="l" rtl="0">
-              <a:spcBef>
-                <a:spcPts val="0"/>
-              </a:spcBef>
-              <a:spcAft>
-                <a:spcPts val="0"/>
-              </a:spcAft>
-              <a:buSzPts val="2000"/>
-              <a:buFont typeface="Wingdings" panose="05000000000000000000" pitchFamily="2" charset="2"/>
-              <a:buChar char="v"/>
-            </a:pPr>
-            <a:r>
-              <a:rPr lang="en" dirty="0"/>
-              <a:t>CONCLUSION </a:t>
-            </a:r>
-            <a:endParaRPr dirty="0"/>
-          </a:p>
-          <a:p>
-            <a:pPr marL="0" lvl="0" indent="0" algn="l" rtl="0">
-              <a:spcBef>
-                <a:spcPts val="0"/>
-              </a:spcBef>
-              <a:spcAft>
-                <a:spcPts val="0"/>
-              </a:spcAft>
-              <a:buNone/>
-            </a:pPr>
-            <a:endParaRPr dirty="0"/>
-          </a:p>
-        </p:txBody>
-      </p:sp>
-      <p:sp>
-        <p:nvSpPr>
-          <p:cNvPr id="544" name="Google Shape;544;p49"/>
-          <p:cNvSpPr txBox="1">
-            <a:spLocks noGrp="1"/>
-          </p:cNvSpPr>
-          <p:nvPr>
-            <p:ph type="subTitle" idx="6"/>
-          </p:nvPr>
-        </p:nvSpPr>
-        <p:spPr>
-          <a:xfrm>
-            <a:off x="4406650" y="2667615"/>
-            <a:ext cx="4409700" cy="542700"/>
-          </a:xfrm>
-          <a:prstGeom prst="rect">
-            <a:avLst/>
-          </a:prstGeom>
-        </p:spPr>
-        <p:txBody>
-          <a:bodyPr spcFirstLastPara="1" wrap="square" lIns="91425" tIns="91425" rIns="91425" bIns="91425" anchor="t" anchorCtr="0">
-            <a:noAutofit/>
-          </a:bodyPr>
-          <a:lstStyle/>
-          <a:p>
-            <a:pPr marL="457200" lvl="0" indent="-355600" algn="l" rtl="0">
-              <a:spcBef>
-                <a:spcPts val="0"/>
-              </a:spcBef>
-              <a:spcAft>
-                <a:spcPts val="0"/>
-              </a:spcAft>
-              <a:buSzPts val="2000"/>
-              <a:buFont typeface="Wingdings" panose="05000000000000000000" pitchFamily="2" charset="2"/>
-              <a:buChar char="v"/>
-            </a:pPr>
-            <a:r>
-              <a:rPr lang="en" dirty="0"/>
-              <a:t>DEFINE </a:t>
-            </a:r>
-            <a:endParaRPr dirty="0"/>
-          </a:p>
-        </p:txBody>
-      </p:sp>
-      <p:sp>
-        <p:nvSpPr>
-          <p:cNvPr id="2" name="Speech Bubble: Rectangle with Corners Rounded 1">
-            <a:extLst>
-              <a:ext uri="{FF2B5EF4-FFF2-40B4-BE49-F238E27FC236}">
-                <a16:creationId xmlns:a16="http://schemas.microsoft.com/office/drawing/2014/main" id="{B27BE3EB-A113-FD7A-5D42-20D89707509C}"/>
-              </a:ext>
-            </a:extLst>
-          </p:cNvPr>
-          <p:cNvSpPr/>
-          <p:nvPr/>
-        </p:nvSpPr>
-        <p:spPr>
-          <a:xfrm>
-            <a:off x="450950" y="1677761"/>
-            <a:ext cx="3461657" cy="1787978"/>
-          </a:xfrm>
-          <a:prstGeom prst="wedgeRoundRectCallout">
-            <a:avLst/>
-          </a:prstGeom>
-        </p:spPr>
-        <p:style>
-          <a:lnRef idx="2">
-            <a:schemeClr val="accent6"/>
-          </a:lnRef>
-          <a:fillRef idx="1">
-            <a:schemeClr val="lt1"/>
-          </a:fillRef>
-          <a:effectRef idx="0">
-            <a:schemeClr val="accent6"/>
-          </a:effectRef>
-          <a:fontRef idx="minor">
-            <a:schemeClr val="dk1"/>
-          </a:fontRef>
-        </p:style>
-        <p:txBody>
-          <a:bodyPr rtlCol="0" anchor="ctr"/>
-          <a:lstStyle/>
-          <a:p>
-            <a:pPr algn="ctr"/>
-            <a:r>
-              <a:rPr lang="en" sz="4000" b="1" i="1" dirty="0">
-                <a:solidFill>
-                  <a:schemeClr val="bg2"/>
-                </a:solidFill>
-                <a:highlight>
-                  <a:srgbClr val="008080"/>
-                </a:highlight>
-              </a:rPr>
-              <a:t>CONTENTS</a:t>
-            </a:r>
-            <a:endParaRPr lang="en-IN" sz="4000" dirty="0">
-              <a:highlight>
-                <a:srgbClr val="008080"/>
-              </a:highlight>
-            </a:endParaRPr>
-          </a:p>
-        </p:txBody>
-      </p:sp>
-    </p:spTree>
-  </p:cSld>
-  <p:clrMapOvr>
-    <a:masterClrMapping/>
-  </p:clrMapOvr>
-</p:sld>
-</file>
-
-<file path=ppt/slides/slide4.xml><?xml version="1.0" encoding="utf-8"?>
-<p:sld xmlns:a="http://schemas.openxmlformats.org/drawingml/2006/main" xmlns:r="http://schemas.openxmlformats.org/officeDocument/2006/relationships" xmlns:p="http://schemas.openxmlformats.org/presentationml/2006/main">
-  <p:cSld>
-    <p:spTree>
-      <p:nvGrpSpPr>
-        <p:cNvPr id="1" name="Shape 548"/>
-        <p:cNvGrpSpPr/>
-        <p:nvPr/>
-      </p:nvGrpSpPr>
-      <p:grpSpPr>
-        <a:xfrm>
-          <a:off x="0" y="0"/>
-          <a:ext cx="0" cy="0"/>
-          <a:chOff x="0" y="0"/>
-          <a:chExt cx="0" cy="0"/>
-        </a:xfrm>
-      </p:grpSpPr>
-      <p:sp>
-        <p:nvSpPr>
-          <p:cNvPr id="549" name="Google Shape;549;p50"/>
-          <p:cNvSpPr txBox="1">
-            <a:spLocks noGrp="1"/>
-          </p:cNvSpPr>
-          <p:nvPr>
-            <p:ph type="title"/>
-          </p:nvPr>
-        </p:nvSpPr>
-        <p:spPr>
-          <a:xfrm>
-            <a:off x="0" y="-277586"/>
-            <a:ext cx="9144000" cy="2612572"/>
-          </a:xfrm>
-          <a:prstGeom prst="rect">
-            <a:avLst/>
-          </a:prstGeom>
-          <a:solidFill>
-            <a:schemeClr val="accent3">
-              <a:lumMod val="50000"/>
-              <a:lumOff val="50000"/>
-            </a:schemeClr>
-          </a:solidFill>
-        </p:spPr>
-        <p:txBody>
-          <a:bodyPr spcFirstLastPara="1" wrap="square" lIns="91425" tIns="91425" rIns="91425" bIns="91425" anchor="b" anchorCtr="0">
-            <a:noAutofit/>
-          </a:bodyPr>
-          <a:lstStyle/>
-          <a:p>
-            <a:pPr marL="0" lvl="0" indent="0" algn="l" rtl="0">
-              <a:spcBef>
-                <a:spcPts val="0"/>
-              </a:spcBef>
-              <a:spcAft>
-                <a:spcPts val="0"/>
-              </a:spcAft>
-              <a:buNone/>
-            </a:pPr>
-            <a:br>
-              <a:rPr lang="en" dirty="0">
-                <a:latin typeface="Times New Roman" panose="02020603050405020304" pitchFamily="18" charset="0"/>
-                <a:cs typeface="Times New Roman" panose="02020603050405020304" pitchFamily="18" charset="0"/>
-              </a:rPr>
-            </a:br>
-            <a:r>
-              <a:rPr lang="en" dirty="0">
-                <a:latin typeface="Times New Roman" panose="02020603050405020304" pitchFamily="18" charset="0"/>
-                <a:cs typeface="Times New Roman" panose="02020603050405020304" pitchFamily="18" charset="0"/>
-              </a:rPr>
-              <a:t>Design thinking and innovation are interconnected processes focused on creating value by understanding user needs and exploring creative solutions. </a:t>
-            </a:r>
-            <a:endParaRPr dirty="0">
-              <a:latin typeface="Times New Roman" panose="02020603050405020304" pitchFamily="18" charset="0"/>
-              <a:cs typeface="Times New Roman" panose="02020603050405020304" pitchFamily="18" charset="0"/>
-            </a:endParaRPr>
-          </a:p>
-        </p:txBody>
-      </p:sp>
-      <p:pic>
-        <p:nvPicPr>
-          <p:cNvPr id="551" name="Google Shape;551;p50" title="dti 2.jpg"/>
-          <p:cNvPicPr preferRelativeResize="0"/>
-          <p:nvPr/>
-        </p:nvPicPr>
-        <p:blipFill rotWithShape="1">
-          <a:blip r:embed="rId3">
-            <a:alphaModFix/>
-          </a:blip>
-          <a:srcRect/>
-          <a:stretch/>
-        </p:blipFill>
-        <p:spPr>
-          <a:xfrm>
-            <a:off x="0" y="2334986"/>
-            <a:ext cx="9144000" cy="2808514"/>
-          </a:xfrm>
-          <a:prstGeom prst="rect">
-            <a:avLst/>
-          </a:prstGeom>
-          <a:noFill/>
-          <a:ln>
-            <a:noFill/>
-          </a:ln>
-        </p:spPr>
-      </p:pic>
-    </p:spTree>
-  </p:cSld>
-  <p:clrMapOvr>
-    <a:masterClrMapping/>
-  </p:clrMapOvr>
-</p:sld>
-</file>
-
-<file path=ppt/slides/slide5.xml><?xml version="1.0" encoding="utf-8"?>
-<p:sld xmlns:a="http://schemas.openxmlformats.org/drawingml/2006/main" xmlns:r="http://schemas.openxmlformats.org/officeDocument/2006/relationships" xmlns:p="http://schemas.openxmlformats.org/presentationml/2006/main">
-  <p:cSld>
-    <p:bg>
-      <p:bgPr>
-        <a:solidFill>
-          <a:schemeClr val="tx2">
-            <a:lumMod val="40000"/>
-            <a:lumOff val="60000"/>
-          </a:schemeClr>
-        </a:solidFill>
-        <a:effectLst/>
-      </p:bgPr>
-    </p:bg>
-    <p:spTree>
-      <p:nvGrpSpPr>
-        <p:cNvPr id="1" name="Shape 555"/>
-        <p:cNvGrpSpPr/>
-        <p:nvPr/>
-      </p:nvGrpSpPr>
-      <p:grpSpPr>
-        <a:xfrm>
-          <a:off x="0" y="0"/>
-          <a:ext cx="0" cy="0"/>
-          <a:chOff x="0" y="0"/>
-          <a:chExt cx="0" cy="0"/>
-        </a:xfrm>
-      </p:grpSpPr>
-      <p:pic>
-        <p:nvPicPr>
-          <p:cNvPr id="5" name="Picture 4">
-            <a:extLst>
-              <a:ext uri="{FF2B5EF4-FFF2-40B4-BE49-F238E27FC236}">
-                <a16:creationId xmlns:a16="http://schemas.microsoft.com/office/drawing/2014/main" id="{E0BBC570-57C6-356E-78A7-61E7DCABAD5A}"/>
-              </a:ext>
-            </a:extLst>
-          </p:cNvPr>
-          <p:cNvPicPr>
-            <a:picLocks noChangeAspect="1"/>
-          </p:cNvPicPr>
-          <p:nvPr/>
-        </p:nvPicPr>
-        <p:blipFill>
-          <a:blip r:embed="rId3"/>
-          <a:stretch>
-            <a:fillRect/>
-          </a:stretch>
-        </p:blipFill>
-        <p:spPr>
-          <a:xfrm>
-            <a:off x="0" y="-40822"/>
-            <a:ext cx="3872707" cy="5225143"/>
-          </a:xfrm>
-          <a:prstGeom prst="rect">
-            <a:avLst/>
-          </a:prstGeom>
-        </p:spPr>
-      </p:pic>
-      <p:sp>
-        <p:nvSpPr>
-          <p:cNvPr id="6" name="Rectangle 1">
-            <a:extLst>
-              <a:ext uri="{FF2B5EF4-FFF2-40B4-BE49-F238E27FC236}">
-                <a16:creationId xmlns:a16="http://schemas.microsoft.com/office/drawing/2014/main" id="{3DAA6844-08D7-866A-4587-0C88044A4621}"/>
-              </a:ext>
-            </a:extLst>
-          </p:cNvPr>
-          <p:cNvSpPr>
-            <a:spLocks noGrp="1" noChangeArrowheads="1"/>
-          </p:cNvSpPr>
-          <p:nvPr>
-            <p:ph type="title"/>
-          </p:nvPr>
-        </p:nvSpPr>
-        <p:spPr bwMode="auto">
-          <a:xfrm>
-            <a:off x="4502667" y="282237"/>
-            <a:ext cx="4398961" cy="584775"/>
-          </a:xfrm>
-          <a:prstGeom prst="rect">
-            <a:avLst/>
-          </a:prstGeom>
-          <a:noFill/>
-          <a:ln>
-            <a:noFill/>
-          </a:ln>
-          <a:effectLst/>
-          <a:extLst>
-            <a:ext uri="{909E8E84-426E-40DD-AFC4-6F175D3DCCD1}">
-              <a14:hiddenFill xmlns:a14="http://schemas.microsoft.com/office/drawing/2010/main">
-                <a:solidFill>
-                  <a:schemeClr val="accent1"/>
-                </a:solidFill>
-              </a14:hiddenFill>
-            </a:ext>
-            <a:ext uri="{91240B29-F687-4F45-9708-019B960494DF}">
-              <a14:hiddenLine xmlns:a14="http://schemas.microsoft.com/office/drawing/2010/main" w="9525">
-                <a:solidFill>
-                  <a:schemeClr val="tx1"/>
-                </a:solidFill>
-                <a:miter lim="800000"/>
-                <a:headEnd/>
-                <a:tailEnd/>
-              </a14:hiddenLine>
-            </a:ext>
-            <a:ext uri="{AF507438-7753-43E0-B8FC-AC1667EBCBE1}">
-              <a14:hiddenEffects xmlns:a14="http://schemas.microsoft.com/office/drawing/2010/main">
-                <a:effectLst>
-                  <a:outerShdw dist="35921" dir="2700000" algn="ctr" rotWithShape="0">
-                    <a:schemeClr val="bg2"/>
-                  </a:outerShdw>
-                </a:effectLst>
-              </a14:hiddenEffects>
-            </a:ext>
-          </a:extLst>
-        </p:spPr>
-        <p:txBody>
-          <a:bodyPr vert="horz" wrap="none" lIns="91440" tIns="45720" rIns="91440" bIns="45720" numCol="1" anchor="ctr" anchorCtr="0" compatLnSpc="1">
-            <a:prstTxWarp prst="textNoShape">
-              <a:avLst/>
-            </a:prstTxWarp>
-            <a:spAutoFit/>
-          </a:bodyPr>
-          <a:lstStyle/>
-          <a:p>
-            <a:pPr marL="0" marR="0" lvl="0" indent="0" algn="l" defTabSz="914400" rtl="0" eaLnBrk="0" fontAlgn="base" latinLnBrk="0" hangingPunct="0">
-              <a:lnSpc>
-                <a:spcPct val="100000"/>
-              </a:lnSpc>
-              <a:spcBef>
-                <a:spcPct val="0"/>
-              </a:spcBef>
-              <a:spcAft>
-                <a:spcPct val="0"/>
-              </a:spcAft>
-              <a:buClrTx/>
-              <a:buSzTx/>
-              <a:tabLst/>
-            </a:pPr>
-            <a:r>
-              <a:rPr lang="en-US" altLang="en-US" sz="3200" dirty="0">
-                <a:solidFill>
-                  <a:schemeClr val="tx1"/>
-                </a:solidFill>
-                <a:latin typeface="Algerian" panose="04020705040A02060702" pitchFamily="82" charset="0"/>
-              </a:rPr>
-              <a:t>Problem Statement</a:t>
-            </a:r>
-            <a:endParaRPr kumimoji="0" lang="en-US" altLang="en-US" sz="3200" b="0" i="0" u="none" strike="noStrike" cap="none" normalizeH="0" baseline="0" dirty="0">
-              <a:ln>
-                <a:noFill/>
-              </a:ln>
-              <a:solidFill>
-                <a:schemeClr val="tx1"/>
-              </a:solidFill>
-              <a:effectLst/>
-              <a:latin typeface="Algerian" panose="04020705040A02060702" pitchFamily="82" charset="0"/>
-            </a:endParaRPr>
-          </a:p>
-        </p:txBody>
-      </p:sp>
-      <p:sp>
-        <p:nvSpPr>
-          <p:cNvPr id="7" name="Text Placeholder 6">
-            <a:extLst>
-              <a:ext uri="{FF2B5EF4-FFF2-40B4-BE49-F238E27FC236}">
-                <a16:creationId xmlns:a16="http://schemas.microsoft.com/office/drawing/2014/main" id="{10730C2F-28C7-06FE-CB82-73D2487136C7}"/>
-              </a:ext>
-            </a:extLst>
-          </p:cNvPr>
-          <p:cNvSpPr>
-            <a:spLocks noGrp="1"/>
-          </p:cNvSpPr>
-          <p:nvPr>
-            <p:ph type="body" idx="1"/>
-          </p:nvPr>
-        </p:nvSpPr>
-        <p:spPr>
-          <a:xfrm>
-            <a:off x="4571999" y="1152475"/>
-            <a:ext cx="4260299" cy="3416400"/>
-          </a:xfrm>
-        </p:spPr>
-        <p:txBody>
-          <a:bodyPr/>
-          <a:lstStyle/>
-          <a:p>
-            <a:pPr marL="0" marR="0" lvl="0" indent="0" algn="l" defTabSz="914400" rtl="0" eaLnBrk="0" fontAlgn="base" latinLnBrk="0" hangingPunct="0">
-              <a:lnSpc>
-                <a:spcPct val="100000"/>
-              </a:lnSpc>
-              <a:spcBef>
-                <a:spcPct val="0"/>
-              </a:spcBef>
-              <a:spcAft>
-                <a:spcPct val="0"/>
-              </a:spcAft>
-              <a:buClrTx/>
-              <a:buSzTx/>
-              <a:buFontTx/>
-              <a:buChar char="•"/>
-              <a:tabLst/>
-            </a:pPr>
-            <a:r>
-              <a:rPr kumimoji="0" lang="en-US" altLang="en-US" sz="2400" b="0" i="0" u="none" strike="noStrike" cap="none" normalizeH="0" baseline="0" dirty="0">
-                <a:ln>
-                  <a:noFill/>
-                </a:ln>
-                <a:solidFill>
-                  <a:schemeClr val="tx1"/>
-                </a:solidFill>
-                <a:effectLst/>
-                <a:latin typeface="Times New Roman" panose="02020603050405020304" pitchFamily="18" charset="0"/>
-                <a:cs typeface="Times New Roman" panose="02020603050405020304" pitchFamily="18" charset="0"/>
-              </a:rPr>
-              <a:t>✅ </a:t>
-            </a:r>
-            <a:r>
-              <a:rPr kumimoji="0" lang="en-US" altLang="en-US" sz="2400" b="1" i="0" u="none" strike="noStrike" cap="none" normalizeH="0" baseline="0" dirty="0">
-                <a:ln>
-                  <a:noFill/>
-                </a:ln>
-                <a:solidFill>
-                  <a:schemeClr val="tx1"/>
-                </a:solidFill>
-                <a:effectLst/>
-                <a:latin typeface="Times New Roman" panose="02020603050405020304" pitchFamily="18" charset="0"/>
-                <a:cs typeface="Times New Roman" panose="02020603050405020304" pitchFamily="18" charset="0"/>
-              </a:rPr>
-              <a:t>Poor Segregation</a:t>
-            </a:r>
-            <a:endParaRPr kumimoji="0" lang="en-US" altLang="en-US" sz="2400" b="0" i="0" u="none" strike="noStrike" cap="none" normalizeH="0" baseline="0" dirty="0">
-              <a:ln>
-                <a:noFill/>
-              </a:ln>
-              <a:solidFill>
-                <a:schemeClr val="tx1"/>
-              </a:solidFill>
-              <a:effectLst/>
-              <a:latin typeface="Times New Roman" panose="02020603050405020304" pitchFamily="18" charset="0"/>
-              <a:cs typeface="Times New Roman" panose="02020603050405020304" pitchFamily="18" charset="0"/>
-            </a:endParaRPr>
-          </a:p>
-          <a:p>
-            <a:pPr marL="0" marR="0" lvl="0" indent="0" algn="l" defTabSz="914400" rtl="0" eaLnBrk="0" fontAlgn="base" latinLnBrk="0" hangingPunct="0">
-              <a:lnSpc>
-                <a:spcPct val="100000"/>
-              </a:lnSpc>
-              <a:spcBef>
-                <a:spcPct val="0"/>
-              </a:spcBef>
-              <a:spcAft>
-                <a:spcPct val="0"/>
-              </a:spcAft>
-              <a:buClrTx/>
-              <a:buSzTx/>
-              <a:buFontTx/>
-              <a:buChar char="•"/>
-              <a:tabLst/>
-            </a:pPr>
-            <a:r>
-              <a:rPr kumimoji="0" lang="en-US" altLang="en-US" sz="2400" b="0" i="0" u="none" strike="noStrike" cap="none" normalizeH="0" baseline="0" dirty="0">
-                <a:ln>
-                  <a:noFill/>
-                </a:ln>
-                <a:solidFill>
-                  <a:schemeClr val="tx1"/>
-                </a:solidFill>
-                <a:effectLst/>
-                <a:latin typeface="Times New Roman" panose="02020603050405020304" pitchFamily="18" charset="0"/>
-                <a:cs typeface="Times New Roman" panose="02020603050405020304" pitchFamily="18" charset="0"/>
-              </a:rPr>
-              <a:t>🕒 </a:t>
-            </a:r>
-            <a:r>
-              <a:rPr kumimoji="0" lang="en-US" altLang="en-US" sz="2400" b="1" i="0" u="none" strike="noStrike" cap="none" normalizeH="0" baseline="0" dirty="0">
-                <a:ln>
-                  <a:noFill/>
-                </a:ln>
-                <a:solidFill>
-                  <a:schemeClr val="tx1"/>
-                </a:solidFill>
-                <a:effectLst/>
-                <a:latin typeface="Times New Roman" panose="02020603050405020304" pitchFamily="18" charset="0"/>
-                <a:cs typeface="Times New Roman" panose="02020603050405020304" pitchFamily="18" charset="0"/>
-              </a:rPr>
-              <a:t>Time-Consuming</a:t>
-            </a:r>
-            <a:endParaRPr kumimoji="0" lang="en-US" altLang="en-US" sz="2400" b="0" i="0" u="none" strike="noStrike" cap="none" normalizeH="0" baseline="0" dirty="0">
-              <a:ln>
-                <a:noFill/>
-              </a:ln>
-              <a:solidFill>
-                <a:schemeClr val="tx1"/>
-              </a:solidFill>
-              <a:effectLst/>
-              <a:latin typeface="Times New Roman" panose="02020603050405020304" pitchFamily="18" charset="0"/>
-              <a:cs typeface="Times New Roman" panose="02020603050405020304" pitchFamily="18" charset="0"/>
-            </a:endParaRPr>
-          </a:p>
-          <a:p>
-            <a:pPr marL="0" marR="0" lvl="0" indent="0" algn="l" defTabSz="914400" rtl="0" eaLnBrk="0" fontAlgn="base" latinLnBrk="0" hangingPunct="0">
-              <a:lnSpc>
-                <a:spcPct val="100000"/>
-              </a:lnSpc>
-              <a:spcBef>
-                <a:spcPct val="0"/>
-              </a:spcBef>
-              <a:spcAft>
-                <a:spcPct val="0"/>
-              </a:spcAft>
-              <a:buClrTx/>
-              <a:buSzTx/>
-              <a:buFontTx/>
-              <a:buChar char="•"/>
-              <a:tabLst/>
-            </a:pPr>
-            <a:r>
-              <a:rPr kumimoji="0" lang="en-US" altLang="en-US" sz="2400" b="0" i="0" u="none" strike="noStrike" cap="none" normalizeH="0" baseline="0" dirty="0">
-                <a:ln>
-                  <a:noFill/>
-                </a:ln>
-                <a:solidFill>
-                  <a:schemeClr val="tx1"/>
-                </a:solidFill>
-                <a:effectLst/>
-                <a:latin typeface="Times New Roman" panose="02020603050405020304" pitchFamily="18" charset="0"/>
-                <a:cs typeface="Times New Roman" panose="02020603050405020304" pitchFamily="18" charset="0"/>
-              </a:rPr>
-              <a:t>🧤 </a:t>
-            </a:r>
-            <a:r>
-              <a:rPr kumimoji="0" lang="en-US" altLang="en-US" sz="2400" b="1" i="0" u="none" strike="noStrike" cap="none" normalizeH="0" baseline="0" dirty="0">
-                <a:ln>
-                  <a:noFill/>
-                </a:ln>
-                <a:solidFill>
-                  <a:schemeClr val="tx1"/>
-                </a:solidFill>
-                <a:effectLst/>
-                <a:latin typeface="Times New Roman" panose="02020603050405020304" pitchFamily="18" charset="0"/>
-                <a:cs typeface="Times New Roman" panose="02020603050405020304" pitchFamily="18" charset="0"/>
-              </a:rPr>
-              <a:t>Unhygienic</a:t>
-            </a:r>
-            <a:endParaRPr kumimoji="0" lang="en-US" altLang="en-US" sz="2400" b="0" i="0" u="none" strike="noStrike" cap="none" normalizeH="0" baseline="0" dirty="0">
-              <a:ln>
-                <a:noFill/>
-              </a:ln>
-              <a:solidFill>
-                <a:schemeClr val="tx1"/>
-              </a:solidFill>
-              <a:effectLst/>
-              <a:latin typeface="Times New Roman" panose="02020603050405020304" pitchFamily="18" charset="0"/>
-              <a:cs typeface="Times New Roman" panose="02020603050405020304" pitchFamily="18" charset="0"/>
-            </a:endParaRPr>
-          </a:p>
-          <a:p>
-            <a:pPr marL="0" marR="0" lvl="0" indent="0" algn="l" defTabSz="914400" rtl="0" eaLnBrk="0" fontAlgn="base" latinLnBrk="0" hangingPunct="0">
-              <a:lnSpc>
-                <a:spcPct val="100000"/>
-              </a:lnSpc>
-              <a:spcBef>
-                <a:spcPct val="0"/>
-              </a:spcBef>
-              <a:spcAft>
-                <a:spcPct val="0"/>
-              </a:spcAft>
-              <a:buClrTx/>
-              <a:buSzTx/>
-              <a:buFontTx/>
-              <a:buChar char="•"/>
-              <a:tabLst/>
-            </a:pPr>
-            <a:r>
-              <a:rPr kumimoji="0" lang="en-US" altLang="en-US" sz="2400" b="0" i="0" u="none" strike="noStrike" cap="none" normalizeH="0" baseline="0" dirty="0">
-                <a:ln>
-                  <a:noFill/>
-                </a:ln>
-                <a:solidFill>
-                  <a:schemeClr val="tx1"/>
-                </a:solidFill>
-                <a:effectLst/>
-                <a:latin typeface="Times New Roman" panose="02020603050405020304" pitchFamily="18" charset="0"/>
-                <a:cs typeface="Times New Roman" panose="02020603050405020304" pitchFamily="18" charset="0"/>
-              </a:rPr>
-              <a:t>💸 </a:t>
-            </a:r>
-            <a:r>
-              <a:rPr kumimoji="0" lang="en-US" altLang="en-US" sz="2400" b="1" i="0" u="none" strike="noStrike" cap="none" normalizeH="0" baseline="0" dirty="0">
-                <a:ln>
-                  <a:noFill/>
-                </a:ln>
-                <a:solidFill>
-                  <a:schemeClr val="tx1"/>
-                </a:solidFill>
-                <a:effectLst/>
-                <a:latin typeface="Times New Roman" panose="02020603050405020304" pitchFamily="18" charset="0"/>
-                <a:cs typeface="Times New Roman" panose="02020603050405020304" pitchFamily="18" charset="0"/>
-              </a:rPr>
-              <a:t>High Cost</a:t>
-            </a:r>
-            <a:endParaRPr kumimoji="0" lang="en-US" altLang="en-US" sz="2400" b="0" i="0" u="none" strike="noStrike" cap="none" normalizeH="0" baseline="0" dirty="0">
-              <a:ln>
-                <a:noFill/>
-              </a:ln>
-              <a:solidFill>
-                <a:schemeClr val="tx1"/>
-              </a:solidFill>
-              <a:effectLst/>
-              <a:latin typeface="Times New Roman" panose="02020603050405020304" pitchFamily="18" charset="0"/>
-              <a:cs typeface="Times New Roman" panose="02020603050405020304" pitchFamily="18" charset="0"/>
-            </a:endParaRPr>
-          </a:p>
-          <a:p>
-            <a:pPr marL="0" marR="0" lvl="0" indent="0" algn="l" defTabSz="914400" rtl="0" eaLnBrk="0" fontAlgn="base" latinLnBrk="0" hangingPunct="0">
-              <a:lnSpc>
-                <a:spcPct val="100000"/>
-              </a:lnSpc>
-              <a:spcBef>
-                <a:spcPct val="0"/>
-              </a:spcBef>
-              <a:spcAft>
-                <a:spcPct val="0"/>
-              </a:spcAft>
-              <a:buClrTx/>
-              <a:buSzTx/>
-              <a:buFontTx/>
-              <a:buChar char="•"/>
-              <a:tabLst/>
-            </a:pPr>
-            <a:r>
-              <a:rPr kumimoji="0" lang="en-US" altLang="en-US" sz="2400" b="0" i="0" u="none" strike="noStrike" cap="none" normalizeH="0" baseline="0" dirty="0">
-                <a:ln>
-                  <a:noFill/>
-                </a:ln>
-                <a:solidFill>
-                  <a:schemeClr val="tx1"/>
-                </a:solidFill>
-                <a:effectLst/>
-                <a:latin typeface="Times New Roman" panose="02020603050405020304" pitchFamily="18" charset="0"/>
-                <a:cs typeface="Times New Roman" panose="02020603050405020304" pitchFamily="18" charset="0"/>
-              </a:rPr>
-              <a:t>🌍 </a:t>
-            </a:r>
-            <a:r>
-              <a:rPr kumimoji="0" lang="en-US" altLang="en-US" sz="2400" b="1" i="0" u="none" strike="noStrike" cap="none" normalizeH="0" baseline="0" dirty="0">
-                <a:ln>
-                  <a:noFill/>
-                </a:ln>
-                <a:solidFill>
-                  <a:schemeClr val="tx1"/>
-                </a:solidFill>
-                <a:effectLst/>
-                <a:latin typeface="Times New Roman" panose="02020603050405020304" pitchFamily="18" charset="0"/>
-                <a:cs typeface="Times New Roman" panose="02020603050405020304" pitchFamily="18" charset="0"/>
-              </a:rPr>
-              <a:t>Eco Solution</a:t>
-            </a:r>
-            <a:endParaRPr lang="en-IN" sz="2400" dirty="0">
-              <a:latin typeface="Times New Roman" panose="02020603050405020304" pitchFamily="18" charset="0"/>
-              <a:cs typeface="Times New Roman" panose="02020603050405020304" pitchFamily="18" charset="0"/>
-            </a:endParaRPr>
-          </a:p>
-        </p:txBody>
-      </p:sp>
-    </p:spTree>
-  </p:cSld>
-  <p:clrMapOvr>
-    <a:masterClrMapping/>
-  </p:clrMapOvr>
-</p:sld>
-</file>
-
-<file path=ppt/slides/slide6.xml><?xml version="1.0" encoding="utf-8"?>
-<p:sld xmlns:a="http://schemas.openxmlformats.org/drawingml/2006/main" xmlns:r="http://schemas.openxmlformats.org/officeDocument/2006/relationships" xmlns:p="http://schemas.openxmlformats.org/presentationml/2006/main">
-  <p:cSld>
-    <p:bg>
-      <p:bgPr>
-        <a:solidFill>
-          <a:schemeClr val="tx2">
-            <a:lumMod val="60000"/>
-            <a:lumOff val="40000"/>
-          </a:schemeClr>
-        </a:solidFill>
-        <a:effectLst/>
-      </p:bgPr>
-    </p:bg>
-    <p:spTree>
-      <p:nvGrpSpPr>
-        <p:cNvPr id="1" name="Shape 561"/>
-        <p:cNvGrpSpPr/>
-        <p:nvPr/>
-      </p:nvGrpSpPr>
-      <p:grpSpPr>
-        <a:xfrm>
-          <a:off x="0" y="0"/>
-          <a:ext cx="0" cy="0"/>
-          <a:chOff x="0" y="0"/>
-          <a:chExt cx="0" cy="0"/>
-        </a:xfrm>
-      </p:grpSpPr>
-      <p:sp>
-        <p:nvSpPr>
-          <p:cNvPr id="563" name="Google Shape;563;p52"/>
-          <p:cNvSpPr txBox="1">
-            <a:spLocks noGrp="1"/>
-          </p:cNvSpPr>
-          <p:nvPr>
-            <p:ph type="subTitle" idx="4294967295"/>
-          </p:nvPr>
-        </p:nvSpPr>
-        <p:spPr>
-          <a:xfrm>
-            <a:off x="614175" y="322700"/>
-            <a:ext cx="4122300" cy="1218000"/>
-          </a:xfrm>
-          <a:prstGeom prst="rect">
-            <a:avLst/>
-          </a:prstGeom>
-        </p:spPr>
-        <p:txBody>
-          <a:bodyPr spcFirstLastPara="1" wrap="square" lIns="91425" tIns="91425" rIns="91425" bIns="91425" anchor="t" anchorCtr="0">
-            <a:noAutofit/>
-          </a:bodyPr>
-          <a:lstStyle/>
-          <a:p>
-            <a:pPr marL="0" lvl="0" indent="0" algn="l" rtl="0">
-              <a:spcBef>
-                <a:spcPts val="0"/>
-              </a:spcBef>
-              <a:spcAft>
-                <a:spcPts val="0"/>
-              </a:spcAft>
-              <a:buNone/>
-            </a:pPr>
-            <a:r>
-              <a:rPr lang="en" sz="4800" i="1" dirty="0">
-                <a:solidFill>
-                  <a:schemeClr val="accent3"/>
-                </a:solidFill>
-                <a:latin typeface="Roboto Serif ExtraBold"/>
-                <a:ea typeface="Roboto Serif ExtraBold"/>
-                <a:cs typeface="Roboto Serif ExtraBold"/>
-                <a:sym typeface="Roboto Serif ExtraBold"/>
-              </a:rPr>
-              <a:t>Empathy</a:t>
-            </a:r>
-            <a:endParaRPr sz="4800" i="1" dirty="0">
-              <a:solidFill>
-                <a:schemeClr val="accent3"/>
-              </a:solidFill>
-              <a:latin typeface="Roboto Serif ExtraBold"/>
-              <a:ea typeface="Roboto Serif ExtraBold"/>
-              <a:cs typeface="Roboto Serif ExtraBold"/>
-              <a:sym typeface="Roboto Serif ExtraBold"/>
-            </a:endParaRPr>
-          </a:p>
-        </p:txBody>
-      </p:sp>
-      <p:sp>
-        <p:nvSpPr>
-          <p:cNvPr id="22" name="Title 21">
-            <a:extLst>
-              <a:ext uri="{FF2B5EF4-FFF2-40B4-BE49-F238E27FC236}">
-                <a16:creationId xmlns:a16="http://schemas.microsoft.com/office/drawing/2014/main" id="{D3394C41-CB37-93A0-D20C-1E7F2F9DF5A5}"/>
-              </a:ext>
-            </a:extLst>
-          </p:cNvPr>
-          <p:cNvSpPr>
-            <a:spLocks noGrp="1" noChangeArrowheads="1"/>
-          </p:cNvSpPr>
-          <p:nvPr>
-            <p:ph type="title"/>
-          </p:nvPr>
-        </p:nvSpPr>
-        <p:spPr bwMode="auto">
-          <a:xfrm>
-            <a:off x="1" y="1506529"/>
-            <a:ext cx="9321800" cy="3416320"/>
-          </a:xfrm>
-          <a:prstGeom prst="rect">
-            <a:avLst/>
-          </a:prstGeom>
-          <a:noFill/>
-          <a:ln>
-            <a:noFill/>
-          </a:ln>
-          <a:effectLst/>
-          <a:extLst>
-            <a:ext uri="{909E8E84-426E-40DD-AFC4-6F175D3DCCD1}">
-              <a14:hiddenFill xmlns:a14="http://schemas.microsoft.com/office/drawing/2010/main">
-                <a:solidFill>
-                  <a:schemeClr val="accent1"/>
-                </a:solidFill>
-              </a14:hiddenFill>
-            </a:ext>
-            <a:ext uri="{91240B29-F687-4F45-9708-019B960494DF}">
-              <a14:hiddenLine xmlns:a14="http://schemas.microsoft.com/office/drawing/2010/main" w="9525">
-                <a:solidFill>
-                  <a:schemeClr val="tx1"/>
-                </a:solidFill>
-                <a:miter lim="800000"/>
-                <a:headEnd/>
-                <a:tailEnd/>
-              </a14:hiddenLine>
-            </a:ext>
-            <a:ext uri="{AF507438-7753-43E0-B8FC-AC1667EBCBE1}">
-              <a14:hiddenEffects xmlns:a14="http://schemas.microsoft.com/office/drawing/2010/main">
-                <a:effectLst>
-                  <a:outerShdw dist="35921" dir="2700000" algn="ctr" rotWithShape="0">
-                    <a:schemeClr val="bg2"/>
-                  </a:outerShdw>
-                </a:effectLst>
-              </a14:hiddenEffects>
-            </a:ext>
-          </a:extLst>
-        </p:spPr>
-        <p:txBody>
-          <a:bodyPr vert="horz" wrap="square" lIns="91440" tIns="45720" rIns="91440" bIns="45720" numCol="1" anchor="ctr" anchorCtr="0" compatLnSpc="1">
-            <a:prstTxWarp prst="textNoShape">
-              <a:avLst/>
-            </a:prstTxWarp>
-            <a:spAutoFit/>
-          </a:bodyPr>
-          <a:lstStyle/>
-          <a:p>
-            <a:pPr marL="0" marR="0" lvl="0" indent="0" algn="l" defTabSz="914400" rtl="0" eaLnBrk="0" fontAlgn="base" latinLnBrk="0" hangingPunct="0">
-              <a:lnSpc>
-                <a:spcPct val="100000"/>
-              </a:lnSpc>
-              <a:spcBef>
-                <a:spcPct val="0"/>
-              </a:spcBef>
-              <a:spcAft>
-                <a:spcPct val="0"/>
-              </a:spcAft>
-              <a:buClrTx/>
-              <a:buSzTx/>
-              <a:buFontTx/>
-              <a:buChar char="•"/>
-              <a:tabLst/>
-            </a:pPr>
-            <a:r>
-              <a:rPr kumimoji="0" lang="en-US" altLang="en-US" sz="1800" b="0" i="0" u="none" strike="noStrike" cap="none" normalizeH="0" baseline="0" dirty="0">
-                <a:ln>
-                  <a:noFill/>
-                </a:ln>
-                <a:solidFill>
-                  <a:schemeClr val="tx1"/>
-                </a:solidFill>
-                <a:effectLst/>
-                <a:latin typeface="Arial" panose="020B0604020202020204" pitchFamily="34" charset="0"/>
-              </a:rPr>
-              <a:t>🧤 </a:t>
-            </a:r>
-            <a:r>
-              <a:rPr kumimoji="0" lang="en-US" altLang="en-US" sz="1800" b="1" i="0" u="none" strike="noStrike" cap="none" normalizeH="0" baseline="0" dirty="0">
-                <a:ln>
-                  <a:noFill/>
-                </a:ln>
-                <a:solidFill>
-                  <a:schemeClr val="tx1"/>
-                </a:solidFill>
-                <a:effectLst/>
-                <a:latin typeface="Arial" panose="020B0604020202020204" pitchFamily="34" charset="0"/>
-              </a:rPr>
-              <a:t>"Sanitation heroes deserve safety"</a:t>
-            </a:r>
-            <a:r>
-              <a:rPr kumimoji="0" lang="en-US" altLang="en-US" sz="1800" b="0" i="0" u="none" strike="noStrike" cap="none" normalizeH="0" baseline="0" dirty="0">
-                <a:ln>
-                  <a:noFill/>
-                </a:ln>
-                <a:solidFill>
-                  <a:schemeClr val="tx1"/>
-                </a:solidFill>
-                <a:effectLst/>
-                <a:latin typeface="Arial" panose="020B0604020202020204" pitchFamily="34" charset="0"/>
-              </a:rPr>
-              <a:t> – Manual waste handlers face serious health risks every day.</a:t>
-            </a:r>
-            <a:br>
-              <a:rPr kumimoji="0" lang="en-US" altLang="en-US" sz="1800" b="0" i="0" u="none" strike="noStrike" cap="none" normalizeH="0" baseline="0" dirty="0">
-                <a:ln>
-                  <a:noFill/>
-                </a:ln>
-                <a:solidFill>
-                  <a:schemeClr val="tx1"/>
-                </a:solidFill>
-                <a:effectLst/>
-                <a:latin typeface="Arial" panose="020B0604020202020204" pitchFamily="34" charset="0"/>
-              </a:rPr>
-            </a:br>
-            <a:endParaRPr kumimoji="0" lang="en-US" altLang="en-US" sz="1800" b="0" i="0" u="none" strike="noStrike" cap="none" normalizeH="0" baseline="0" dirty="0">
-              <a:ln>
-                <a:noFill/>
-              </a:ln>
-              <a:solidFill>
-                <a:schemeClr val="tx1"/>
-              </a:solidFill>
-              <a:effectLst/>
-              <a:latin typeface="Arial" panose="020B0604020202020204" pitchFamily="34" charset="0"/>
-            </a:endParaRPr>
-          </a:p>
-          <a:p>
-            <a:pPr marL="0" marR="0" lvl="0" indent="0" algn="l" defTabSz="914400" rtl="0" eaLnBrk="0" fontAlgn="base" latinLnBrk="0" hangingPunct="0">
-              <a:lnSpc>
-                <a:spcPct val="100000"/>
-              </a:lnSpc>
-              <a:spcBef>
-                <a:spcPct val="0"/>
-              </a:spcBef>
-              <a:spcAft>
-                <a:spcPct val="0"/>
-              </a:spcAft>
-              <a:buClrTx/>
-              <a:buSzTx/>
-              <a:buFontTx/>
-              <a:buChar char="•"/>
-              <a:tabLst/>
-            </a:pPr>
-            <a:r>
-              <a:rPr kumimoji="0" lang="en-US" altLang="en-US" sz="1800" b="0" i="0" u="none" strike="noStrike" cap="none" normalizeH="0" baseline="0" dirty="0">
-                <a:ln>
-                  <a:noFill/>
-                </a:ln>
-                <a:solidFill>
-                  <a:schemeClr val="tx1"/>
-                </a:solidFill>
-                <a:effectLst/>
-                <a:latin typeface="Arial" panose="020B0604020202020204" pitchFamily="34" charset="0"/>
-              </a:rPr>
-              <a:t>🕒 </a:t>
-            </a:r>
-            <a:r>
-              <a:rPr kumimoji="0" lang="en-US" altLang="en-US" sz="1800" b="1" i="0" u="none" strike="noStrike" cap="none" normalizeH="0" baseline="0" dirty="0">
-                <a:ln>
-                  <a:noFill/>
-                </a:ln>
-                <a:solidFill>
-                  <a:schemeClr val="tx1"/>
-                </a:solidFill>
-                <a:effectLst/>
-                <a:latin typeface="Arial" panose="020B0604020202020204" pitchFamily="34" charset="0"/>
-              </a:rPr>
-              <a:t>"Why waste time, when tech can help?"</a:t>
-            </a:r>
-            <a:r>
-              <a:rPr kumimoji="0" lang="en-US" altLang="en-US" sz="1800" b="0" i="0" u="none" strike="noStrike" cap="none" normalizeH="0" baseline="0" dirty="0">
-                <a:ln>
-                  <a:noFill/>
-                </a:ln>
-                <a:solidFill>
-                  <a:schemeClr val="tx1"/>
-                </a:solidFill>
-                <a:effectLst/>
-                <a:latin typeface="Arial" panose="020B0604020202020204" pitchFamily="34" charset="0"/>
-              </a:rPr>
-              <a:t> – Segregation shouldn’t be a chore in our busy lives.</a:t>
-            </a:r>
-            <a:br>
-              <a:rPr kumimoji="0" lang="en-US" altLang="en-US" sz="1800" b="0" i="0" u="none" strike="noStrike" cap="none" normalizeH="0" baseline="0" dirty="0">
-                <a:ln>
-                  <a:noFill/>
-                </a:ln>
-                <a:solidFill>
-                  <a:schemeClr val="tx1"/>
-                </a:solidFill>
-                <a:effectLst/>
-                <a:latin typeface="Arial" panose="020B0604020202020204" pitchFamily="34" charset="0"/>
-              </a:rPr>
-            </a:br>
-            <a:endParaRPr kumimoji="0" lang="en-US" altLang="en-US" sz="1800" b="0" i="0" u="none" strike="noStrike" cap="none" normalizeH="0" baseline="0" dirty="0">
-              <a:ln>
-                <a:noFill/>
-              </a:ln>
-              <a:solidFill>
-                <a:schemeClr val="tx1"/>
-              </a:solidFill>
-              <a:effectLst/>
-              <a:latin typeface="Arial" panose="020B0604020202020204" pitchFamily="34" charset="0"/>
-            </a:endParaRPr>
-          </a:p>
-          <a:p>
-            <a:pPr marL="0" marR="0" lvl="0" indent="0" algn="l" defTabSz="914400" rtl="0" eaLnBrk="0" fontAlgn="base" latinLnBrk="0" hangingPunct="0">
-              <a:lnSpc>
-                <a:spcPct val="100000"/>
-              </a:lnSpc>
-              <a:spcBef>
-                <a:spcPct val="0"/>
-              </a:spcBef>
-              <a:spcAft>
-                <a:spcPct val="0"/>
-              </a:spcAft>
-              <a:buClrTx/>
-              <a:buSzTx/>
-              <a:buFontTx/>
-              <a:buChar char="•"/>
-              <a:tabLst/>
-            </a:pPr>
-            <a:r>
-              <a:rPr kumimoji="0" lang="en-US" altLang="en-US" sz="1800" b="0" i="0" u="none" strike="noStrike" cap="none" normalizeH="0" baseline="0" dirty="0">
-                <a:ln>
-                  <a:noFill/>
-                </a:ln>
-                <a:solidFill>
-                  <a:schemeClr val="tx1"/>
-                </a:solidFill>
-                <a:effectLst/>
-                <a:latin typeface="Arial" panose="020B0604020202020204" pitchFamily="34" charset="0"/>
-              </a:rPr>
-              <a:t>🧠 </a:t>
-            </a:r>
-            <a:r>
-              <a:rPr kumimoji="0" lang="en-US" altLang="en-US" sz="1800" b="1" i="0" u="none" strike="noStrike" cap="none" normalizeH="0" baseline="0" dirty="0">
-                <a:ln>
-                  <a:noFill/>
-                </a:ln>
-                <a:solidFill>
-                  <a:schemeClr val="tx1"/>
-                </a:solidFill>
-                <a:effectLst/>
-                <a:latin typeface="Arial" panose="020B0604020202020204" pitchFamily="34" charset="0"/>
-              </a:rPr>
-              <a:t>"Awareness isn’t enough"</a:t>
-            </a:r>
-            <a:r>
-              <a:rPr kumimoji="0" lang="en-US" altLang="en-US" sz="1800" b="0" i="0" u="none" strike="noStrike" cap="none" normalizeH="0" baseline="0" dirty="0">
-                <a:ln>
-                  <a:noFill/>
-                </a:ln>
-                <a:solidFill>
-                  <a:schemeClr val="tx1"/>
-                </a:solidFill>
-                <a:effectLst/>
-                <a:latin typeface="Arial" panose="020B0604020202020204" pitchFamily="34" charset="0"/>
-              </a:rPr>
-              <a:t> – People may care, but forgetfulness or confusion still leads to mixed waste.</a:t>
-            </a:r>
-            <a:br>
-              <a:rPr kumimoji="0" lang="en-US" altLang="en-US" sz="1800" b="0" i="0" u="none" strike="noStrike" cap="none" normalizeH="0" baseline="0" dirty="0">
-                <a:ln>
-                  <a:noFill/>
-                </a:ln>
-                <a:solidFill>
-                  <a:schemeClr val="tx1"/>
-                </a:solidFill>
-                <a:effectLst/>
-                <a:latin typeface="Arial" panose="020B0604020202020204" pitchFamily="34" charset="0"/>
-              </a:rPr>
-            </a:br>
-            <a:endParaRPr kumimoji="0" lang="en-US" altLang="en-US" sz="1800" b="0" i="0" u="none" strike="noStrike" cap="none" normalizeH="0" baseline="0" dirty="0">
-              <a:ln>
-                <a:noFill/>
-              </a:ln>
-              <a:solidFill>
-                <a:schemeClr val="tx1"/>
-              </a:solidFill>
-              <a:effectLst/>
-              <a:latin typeface="Arial" panose="020B0604020202020204" pitchFamily="34" charset="0"/>
-            </a:endParaRPr>
-          </a:p>
-          <a:p>
-            <a:pPr marL="0" marR="0" lvl="0" indent="0" algn="l" defTabSz="914400" rtl="0" eaLnBrk="0" fontAlgn="base" latinLnBrk="0" hangingPunct="0">
-              <a:lnSpc>
-                <a:spcPct val="100000"/>
-              </a:lnSpc>
-              <a:spcBef>
-                <a:spcPct val="0"/>
-              </a:spcBef>
-              <a:spcAft>
-                <a:spcPct val="0"/>
-              </a:spcAft>
-              <a:buClrTx/>
-              <a:buSzTx/>
-              <a:buFontTx/>
-              <a:buChar char="•"/>
-              <a:tabLst/>
-            </a:pPr>
-            <a:r>
-              <a:rPr kumimoji="0" lang="en-US" altLang="en-US" sz="1800" b="0" i="0" u="none" strike="noStrike" cap="none" normalizeH="0" baseline="0" dirty="0">
-                <a:ln>
-                  <a:noFill/>
-                </a:ln>
-                <a:solidFill>
-                  <a:schemeClr val="tx1"/>
-                </a:solidFill>
-                <a:effectLst/>
-                <a:latin typeface="Arial" panose="020B0604020202020204" pitchFamily="34" charset="0"/>
-              </a:rPr>
-              <a:t>💸 </a:t>
-            </a:r>
-            <a:r>
-              <a:rPr kumimoji="0" lang="en-US" altLang="en-US" sz="1800" b="1" i="0" u="none" strike="noStrike" cap="none" normalizeH="0" baseline="0" dirty="0">
-                <a:ln>
-                  <a:noFill/>
-                </a:ln>
-                <a:solidFill>
-                  <a:schemeClr val="tx1"/>
-                </a:solidFill>
-                <a:effectLst/>
-                <a:latin typeface="Arial" panose="020B0604020202020204" pitchFamily="34" charset="0"/>
-              </a:rPr>
-              <a:t>"Smart doesn't have to be pricey"</a:t>
-            </a:r>
-            <a:r>
-              <a:rPr kumimoji="0" lang="en-US" altLang="en-US" sz="1800" b="0" i="0" u="none" strike="noStrike" cap="none" normalizeH="0" baseline="0" dirty="0">
-                <a:ln>
-                  <a:noFill/>
-                </a:ln>
-                <a:solidFill>
-                  <a:schemeClr val="tx1"/>
-                </a:solidFill>
-                <a:effectLst/>
-                <a:latin typeface="Arial" panose="020B0604020202020204" pitchFamily="34" charset="0"/>
-              </a:rPr>
-              <a:t> – Every home deserves smart solutions, not just the rich.</a:t>
-            </a:r>
-          </a:p>
-          <a:p>
-            <a:pPr marL="0" marR="0" lvl="0" indent="0" algn="l" defTabSz="914400" rtl="0" eaLnBrk="0" fontAlgn="base" latinLnBrk="0" hangingPunct="0">
-              <a:lnSpc>
-                <a:spcPct val="100000"/>
-              </a:lnSpc>
-              <a:spcBef>
-                <a:spcPct val="0"/>
-              </a:spcBef>
-              <a:spcAft>
-                <a:spcPct val="0"/>
-              </a:spcAft>
-              <a:buClrTx/>
-              <a:buSzTx/>
-              <a:buFontTx/>
-              <a:buChar char="•"/>
-              <a:tabLst/>
-            </a:pPr>
-            <a:endParaRPr kumimoji="0" lang="en-US" altLang="en-US" sz="1800" b="0" i="0" u="none" strike="noStrike" cap="none" normalizeH="0" baseline="0" dirty="0">
-              <a:ln>
-                <a:noFill/>
-              </a:ln>
-              <a:solidFill>
-                <a:schemeClr val="tx1"/>
-              </a:solidFill>
-              <a:effectLst/>
-              <a:latin typeface="Arial" panose="020B0604020202020204" pitchFamily="34" charset="0"/>
-            </a:endParaRPr>
-          </a:p>
-        </p:txBody>
-      </p:sp>
-    </p:spTree>
-  </p:cSld>
-  <p:clrMapOvr>
-    <a:masterClrMapping/>
-  </p:clrMapOvr>
-</p:sld>
-</file>
-
-<file path=ppt/slides/slide7.xml><?xml version="1.0" encoding="utf-8"?>
 <p:sld xmlns:a="http://schemas.openxmlformats.org/drawingml/2006/main" xmlns:r="http://schemas.openxmlformats.org/officeDocument/2006/relationships" xmlns:p="http://schemas.openxmlformats.org/presentationml/2006/main">
   <p:cSld>
     <p:bg>
@@ -59278,7 +56086,12 @@
             <p:ph type="title"/>
           </p:nvPr>
         </p:nvSpPr>
-        <p:spPr/>
+        <p:spPr>
+          <a:xfrm>
+            <a:off x="5198534" y="261967"/>
+            <a:ext cx="3253372" cy="572700"/>
+          </a:xfrm>
+        </p:spPr>
         <p:txBody>
           <a:bodyPr/>
           <a:lstStyle/>
@@ -59312,8 +56125,8 @@
         </p:nvSpPr>
         <p:spPr>
           <a:xfrm>
-            <a:off x="0" y="1152474"/>
-            <a:ext cx="5919107" cy="3991025"/>
+            <a:off x="3616779" y="858560"/>
+            <a:ext cx="5527221" cy="4293104"/>
           </a:xfrm>
         </p:spPr>
         <p:txBody>
@@ -59488,15 +56301,15 @@
           <p:nvPr/>
         </p:nvPicPr>
         <p:blipFill>
-          <a:blip r:embed="rId2"/>
+          <a:blip r:embed="rId3"/>
           <a:stretch>
             <a:fillRect/>
           </a:stretch>
         </p:blipFill>
         <p:spPr>
           <a:xfrm>
-            <a:off x="5772150" y="0"/>
-            <a:ext cx="3371850" cy="5143500"/>
+            <a:off x="0" y="0"/>
+            <a:ext cx="3690257" cy="5143500"/>
           </a:xfrm>
           <a:prstGeom prst="rect">
             <a:avLst/>
@@ -59516,7 +56329,7 @@
 </p:sld>
 </file>
 
-<file path=ppt/slides/slide8.xml><?xml version="1.0" encoding="utf-8"?>
+<file path=ppt/slides/slide11.xml><?xml version="1.0" encoding="utf-8"?>
 <p:sld xmlns:a="http://schemas.openxmlformats.org/drawingml/2006/main" xmlns:r="http://schemas.openxmlformats.org/officeDocument/2006/relationships" xmlns:p="http://schemas.openxmlformats.org/presentationml/2006/main">
   <p:cSld>
     <p:bg>
@@ -59562,7 +56375,7 @@
         </p:nvSpPr>
         <p:spPr>
           <a:xfrm>
-            <a:off x="4163786" y="445025"/>
+            <a:off x="564793" y="77632"/>
             <a:ext cx="4668514" cy="572700"/>
           </a:xfrm>
         </p:spPr>
@@ -59600,8 +56413,8 @@
         </p:nvSpPr>
         <p:spPr bwMode="auto">
           <a:xfrm>
-            <a:off x="3167743" y="1282155"/>
-            <a:ext cx="5976257" cy="3416320"/>
+            <a:off x="65314" y="728158"/>
+            <a:ext cx="5429249" cy="4524315"/>
           </a:xfrm>
           <a:prstGeom prst="rect">
             <a:avLst/>
@@ -60011,8 +56824,8 @@
         </p:blipFill>
         <p:spPr>
           <a:xfrm>
-            <a:off x="0" y="0"/>
-            <a:ext cx="3102429" cy="5143500"/>
+            <a:off x="5641521" y="0"/>
+            <a:ext cx="3804558" cy="5143500"/>
           </a:xfrm>
           <a:prstGeom prst="rect">
             <a:avLst/>
@@ -60032,7 +56845,7 @@
 </p:sld>
 </file>
 
-<file path=ppt/slides/slide9.xml><?xml version="1.0" encoding="utf-8"?>
+<file path=ppt/slides/slide12.xml><?xml version="1.0" encoding="utf-8"?>
 <p:sld xmlns:a="http://schemas.openxmlformats.org/drawingml/2006/main" xmlns:r="http://schemas.openxmlformats.org/officeDocument/2006/relationships" xmlns:p="http://schemas.openxmlformats.org/presentationml/2006/main">
   <p:cSld>
     <p:bg>
@@ -60258,6 +57071,4288 @@
         </p:txBody>
       </p:sp>
     </p:spTree>
+  </p:cSld>
+  <p:clrMapOvr>
+    <a:masterClrMapping/>
+  </p:clrMapOvr>
+</p:sld>
+</file>
+
+<file path=ppt/slides/slide13.xml><?xml version="1.0" encoding="utf-8"?>
+<p:sld xmlns:a="http://schemas.openxmlformats.org/drawingml/2006/main" xmlns:r="http://schemas.openxmlformats.org/officeDocument/2006/relationships" xmlns:p="http://schemas.openxmlformats.org/presentationml/2006/main" showMasterSp="0">
+  <p:cSld>
+    <p:bg>
+      <p:bgPr>
+        <a:blipFill dpi="0" rotWithShape="1">
+          <a:blip r:embed="rId2">
+            <a:lum/>
+          </a:blip>
+          <a:srcRect/>
+          <a:stretch>
+            <a:fillRect t="-39000" b="-39000"/>
+          </a:stretch>
+        </a:blipFill>
+        <a:effectLst/>
+      </p:bgPr>
+    </p:bg>
+    <p:spTree>
+      <p:nvGrpSpPr>
+        <p:cNvPr id="1" name=""/>
+        <p:cNvGrpSpPr/>
+        <p:nvPr/>
+      </p:nvGrpSpPr>
+      <p:grpSpPr>
+        <a:xfrm>
+          <a:off x="0" y="0"/>
+          <a:ext cx="0" cy="0"/>
+          <a:chOff x="0" y="0"/>
+          <a:chExt cx="0" cy="0"/>
+        </a:xfrm>
+      </p:grpSpPr>
+      <p:cxnSp>
+        <p:nvCxnSpPr>
+          <p:cNvPr id="6" name="Straight Arrow Connector 5">
+            <a:extLst>
+              <a:ext uri="{FF2B5EF4-FFF2-40B4-BE49-F238E27FC236}">
+                <a16:creationId xmlns:a16="http://schemas.microsoft.com/office/drawing/2014/main" id="{07C0BF29-CEAF-300F-7C0E-CBD0C9B5CBF9}"/>
+              </a:ext>
+            </a:extLst>
+          </p:cNvPr>
+          <p:cNvCxnSpPr/>
+          <p:nvPr/>
+        </p:nvCxnSpPr>
+        <p:spPr>
+          <a:xfrm flipV="1">
+            <a:off x="5396303" y="605674"/>
+            <a:ext cx="636814" cy="547007"/>
+          </a:xfrm>
+          <a:prstGeom prst="straightConnector1">
+            <a:avLst/>
+          </a:prstGeom>
+          <a:ln w="34925">
+            <a:solidFill>
+              <a:schemeClr val="bg2"/>
+            </a:solidFill>
+            <a:tailEnd type="triangle"/>
+          </a:ln>
+        </p:spPr>
+        <p:style>
+          <a:lnRef idx="1">
+            <a:schemeClr val="accent1"/>
+          </a:lnRef>
+          <a:fillRef idx="0">
+            <a:schemeClr val="accent1"/>
+          </a:fillRef>
+          <a:effectRef idx="0">
+            <a:schemeClr val="accent1"/>
+          </a:effectRef>
+          <a:fontRef idx="minor">
+            <a:schemeClr val="tx1"/>
+          </a:fontRef>
+        </p:style>
+      </p:cxnSp>
+      <p:sp>
+        <p:nvSpPr>
+          <p:cNvPr id="7" name="TextBox 6">
+            <a:extLst>
+              <a:ext uri="{FF2B5EF4-FFF2-40B4-BE49-F238E27FC236}">
+                <a16:creationId xmlns:a16="http://schemas.microsoft.com/office/drawing/2014/main" id="{278A29EA-8FB4-BC32-166D-DC952BD4FE7F}"/>
+              </a:ext>
+            </a:extLst>
+          </p:cNvPr>
+          <p:cNvSpPr txBox="1"/>
+          <p:nvPr/>
+        </p:nvSpPr>
+        <p:spPr>
+          <a:xfrm>
+            <a:off x="6033117" y="82454"/>
+            <a:ext cx="1796143" cy="523220"/>
+          </a:xfrm>
+          <a:prstGeom prst="rect">
+            <a:avLst/>
+          </a:prstGeom>
+          <a:noFill/>
+        </p:spPr>
+        <p:txBody>
+          <a:bodyPr wrap="square" rtlCol="0">
+            <a:spAutoFit/>
+          </a:bodyPr>
+          <a:lstStyle/>
+          <a:p>
+            <a:r>
+              <a:rPr lang="en-US" b="1" i="1" dirty="0"/>
+              <a:t>SOIL MOISTURE SENSOR</a:t>
+            </a:r>
+            <a:endParaRPr lang="en-IN" b="1" i="1" dirty="0"/>
+          </a:p>
+        </p:txBody>
+      </p:sp>
+      <p:cxnSp>
+        <p:nvCxnSpPr>
+          <p:cNvPr id="9" name="Straight Arrow Connector 8">
+            <a:extLst>
+              <a:ext uri="{FF2B5EF4-FFF2-40B4-BE49-F238E27FC236}">
+                <a16:creationId xmlns:a16="http://schemas.microsoft.com/office/drawing/2014/main" id="{B2422CAD-567B-AAC4-994F-4D2E13857BE7}"/>
+              </a:ext>
+            </a:extLst>
+          </p:cNvPr>
+          <p:cNvCxnSpPr>
+            <a:cxnSpLocks/>
+          </p:cNvCxnSpPr>
+          <p:nvPr/>
+        </p:nvCxnSpPr>
+        <p:spPr>
+          <a:xfrm flipH="1" flipV="1">
+            <a:off x="4170590" y="1815610"/>
+            <a:ext cx="1050170" cy="65919"/>
+          </a:xfrm>
+          <a:prstGeom prst="straightConnector1">
+            <a:avLst/>
+          </a:prstGeom>
+          <a:ln w="34925">
+            <a:solidFill>
+              <a:schemeClr val="accent3">
+                <a:lumMod val="10000"/>
+                <a:lumOff val="90000"/>
+              </a:schemeClr>
+            </a:solidFill>
+            <a:tailEnd type="triangle"/>
+          </a:ln>
+        </p:spPr>
+        <p:style>
+          <a:lnRef idx="1">
+            <a:schemeClr val="accent1"/>
+          </a:lnRef>
+          <a:fillRef idx="0">
+            <a:schemeClr val="accent1"/>
+          </a:fillRef>
+          <a:effectRef idx="0">
+            <a:schemeClr val="accent1"/>
+          </a:effectRef>
+          <a:fontRef idx="minor">
+            <a:schemeClr val="tx1"/>
+          </a:fontRef>
+        </p:style>
+      </p:cxnSp>
+      <p:sp>
+        <p:nvSpPr>
+          <p:cNvPr id="12" name="TextBox 11">
+            <a:extLst>
+              <a:ext uri="{FF2B5EF4-FFF2-40B4-BE49-F238E27FC236}">
+                <a16:creationId xmlns:a16="http://schemas.microsoft.com/office/drawing/2014/main" id="{5F587251-5D36-3419-F7A5-919172CD0690}"/>
+              </a:ext>
+            </a:extLst>
+          </p:cNvPr>
+          <p:cNvSpPr txBox="1"/>
+          <p:nvPr/>
+        </p:nvSpPr>
+        <p:spPr>
+          <a:xfrm>
+            <a:off x="2839426" y="1619919"/>
+            <a:ext cx="1557866" cy="523220"/>
+          </a:xfrm>
+          <a:prstGeom prst="rect">
+            <a:avLst/>
+          </a:prstGeom>
+          <a:noFill/>
+        </p:spPr>
+        <p:txBody>
+          <a:bodyPr wrap="square" rtlCol="0">
+            <a:spAutoFit/>
+          </a:bodyPr>
+          <a:lstStyle/>
+          <a:p>
+            <a:r>
+              <a:rPr lang="en-US" b="1" dirty="0">
+                <a:solidFill>
+                  <a:schemeClr val="accent4"/>
+                </a:solidFill>
+              </a:rPr>
+              <a:t>ULTRASONIC SENSOR</a:t>
+            </a:r>
+            <a:endParaRPr lang="en-IN" b="1" dirty="0">
+              <a:solidFill>
+                <a:schemeClr val="accent4"/>
+              </a:solidFill>
+            </a:endParaRPr>
+          </a:p>
+        </p:txBody>
+      </p:sp>
+      <p:cxnSp>
+        <p:nvCxnSpPr>
+          <p:cNvPr id="19" name="Connector: Curved 18">
+            <a:extLst>
+              <a:ext uri="{FF2B5EF4-FFF2-40B4-BE49-F238E27FC236}">
+                <a16:creationId xmlns:a16="http://schemas.microsoft.com/office/drawing/2014/main" id="{E4C149B5-74D0-A74B-5F85-7DBEE71814D0}"/>
+              </a:ext>
+            </a:extLst>
+          </p:cNvPr>
+          <p:cNvCxnSpPr/>
+          <p:nvPr/>
+        </p:nvCxnSpPr>
+        <p:spPr>
+          <a:xfrm rot="10800000" flipV="1">
+            <a:off x="3135759" y="3196167"/>
+            <a:ext cx="1261533" cy="618066"/>
+          </a:xfrm>
+          <a:prstGeom prst="curvedConnector3">
+            <a:avLst/>
+          </a:prstGeom>
+          <a:ln w="41275">
+            <a:solidFill>
+              <a:schemeClr val="tx2">
+                <a:lumMod val="20000"/>
+                <a:lumOff val="80000"/>
+              </a:schemeClr>
+            </a:solidFill>
+            <a:tailEnd type="triangle"/>
+          </a:ln>
+        </p:spPr>
+        <p:style>
+          <a:lnRef idx="1">
+            <a:schemeClr val="accent1"/>
+          </a:lnRef>
+          <a:fillRef idx="0">
+            <a:schemeClr val="accent1"/>
+          </a:fillRef>
+          <a:effectRef idx="0">
+            <a:schemeClr val="accent1"/>
+          </a:effectRef>
+          <a:fontRef idx="minor">
+            <a:schemeClr val="tx1"/>
+          </a:fontRef>
+        </p:style>
+      </p:cxnSp>
+      <p:sp>
+        <p:nvSpPr>
+          <p:cNvPr id="20" name="TextBox 19">
+            <a:extLst>
+              <a:ext uri="{FF2B5EF4-FFF2-40B4-BE49-F238E27FC236}">
+                <a16:creationId xmlns:a16="http://schemas.microsoft.com/office/drawing/2014/main" id="{203DB988-16B7-BA6C-DBD2-BFB8A0E05D3F}"/>
+              </a:ext>
+            </a:extLst>
+          </p:cNvPr>
+          <p:cNvSpPr txBox="1"/>
+          <p:nvPr/>
+        </p:nvSpPr>
+        <p:spPr>
+          <a:xfrm>
+            <a:off x="2143850" y="3636433"/>
+            <a:ext cx="1168400" cy="307777"/>
+          </a:xfrm>
+          <a:prstGeom prst="rect">
+            <a:avLst/>
+          </a:prstGeom>
+          <a:noFill/>
+        </p:spPr>
+        <p:txBody>
+          <a:bodyPr wrap="square" rtlCol="0">
+            <a:spAutoFit/>
+          </a:bodyPr>
+          <a:lstStyle/>
+          <a:p>
+            <a:r>
+              <a:rPr lang="en-US" b="1" dirty="0"/>
+              <a:t>ARDUINO</a:t>
+            </a:r>
+            <a:endParaRPr lang="en-IN" b="1" dirty="0"/>
+          </a:p>
+        </p:txBody>
+      </p:sp>
+      <p:cxnSp>
+        <p:nvCxnSpPr>
+          <p:cNvPr id="22" name="Connector: Curved 21">
+            <a:extLst>
+              <a:ext uri="{FF2B5EF4-FFF2-40B4-BE49-F238E27FC236}">
+                <a16:creationId xmlns:a16="http://schemas.microsoft.com/office/drawing/2014/main" id="{E1EE7DF1-8204-4D05-5095-38C81DDEABEF}"/>
+              </a:ext>
+            </a:extLst>
+          </p:cNvPr>
+          <p:cNvCxnSpPr/>
+          <p:nvPr/>
+        </p:nvCxnSpPr>
+        <p:spPr>
+          <a:xfrm>
+            <a:off x="5875867" y="3505200"/>
+            <a:ext cx="1270000" cy="262467"/>
+          </a:xfrm>
+          <a:prstGeom prst="curvedConnector3">
+            <a:avLst/>
+          </a:prstGeom>
+          <a:ln w="38100">
+            <a:tailEnd type="triangle"/>
+          </a:ln>
+        </p:spPr>
+        <p:style>
+          <a:lnRef idx="1">
+            <a:schemeClr val="accent1"/>
+          </a:lnRef>
+          <a:fillRef idx="0">
+            <a:schemeClr val="accent1"/>
+          </a:fillRef>
+          <a:effectRef idx="0">
+            <a:schemeClr val="accent1"/>
+          </a:effectRef>
+          <a:fontRef idx="minor">
+            <a:schemeClr val="tx1"/>
+          </a:fontRef>
+        </p:style>
+      </p:cxnSp>
+      <p:sp>
+        <p:nvSpPr>
+          <p:cNvPr id="23" name="TextBox 22">
+            <a:extLst>
+              <a:ext uri="{FF2B5EF4-FFF2-40B4-BE49-F238E27FC236}">
+                <a16:creationId xmlns:a16="http://schemas.microsoft.com/office/drawing/2014/main" id="{3485C24E-4920-CDA2-BC9B-6B6B79730319}"/>
+              </a:ext>
+            </a:extLst>
+          </p:cNvPr>
+          <p:cNvSpPr txBox="1"/>
+          <p:nvPr/>
+        </p:nvSpPr>
+        <p:spPr>
+          <a:xfrm>
+            <a:off x="7145866" y="3616981"/>
+            <a:ext cx="1769533" cy="307777"/>
+          </a:xfrm>
+          <a:prstGeom prst="rect">
+            <a:avLst/>
+          </a:prstGeom>
+          <a:noFill/>
+        </p:spPr>
+        <p:txBody>
+          <a:bodyPr wrap="square" rtlCol="0">
+            <a:spAutoFit/>
+          </a:bodyPr>
+          <a:lstStyle/>
+          <a:p>
+            <a:r>
+              <a:rPr lang="en-US" b="1" dirty="0"/>
+              <a:t>JUMPER WIRES</a:t>
+            </a:r>
+            <a:endParaRPr lang="en-IN" b="1" dirty="0"/>
+          </a:p>
+        </p:txBody>
+      </p:sp>
+    </p:spTree>
+    <p:extLst>
+      <p:ext uri="{BB962C8B-B14F-4D97-AF65-F5344CB8AC3E}">
+        <p14:creationId xmlns:p14="http://schemas.microsoft.com/office/powerpoint/2010/main" val="4193156115"/>
+      </p:ext>
+    </p:extLst>
+  </p:cSld>
+  <p:clrMapOvr>
+    <a:masterClrMapping/>
+  </p:clrMapOvr>
+</p:sld>
+</file>
+
+<file path=ppt/slides/slide14.xml><?xml version="1.0" encoding="utf-8"?>
+<p:sld xmlns:a="http://schemas.openxmlformats.org/drawingml/2006/main" xmlns:r="http://schemas.openxmlformats.org/officeDocument/2006/relationships" xmlns:p="http://schemas.openxmlformats.org/presentationml/2006/main">
+  <p:cSld>
+    <p:bg>
+      <p:bgPr>
+        <a:solidFill>
+          <a:schemeClr val="accent3">
+            <a:lumMod val="25000"/>
+            <a:lumOff val="75000"/>
+          </a:schemeClr>
+        </a:solidFill>
+        <a:effectLst/>
+      </p:bgPr>
+    </p:bg>
+    <p:spTree>
+      <p:nvGrpSpPr>
+        <p:cNvPr id="1" name=""/>
+        <p:cNvGrpSpPr/>
+        <p:nvPr/>
+      </p:nvGrpSpPr>
+      <p:grpSpPr>
+        <a:xfrm>
+          <a:off x="0" y="0"/>
+          <a:ext cx="0" cy="0"/>
+          <a:chOff x="0" y="0"/>
+          <a:chExt cx="0" cy="0"/>
+        </a:xfrm>
+      </p:grpSpPr>
+      <p:sp>
+        <p:nvSpPr>
+          <p:cNvPr id="2" name="Title 1">
+            <a:extLst>
+              <a:ext uri="{FF2B5EF4-FFF2-40B4-BE49-F238E27FC236}">
+                <a16:creationId xmlns:a16="http://schemas.microsoft.com/office/drawing/2014/main" id="{3B85A769-2127-B492-3039-57B63436B178}"/>
+              </a:ext>
+            </a:extLst>
+          </p:cNvPr>
+          <p:cNvSpPr>
+            <a:spLocks noGrp="1"/>
+          </p:cNvSpPr>
+          <p:nvPr>
+            <p:ph type="title"/>
+          </p:nvPr>
+        </p:nvSpPr>
+        <p:spPr/>
+        <p:txBody>
+          <a:bodyPr/>
+          <a:lstStyle/>
+          <a:p>
+            <a:endParaRPr lang="en-IN"/>
+          </a:p>
+        </p:txBody>
+      </p:sp>
+      <p:pic>
+        <p:nvPicPr>
+          <p:cNvPr id="4" name="Picture 3">
+            <a:extLst>
+              <a:ext uri="{FF2B5EF4-FFF2-40B4-BE49-F238E27FC236}">
+                <a16:creationId xmlns:a16="http://schemas.microsoft.com/office/drawing/2014/main" id="{A9809903-5879-44FE-DD53-0B8ED4E8CAEA}"/>
+              </a:ext>
+            </a:extLst>
+          </p:cNvPr>
+          <p:cNvPicPr>
+            <a:picLocks noChangeAspect="1"/>
+          </p:cNvPicPr>
+          <p:nvPr/>
+        </p:nvPicPr>
+        <p:blipFill>
+          <a:blip r:embed="rId3"/>
+          <a:stretch>
+            <a:fillRect/>
+          </a:stretch>
+        </p:blipFill>
+        <p:spPr>
+          <a:xfrm>
+            <a:off x="231006" y="445025"/>
+            <a:ext cx="2927939" cy="2916959"/>
+          </a:xfrm>
+          <a:prstGeom prst="rect">
+            <a:avLst/>
+          </a:prstGeom>
+        </p:spPr>
+      </p:pic>
+      <p:pic>
+        <p:nvPicPr>
+          <p:cNvPr id="8" name="Picture 7">
+            <a:extLst>
+              <a:ext uri="{FF2B5EF4-FFF2-40B4-BE49-F238E27FC236}">
+                <a16:creationId xmlns:a16="http://schemas.microsoft.com/office/drawing/2014/main" id="{A1489D81-5F07-4700-332C-500EF49A53C8}"/>
+              </a:ext>
+            </a:extLst>
+          </p:cNvPr>
+          <p:cNvPicPr>
+            <a:picLocks noChangeAspect="1"/>
+          </p:cNvPicPr>
+          <p:nvPr/>
+        </p:nvPicPr>
+        <p:blipFill>
+          <a:blip r:embed="rId4"/>
+          <a:stretch>
+            <a:fillRect/>
+          </a:stretch>
+        </p:blipFill>
+        <p:spPr>
+          <a:xfrm>
+            <a:off x="3634658" y="595741"/>
+            <a:ext cx="5197642" cy="2615526"/>
+          </a:xfrm>
+          <a:prstGeom prst="rect">
+            <a:avLst/>
+          </a:prstGeom>
+        </p:spPr>
+      </p:pic>
+      <p:sp>
+        <p:nvSpPr>
+          <p:cNvPr id="9" name="TextBox 8">
+            <a:extLst>
+              <a:ext uri="{FF2B5EF4-FFF2-40B4-BE49-F238E27FC236}">
+                <a16:creationId xmlns:a16="http://schemas.microsoft.com/office/drawing/2014/main" id="{404E1945-E6AF-7C8A-4931-FB8CB086FEE1}"/>
+              </a:ext>
+            </a:extLst>
+          </p:cNvPr>
+          <p:cNvSpPr txBox="1"/>
+          <p:nvPr/>
+        </p:nvSpPr>
+        <p:spPr>
+          <a:xfrm>
+            <a:off x="567891" y="3965608"/>
+            <a:ext cx="2415941" cy="307777"/>
+          </a:xfrm>
+          <a:prstGeom prst="rect">
+            <a:avLst/>
+          </a:prstGeom>
+          <a:noFill/>
+        </p:spPr>
+        <p:txBody>
+          <a:bodyPr wrap="square" rtlCol="0">
+            <a:spAutoFit/>
+          </a:bodyPr>
+          <a:lstStyle/>
+          <a:p>
+            <a:r>
+              <a:rPr lang="en-US" b="1" dirty="0"/>
+              <a:t>PROTO TYPE</a:t>
+            </a:r>
+            <a:endParaRPr lang="en-IN" b="1" dirty="0"/>
+          </a:p>
+        </p:txBody>
+      </p:sp>
+      <p:sp>
+        <p:nvSpPr>
+          <p:cNvPr id="10" name="TextBox 9">
+            <a:extLst>
+              <a:ext uri="{FF2B5EF4-FFF2-40B4-BE49-F238E27FC236}">
+                <a16:creationId xmlns:a16="http://schemas.microsoft.com/office/drawing/2014/main" id="{48D03C9C-4A49-198B-A363-2D5F617F8EC1}"/>
+              </a:ext>
+            </a:extLst>
+          </p:cNvPr>
+          <p:cNvSpPr txBox="1"/>
+          <p:nvPr/>
+        </p:nvSpPr>
+        <p:spPr>
+          <a:xfrm>
+            <a:off x="5216892" y="3965607"/>
+            <a:ext cx="2685448" cy="307777"/>
+          </a:xfrm>
+          <a:prstGeom prst="rect">
+            <a:avLst/>
+          </a:prstGeom>
+          <a:noFill/>
+        </p:spPr>
+        <p:txBody>
+          <a:bodyPr wrap="square" rtlCol="0">
+            <a:spAutoFit/>
+          </a:bodyPr>
+          <a:lstStyle/>
+          <a:p>
+            <a:r>
+              <a:rPr lang="en-US" b="1" dirty="0"/>
+              <a:t>CIRCUIT DIAGRAM</a:t>
+            </a:r>
+          </a:p>
+        </p:txBody>
+      </p:sp>
+    </p:spTree>
+    <p:extLst>
+      <p:ext uri="{BB962C8B-B14F-4D97-AF65-F5344CB8AC3E}">
+        <p14:creationId xmlns:p14="http://schemas.microsoft.com/office/powerpoint/2010/main" val="2990337485"/>
+      </p:ext>
+    </p:extLst>
+  </p:cSld>
+  <p:clrMapOvr>
+    <a:masterClrMapping/>
+  </p:clrMapOvr>
+</p:sld>
+</file>
+
+<file path=ppt/slides/slide15.xml><?xml version="1.0" encoding="utf-8"?>
+<p:sld xmlns:a="http://schemas.openxmlformats.org/drawingml/2006/main" xmlns:r="http://schemas.openxmlformats.org/officeDocument/2006/relationships" xmlns:p="http://schemas.openxmlformats.org/presentationml/2006/main">
+  <p:cSld>
+    <p:bg>
+      <p:bgPr>
+        <a:solidFill>
+          <a:schemeClr val="tx2">
+            <a:lumMod val="40000"/>
+            <a:lumOff val="60000"/>
+          </a:schemeClr>
+        </a:solidFill>
+        <a:effectLst/>
+      </p:bgPr>
+    </p:bg>
+    <p:spTree>
+      <p:nvGrpSpPr>
+        <p:cNvPr id="1" name="Shape 624"/>
+        <p:cNvGrpSpPr/>
+        <p:nvPr/>
+      </p:nvGrpSpPr>
+      <p:grpSpPr>
+        <a:xfrm>
+          <a:off x="0" y="0"/>
+          <a:ext cx="0" cy="0"/>
+          <a:chOff x="0" y="0"/>
+          <a:chExt cx="0" cy="0"/>
+        </a:xfrm>
+      </p:grpSpPr>
+      <p:sp>
+        <p:nvSpPr>
+          <p:cNvPr id="625" name="Google Shape;625;p64"/>
+          <p:cNvSpPr txBox="1"/>
+          <p:nvPr/>
+        </p:nvSpPr>
+        <p:spPr>
+          <a:xfrm>
+            <a:off x="72750" y="0"/>
+            <a:ext cx="8998500" cy="5405700"/>
+          </a:xfrm>
+          <a:prstGeom prst="rect">
+            <a:avLst/>
+          </a:prstGeom>
+          <a:noFill/>
+          <a:ln>
+            <a:noFill/>
+          </a:ln>
+        </p:spPr>
+        <p:txBody>
+          <a:bodyPr spcFirstLastPara="1" wrap="square" lIns="91425" tIns="91425" rIns="91425" bIns="91425" anchor="t" anchorCtr="0">
+            <a:spAutoFit/>
+          </a:bodyPr>
+          <a:lstStyle/>
+          <a:p>
+            <a:pPr marL="0" lvl="0" indent="0" algn="l" rtl="0">
+              <a:lnSpc>
+                <a:spcPct val="115000"/>
+              </a:lnSpc>
+              <a:spcBef>
+                <a:spcPts val="1400"/>
+              </a:spcBef>
+              <a:spcAft>
+                <a:spcPts val="0"/>
+              </a:spcAft>
+              <a:buNone/>
+            </a:pPr>
+            <a:r>
+              <a:rPr lang="en" sz="1300" b="1" dirty="0">
+                <a:solidFill>
+                  <a:schemeClr val="dk1"/>
+                </a:solidFill>
+              </a:rPr>
+              <a:t>🔩</a:t>
+            </a:r>
+            <a:r>
+              <a:rPr lang="en" sz="1600" b="1" dirty="0">
+                <a:solidFill>
+                  <a:schemeClr val="dk1"/>
+                </a:solidFill>
+              </a:rPr>
+              <a:t> Key Components in the Prototype</a:t>
+            </a:r>
+            <a:endParaRPr sz="1600" b="1" dirty="0">
+              <a:solidFill>
+                <a:schemeClr val="dk1"/>
+              </a:solidFill>
+            </a:endParaRPr>
+          </a:p>
+          <a:p>
+            <a:pPr marL="457200" lvl="0" indent="-317500" algn="l" rtl="0">
+              <a:lnSpc>
+                <a:spcPct val="115000"/>
+              </a:lnSpc>
+              <a:spcBef>
+                <a:spcPts val="1200"/>
+              </a:spcBef>
+              <a:spcAft>
+                <a:spcPts val="0"/>
+              </a:spcAft>
+              <a:buClr>
+                <a:schemeClr val="dk1"/>
+              </a:buClr>
+              <a:buSzPts val="1400"/>
+              <a:buAutoNum type="arabicPeriod"/>
+            </a:pPr>
+            <a:r>
+              <a:rPr lang="en" b="1" dirty="0">
+                <a:solidFill>
+                  <a:schemeClr val="dk1"/>
+                </a:solidFill>
+              </a:rPr>
+              <a:t>Arduino Uno SMD</a:t>
+            </a:r>
+            <a:r>
+              <a:rPr lang="en" dirty="0">
+                <a:solidFill>
+                  <a:schemeClr val="dk1"/>
+                </a:solidFill>
+              </a:rPr>
+              <a:t> </a:t>
+            </a:r>
+            <a:br>
+              <a:rPr lang="en" dirty="0">
+                <a:solidFill>
+                  <a:schemeClr val="dk1"/>
+                </a:solidFill>
+              </a:rPr>
+            </a:br>
+            <a:endParaRPr dirty="0">
+              <a:solidFill>
+                <a:schemeClr val="dk1"/>
+              </a:solidFill>
+            </a:endParaRPr>
+          </a:p>
+          <a:p>
+            <a:pPr marL="914400" lvl="1" indent="-317500" algn="l" rtl="0">
+              <a:lnSpc>
+                <a:spcPct val="115000"/>
+              </a:lnSpc>
+              <a:spcBef>
+                <a:spcPts val="0"/>
+              </a:spcBef>
+              <a:spcAft>
+                <a:spcPts val="0"/>
+              </a:spcAft>
+              <a:buClr>
+                <a:schemeClr val="dk1"/>
+              </a:buClr>
+              <a:buSzPts val="1400"/>
+              <a:buChar char="○"/>
+            </a:pPr>
+            <a:r>
+              <a:rPr lang="en" dirty="0">
+                <a:solidFill>
+                  <a:schemeClr val="dk1"/>
+                </a:solidFill>
+              </a:rPr>
+              <a:t>Acts as the system’s central controller.</a:t>
+            </a:r>
+            <a:br>
+              <a:rPr lang="en" dirty="0">
+                <a:solidFill>
+                  <a:schemeClr val="dk1"/>
+                </a:solidFill>
+              </a:rPr>
+            </a:br>
+            <a:endParaRPr dirty="0">
+              <a:solidFill>
+                <a:schemeClr val="dk1"/>
+              </a:solidFill>
+            </a:endParaRPr>
+          </a:p>
+          <a:p>
+            <a:pPr marL="914400" lvl="1" indent="-317500" algn="l" rtl="0">
+              <a:lnSpc>
+                <a:spcPct val="115000"/>
+              </a:lnSpc>
+              <a:spcBef>
+                <a:spcPts val="0"/>
+              </a:spcBef>
+              <a:spcAft>
+                <a:spcPts val="0"/>
+              </a:spcAft>
+              <a:buClr>
+                <a:schemeClr val="dk1"/>
+              </a:buClr>
+              <a:buSzPts val="1400"/>
+              <a:buChar char="○"/>
+            </a:pPr>
+            <a:r>
+              <a:rPr lang="en" dirty="0">
+                <a:solidFill>
+                  <a:schemeClr val="dk1"/>
+                </a:solidFill>
+              </a:rPr>
+              <a:t>Receives input from sensors and controls the servo based on logic.</a:t>
+            </a:r>
+            <a:br>
+              <a:rPr lang="en" dirty="0">
+                <a:solidFill>
+                  <a:schemeClr val="dk1"/>
+                </a:solidFill>
+              </a:rPr>
+            </a:br>
+            <a:endParaRPr dirty="0">
+              <a:solidFill>
+                <a:schemeClr val="dk1"/>
+              </a:solidFill>
+            </a:endParaRPr>
+          </a:p>
+          <a:p>
+            <a:pPr marL="457200" lvl="0" indent="-317500" algn="l" rtl="0">
+              <a:lnSpc>
+                <a:spcPct val="115000"/>
+              </a:lnSpc>
+              <a:spcBef>
+                <a:spcPts val="0"/>
+              </a:spcBef>
+              <a:spcAft>
+                <a:spcPts val="0"/>
+              </a:spcAft>
+              <a:buClr>
+                <a:schemeClr val="dk1"/>
+              </a:buClr>
+              <a:buSzPts val="1400"/>
+              <a:buAutoNum type="arabicPeriod"/>
+            </a:pPr>
+            <a:r>
+              <a:rPr lang="en" b="1" dirty="0">
+                <a:solidFill>
+                  <a:schemeClr val="dk1"/>
+                </a:solidFill>
+              </a:rPr>
+              <a:t>Servo 9g Motor</a:t>
+            </a:r>
+            <a:r>
+              <a:rPr lang="en" dirty="0">
+                <a:solidFill>
+                  <a:schemeClr val="dk1"/>
+                </a:solidFill>
+              </a:rPr>
+              <a:t> </a:t>
+            </a:r>
+            <a:br>
+              <a:rPr lang="en" dirty="0">
+                <a:solidFill>
+                  <a:schemeClr val="dk1"/>
+                </a:solidFill>
+              </a:rPr>
+            </a:br>
+            <a:endParaRPr dirty="0">
+              <a:solidFill>
+                <a:schemeClr val="dk1"/>
+              </a:solidFill>
+            </a:endParaRPr>
+          </a:p>
+          <a:p>
+            <a:pPr marL="914400" lvl="1" indent="-317500" algn="l" rtl="0">
+              <a:lnSpc>
+                <a:spcPct val="115000"/>
+              </a:lnSpc>
+              <a:spcBef>
+                <a:spcPts val="0"/>
+              </a:spcBef>
+              <a:spcAft>
+                <a:spcPts val="0"/>
+              </a:spcAft>
+              <a:buClr>
+                <a:schemeClr val="dk1"/>
+              </a:buClr>
+              <a:buSzPts val="1400"/>
+              <a:buChar char="○"/>
+            </a:pPr>
+            <a:r>
+              <a:rPr lang="en" dirty="0">
+                <a:solidFill>
+                  <a:schemeClr val="dk1"/>
+                </a:solidFill>
+              </a:rPr>
+              <a:t>Physically shifts the flap to direct waste into the correct bin.</a:t>
+            </a:r>
+            <a:br>
+              <a:rPr lang="en" dirty="0">
+                <a:solidFill>
+                  <a:schemeClr val="dk1"/>
+                </a:solidFill>
+              </a:rPr>
+            </a:br>
+            <a:endParaRPr dirty="0">
+              <a:solidFill>
+                <a:schemeClr val="dk1"/>
+              </a:solidFill>
+            </a:endParaRPr>
+          </a:p>
+          <a:p>
+            <a:pPr marL="914400" lvl="1" indent="-317500" algn="l" rtl="0">
+              <a:lnSpc>
+                <a:spcPct val="115000"/>
+              </a:lnSpc>
+              <a:spcBef>
+                <a:spcPts val="0"/>
+              </a:spcBef>
+              <a:spcAft>
+                <a:spcPts val="0"/>
+              </a:spcAft>
+              <a:buClr>
+                <a:schemeClr val="dk1"/>
+              </a:buClr>
+              <a:buSzPts val="1400"/>
+              <a:buChar char="○"/>
+            </a:pPr>
+            <a:r>
+              <a:rPr lang="en" dirty="0">
+                <a:solidFill>
+                  <a:schemeClr val="dk1"/>
+                </a:solidFill>
+              </a:rPr>
+              <a:t>Quick and precise motion based on Arduino’s signal.</a:t>
+            </a:r>
+            <a:br>
+              <a:rPr lang="en" dirty="0">
+                <a:solidFill>
+                  <a:schemeClr val="dk1"/>
+                </a:solidFill>
+              </a:rPr>
+            </a:br>
+            <a:endParaRPr dirty="0">
+              <a:solidFill>
+                <a:schemeClr val="dk1"/>
+              </a:solidFill>
+            </a:endParaRPr>
+          </a:p>
+          <a:p>
+            <a:pPr marL="457200" lvl="0" indent="-317500" algn="l" rtl="0">
+              <a:lnSpc>
+                <a:spcPct val="115000"/>
+              </a:lnSpc>
+              <a:spcBef>
+                <a:spcPts val="0"/>
+              </a:spcBef>
+              <a:spcAft>
+                <a:spcPts val="0"/>
+              </a:spcAft>
+              <a:buClr>
+                <a:schemeClr val="dk1"/>
+              </a:buClr>
+              <a:buSzPts val="1400"/>
+              <a:buAutoNum type="arabicPeriod"/>
+            </a:pPr>
+            <a:r>
+              <a:rPr lang="en" b="1" dirty="0">
+                <a:solidFill>
+                  <a:schemeClr val="dk1"/>
+                </a:solidFill>
+              </a:rPr>
+              <a:t>Soil Moisture Sensor</a:t>
+            </a:r>
+            <a:r>
+              <a:rPr lang="en" dirty="0">
+                <a:solidFill>
+                  <a:schemeClr val="dk1"/>
+                </a:solidFill>
+              </a:rPr>
+              <a:t> </a:t>
+            </a:r>
+            <a:br>
+              <a:rPr lang="en" dirty="0">
+                <a:solidFill>
+                  <a:schemeClr val="dk1"/>
+                </a:solidFill>
+              </a:rPr>
+            </a:br>
+            <a:endParaRPr dirty="0">
+              <a:solidFill>
+                <a:schemeClr val="dk1"/>
+              </a:solidFill>
+            </a:endParaRPr>
+          </a:p>
+          <a:p>
+            <a:pPr marL="914400" lvl="1" indent="-317500" algn="l" rtl="0">
+              <a:lnSpc>
+                <a:spcPct val="115000"/>
+              </a:lnSpc>
+              <a:spcBef>
+                <a:spcPts val="0"/>
+              </a:spcBef>
+              <a:spcAft>
+                <a:spcPts val="0"/>
+              </a:spcAft>
+              <a:buClr>
+                <a:schemeClr val="dk1"/>
+              </a:buClr>
+              <a:buSzPts val="1400"/>
+              <a:buChar char="○"/>
+            </a:pPr>
+            <a:r>
+              <a:rPr lang="en" dirty="0">
+                <a:solidFill>
+                  <a:schemeClr val="dk1"/>
+                </a:solidFill>
+              </a:rPr>
+              <a:t>Measures how wet the waste is.</a:t>
+            </a:r>
+            <a:br>
+              <a:rPr lang="en" dirty="0">
+                <a:solidFill>
+                  <a:schemeClr val="dk1"/>
+                </a:solidFill>
+              </a:rPr>
+            </a:br>
+            <a:endParaRPr dirty="0">
+              <a:solidFill>
+                <a:schemeClr val="dk1"/>
+              </a:solidFill>
+            </a:endParaRPr>
+          </a:p>
+          <a:p>
+            <a:pPr marL="914400" lvl="1" indent="-317500" algn="l" rtl="0">
+              <a:lnSpc>
+                <a:spcPct val="115000"/>
+              </a:lnSpc>
+              <a:spcBef>
+                <a:spcPts val="0"/>
+              </a:spcBef>
+              <a:spcAft>
+                <a:spcPts val="0"/>
+              </a:spcAft>
+              <a:buClr>
+                <a:schemeClr val="dk1"/>
+              </a:buClr>
+              <a:buSzPts val="1400"/>
+              <a:buChar char="○"/>
+            </a:pPr>
+            <a:r>
+              <a:rPr lang="en" dirty="0">
+                <a:solidFill>
+                  <a:schemeClr val="dk1"/>
+                </a:solidFill>
+              </a:rPr>
+              <a:t>Sends moisture data to Arduino to determine waste type</a:t>
+            </a:r>
+            <a:br>
+              <a:rPr lang="en" dirty="0">
+                <a:solidFill>
+                  <a:schemeClr val="dk1"/>
+                </a:solidFill>
+              </a:rPr>
+            </a:br>
+            <a:endParaRPr dirty="0">
+              <a:solidFill>
+                <a:schemeClr val="dk1"/>
+              </a:solidFill>
+            </a:endParaRPr>
+          </a:p>
+          <a:p>
+            <a:pPr marL="0" lvl="0" indent="0" algn="l" rtl="0">
+              <a:lnSpc>
+                <a:spcPct val="115000"/>
+              </a:lnSpc>
+              <a:spcBef>
+                <a:spcPts val="1200"/>
+              </a:spcBef>
+              <a:spcAft>
+                <a:spcPts val="0"/>
+              </a:spcAft>
+              <a:buNone/>
+            </a:pPr>
+            <a:endParaRPr sz="1100" dirty="0">
+              <a:solidFill>
+                <a:schemeClr val="dk1"/>
+              </a:solidFill>
+            </a:endParaRPr>
+          </a:p>
+        </p:txBody>
+      </p:sp>
+      <p:pic>
+        <p:nvPicPr>
+          <p:cNvPr id="626" name="Google Shape;626;p64" title="soil sensor.jpg"/>
+          <p:cNvPicPr preferRelativeResize="0"/>
+          <p:nvPr/>
+        </p:nvPicPr>
+        <p:blipFill>
+          <a:blip r:embed="rId3">
+            <a:alphaModFix/>
+          </a:blip>
+          <a:stretch>
+            <a:fillRect/>
+          </a:stretch>
+        </p:blipFill>
+        <p:spPr>
+          <a:xfrm>
+            <a:off x="6655050" y="3956175"/>
+            <a:ext cx="1857900" cy="1187325"/>
+          </a:xfrm>
+          <a:prstGeom prst="rect">
+            <a:avLst/>
+          </a:prstGeom>
+          <a:noFill/>
+          <a:ln>
+            <a:noFill/>
+          </a:ln>
+        </p:spPr>
+      </p:pic>
+      <p:pic>
+        <p:nvPicPr>
+          <p:cNvPr id="627" name="Google Shape;627;p64" title="servo motor.jpg"/>
+          <p:cNvPicPr preferRelativeResize="0"/>
+          <p:nvPr/>
+        </p:nvPicPr>
+        <p:blipFill>
+          <a:blip r:embed="rId4">
+            <a:alphaModFix/>
+          </a:blip>
+          <a:stretch>
+            <a:fillRect/>
+          </a:stretch>
+        </p:blipFill>
+        <p:spPr>
+          <a:xfrm>
+            <a:off x="6655050" y="2342750"/>
+            <a:ext cx="1857900" cy="1277925"/>
+          </a:xfrm>
+          <a:prstGeom prst="rect">
+            <a:avLst/>
+          </a:prstGeom>
+          <a:noFill/>
+          <a:ln>
+            <a:noFill/>
+          </a:ln>
+        </p:spPr>
+      </p:pic>
+      <p:pic>
+        <p:nvPicPr>
+          <p:cNvPr id="628" name="Google Shape;628;p64" title="Arduino_Uno_-_R3.jpg"/>
+          <p:cNvPicPr preferRelativeResize="0"/>
+          <p:nvPr/>
+        </p:nvPicPr>
+        <p:blipFill>
+          <a:blip r:embed="rId5">
+            <a:alphaModFix/>
+          </a:blip>
+          <a:stretch>
+            <a:fillRect/>
+          </a:stretch>
+        </p:blipFill>
+        <p:spPr>
+          <a:xfrm>
+            <a:off x="6574650" y="415275"/>
+            <a:ext cx="2122376" cy="1451025"/>
+          </a:xfrm>
+          <a:prstGeom prst="rect">
+            <a:avLst/>
+          </a:prstGeom>
+          <a:noFill/>
+          <a:ln>
+            <a:noFill/>
+          </a:ln>
+        </p:spPr>
+      </p:pic>
+    </p:spTree>
+  </p:cSld>
+  <p:clrMapOvr>
+    <a:masterClrMapping/>
+  </p:clrMapOvr>
+</p:sld>
+</file>
+
+<file path=ppt/slides/slide16.xml><?xml version="1.0" encoding="utf-8"?>
+<p:sld xmlns:a="http://schemas.openxmlformats.org/drawingml/2006/main" xmlns:r="http://schemas.openxmlformats.org/officeDocument/2006/relationships" xmlns:p="http://schemas.openxmlformats.org/presentationml/2006/main">
+  <p:cSld>
+    <p:bg>
+      <p:bgPr>
+        <a:solidFill>
+          <a:schemeClr val="tx2">
+            <a:lumMod val="40000"/>
+            <a:lumOff val="60000"/>
+          </a:schemeClr>
+        </a:solidFill>
+        <a:effectLst/>
+      </p:bgPr>
+    </p:bg>
+    <p:spTree>
+      <p:nvGrpSpPr>
+        <p:cNvPr id="1" name="Shape 632"/>
+        <p:cNvGrpSpPr/>
+        <p:nvPr/>
+      </p:nvGrpSpPr>
+      <p:grpSpPr>
+        <a:xfrm>
+          <a:off x="0" y="0"/>
+          <a:ext cx="0" cy="0"/>
+          <a:chOff x="0" y="0"/>
+          <a:chExt cx="0" cy="0"/>
+        </a:xfrm>
+      </p:grpSpPr>
+      <p:sp>
+        <p:nvSpPr>
+          <p:cNvPr id="633" name="Google Shape;633;p65"/>
+          <p:cNvSpPr txBox="1"/>
+          <p:nvPr/>
+        </p:nvSpPr>
+        <p:spPr>
+          <a:xfrm>
+            <a:off x="14050" y="0"/>
+            <a:ext cx="9233400" cy="5250638"/>
+          </a:xfrm>
+          <a:prstGeom prst="rect">
+            <a:avLst/>
+          </a:prstGeom>
+          <a:noFill/>
+          <a:ln>
+            <a:noFill/>
+          </a:ln>
+        </p:spPr>
+        <p:txBody>
+          <a:bodyPr spcFirstLastPara="1" wrap="square" lIns="91425" tIns="91425" rIns="91425" bIns="91425" anchor="t" anchorCtr="0">
+            <a:spAutoFit/>
+          </a:bodyPr>
+          <a:lstStyle/>
+          <a:p>
+            <a:pPr marL="457200" lvl="0" indent="0" algn="l" rtl="0">
+              <a:lnSpc>
+                <a:spcPct val="115000"/>
+              </a:lnSpc>
+              <a:spcBef>
+                <a:spcPts val="1200"/>
+              </a:spcBef>
+              <a:spcAft>
+                <a:spcPts val="0"/>
+              </a:spcAft>
+              <a:buNone/>
+            </a:pPr>
+            <a:r>
+              <a:rPr lang="en" sz="1600" b="1" dirty="0">
+                <a:solidFill>
+                  <a:schemeClr val="dk1"/>
+                </a:solidFill>
+              </a:rPr>
+              <a:t>Ultrasonic Sensor</a:t>
+            </a:r>
+            <a:r>
+              <a:rPr lang="en" sz="1600" dirty="0">
+                <a:solidFill>
+                  <a:schemeClr val="dk1"/>
+                </a:solidFill>
+              </a:rPr>
+              <a:t> 📏</a:t>
+            </a:r>
+            <a:br>
+              <a:rPr lang="en" sz="1600" dirty="0">
+                <a:solidFill>
+                  <a:schemeClr val="dk1"/>
+                </a:solidFill>
+              </a:rPr>
+            </a:br>
+            <a:endParaRPr sz="1600" dirty="0">
+              <a:solidFill>
+                <a:schemeClr val="dk1"/>
+              </a:solidFill>
+            </a:endParaRPr>
+          </a:p>
+          <a:p>
+            <a:pPr marL="914400" lvl="1" indent="-317500" algn="l" rtl="0">
+              <a:lnSpc>
+                <a:spcPct val="115000"/>
+              </a:lnSpc>
+              <a:spcBef>
+                <a:spcPts val="1200"/>
+              </a:spcBef>
+              <a:spcAft>
+                <a:spcPts val="0"/>
+              </a:spcAft>
+              <a:buClr>
+                <a:schemeClr val="dk1"/>
+              </a:buClr>
+              <a:buSzPts val="1400"/>
+              <a:buChar char="○"/>
+            </a:pPr>
+            <a:r>
+              <a:rPr lang="en" sz="1600" dirty="0">
+                <a:solidFill>
+                  <a:schemeClr val="dk1"/>
+                </a:solidFill>
+              </a:rPr>
+              <a:t>Senses when waste is placed within range</a:t>
+            </a:r>
+            <a:endParaRPr sz="1600" dirty="0">
+              <a:solidFill>
+                <a:schemeClr val="dk1"/>
+              </a:solidFill>
+            </a:endParaRPr>
+          </a:p>
+          <a:p>
+            <a:pPr marL="914400" lvl="1" indent="-317500" algn="l" rtl="0">
+              <a:lnSpc>
+                <a:spcPct val="115000"/>
+              </a:lnSpc>
+              <a:spcBef>
+                <a:spcPts val="0"/>
+              </a:spcBef>
+              <a:spcAft>
+                <a:spcPts val="0"/>
+              </a:spcAft>
+              <a:buClr>
+                <a:schemeClr val="dk1"/>
+              </a:buClr>
+              <a:buSzPts val="1400"/>
+              <a:buChar char="○"/>
+            </a:pPr>
+            <a:r>
+              <a:rPr lang="en" sz="1600" dirty="0">
+                <a:solidFill>
+                  <a:schemeClr val="dk1"/>
+                </a:solidFill>
+              </a:rPr>
+              <a:t>Ensures system activates only when waste is detected.</a:t>
+            </a:r>
+            <a:br>
+              <a:rPr lang="en" sz="1600" dirty="0">
+                <a:solidFill>
+                  <a:schemeClr val="dk1"/>
+                </a:solidFill>
+              </a:rPr>
+            </a:br>
+            <a:endParaRPr sz="1600" dirty="0">
+              <a:solidFill>
+                <a:schemeClr val="dk1"/>
+              </a:solidFill>
+            </a:endParaRPr>
+          </a:p>
+          <a:p>
+            <a:pPr marL="457200" lvl="0" indent="0" algn="l" rtl="0">
+              <a:lnSpc>
+                <a:spcPct val="115000"/>
+              </a:lnSpc>
+              <a:spcBef>
+                <a:spcPts val="1200"/>
+              </a:spcBef>
+              <a:spcAft>
+                <a:spcPts val="0"/>
+              </a:spcAft>
+              <a:buNone/>
+            </a:pPr>
+            <a:r>
+              <a:rPr lang="en" sz="1600" b="1" dirty="0">
+                <a:solidFill>
+                  <a:schemeClr val="dk1"/>
+                </a:solidFill>
+              </a:rPr>
+              <a:t>USB Cable</a:t>
+            </a:r>
+            <a:r>
+              <a:rPr lang="en" sz="1600" dirty="0">
+                <a:solidFill>
+                  <a:schemeClr val="dk1"/>
+                </a:solidFill>
+              </a:rPr>
+              <a:t> 🔌</a:t>
+            </a:r>
+            <a:endParaRPr sz="1600" dirty="0">
+              <a:solidFill>
+                <a:schemeClr val="dk1"/>
+              </a:solidFill>
+            </a:endParaRPr>
+          </a:p>
+          <a:p>
+            <a:pPr marL="457200" lvl="0" indent="-317500" algn="l" rtl="0">
+              <a:lnSpc>
+                <a:spcPct val="115000"/>
+              </a:lnSpc>
+              <a:spcBef>
+                <a:spcPts val="1200"/>
+              </a:spcBef>
+              <a:spcAft>
+                <a:spcPts val="0"/>
+              </a:spcAft>
+              <a:buClr>
+                <a:schemeClr val="dk1"/>
+              </a:buClr>
+              <a:buSzPts val="1400"/>
+              <a:buChar char="○"/>
+            </a:pPr>
+            <a:r>
+              <a:rPr lang="en" sz="1600" dirty="0">
+                <a:solidFill>
+                  <a:schemeClr val="dk1"/>
+                </a:solidFill>
+              </a:rPr>
+              <a:t>Used for programming the Arduino and providing power during testing.</a:t>
+            </a:r>
+            <a:br>
+              <a:rPr lang="en" sz="1600" dirty="0">
+                <a:solidFill>
+                  <a:schemeClr val="dk1"/>
+                </a:solidFill>
+              </a:rPr>
+            </a:br>
+            <a:endParaRPr sz="1600" dirty="0">
+              <a:solidFill>
+                <a:schemeClr val="dk1"/>
+              </a:solidFill>
+            </a:endParaRPr>
+          </a:p>
+          <a:p>
+            <a:pPr marL="457200" lvl="0" indent="0" algn="l" rtl="0">
+              <a:lnSpc>
+                <a:spcPct val="115000"/>
+              </a:lnSpc>
+              <a:spcBef>
+                <a:spcPts val="1200"/>
+              </a:spcBef>
+              <a:spcAft>
+                <a:spcPts val="0"/>
+              </a:spcAft>
+              <a:buNone/>
+            </a:pPr>
+            <a:endParaRPr sz="1600" dirty="0">
+              <a:solidFill>
+                <a:schemeClr val="dk1"/>
+              </a:solidFill>
+            </a:endParaRPr>
+          </a:p>
+          <a:p>
+            <a:pPr marL="457200" lvl="0" indent="0" algn="l" rtl="0">
+              <a:lnSpc>
+                <a:spcPct val="115000"/>
+              </a:lnSpc>
+              <a:spcBef>
+                <a:spcPts val="1200"/>
+              </a:spcBef>
+              <a:spcAft>
+                <a:spcPts val="0"/>
+              </a:spcAft>
+              <a:buNone/>
+            </a:pPr>
+            <a:r>
+              <a:rPr lang="en" sz="1600" b="1" dirty="0">
+                <a:solidFill>
+                  <a:schemeClr val="dk1"/>
+                </a:solidFill>
+              </a:rPr>
+              <a:t>F-F and M-F Jumper Wires</a:t>
+            </a:r>
+            <a:r>
+              <a:rPr lang="en" sz="1600" dirty="0">
+                <a:solidFill>
+                  <a:schemeClr val="dk1"/>
+                </a:solidFill>
+              </a:rPr>
+              <a:t> 🔗</a:t>
+            </a:r>
+            <a:endParaRPr sz="1600" dirty="0">
+              <a:solidFill>
+                <a:schemeClr val="dk1"/>
+              </a:solidFill>
+            </a:endParaRPr>
+          </a:p>
+          <a:p>
+            <a:pPr marL="457200" lvl="0" indent="0" algn="l" rtl="0">
+              <a:lnSpc>
+                <a:spcPct val="115000"/>
+              </a:lnSpc>
+              <a:spcBef>
+                <a:spcPts val="1200"/>
+              </a:spcBef>
+              <a:spcAft>
+                <a:spcPts val="0"/>
+              </a:spcAft>
+              <a:buNone/>
+            </a:pPr>
+            <a:r>
+              <a:rPr lang="en" sz="1600" dirty="0">
+                <a:solidFill>
+                  <a:schemeClr val="dk1"/>
+                </a:solidFill>
+              </a:rPr>
+              <a:t>Connect components to the Arduino.</a:t>
+            </a:r>
+            <a:endParaRPr sz="1600" dirty="0">
+              <a:solidFill>
+                <a:schemeClr val="dk1"/>
+              </a:solidFill>
+            </a:endParaRPr>
+          </a:p>
+          <a:p>
+            <a:pPr marL="457200" lvl="0" indent="0" algn="l" rtl="0">
+              <a:lnSpc>
+                <a:spcPct val="115000"/>
+              </a:lnSpc>
+              <a:spcBef>
+                <a:spcPts val="1200"/>
+              </a:spcBef>
+              <a:spcAft>
+                <a:spcPts val="1200"/>
+              </a:spcAft>
+              <a:buNone/>
+            </a:pPr>
+            <a:r>
+              <a:rPr lang="en" sz="1600" dirty="0">
+                <a:solidFill>
+                  <a:schemeClr val="dk1"/>
+                </a:solidFill>
+              </a:rPr>
+              <a:t>Ensures smooth communication between sensors, motor, and microcontroller.</a:t>
+            </a:r>
+            <a:br>
+              <a:rPr lang="en" sz="1600" dirty="0">
+                <a:solidFill>
+                  <a:schemeClr val="dk1"/>
+                </a:solidFill>
+              </a:rPr>
+            </a:br>
+            <a:endParaRPr sz="1600" dirty="0">
+              <a:solidFill>
+                <a:schemeClr val="dk1"/>
+              </a:solidFill>
+            </a:endParaRPr>
+          </a:p>
+        </p:txBody>
+      </p:sp>
+      <p:pic>
+        <p:nvPicPr>
+          <p:cNvPr id="634" name="Google Shape;634;p65" title="Screenshot 2025-04-27 123504.png"/>
+          <p:cNvPicPr preferRelativeResize="0"/>
+          <p:nvPr/>
+        </p:nvPicPr>
+        <p:blipFill>
+          <a:blip r:embed="rId3">
+            <a:alphaModFix/>
+          </a:blip>
+          <a:stretch>
+            <a:fillRect/>
+          </a:stretch>
+        </p:blipFill>
+        <p:spPr>
+          <a:xfrm>
+            <a:off x="6082392" y="155122"/>
+            <a:ext cx="2506437" cy="1440000"/>
+          </a:xfrm>
+          <a:prstGeom prst="rect">
+            <a:avLst/>
+          </a:prstGeom>
+          <a:noFill/>
+          <a:ln>
+            <a:noFill/>
+          </a:ln>
+        </p:spPr>
+      </p:pic>
+      <p:pic>
+        <p:nvPicPr>
+          <p:cNvPr id="635" name="Google Shape;635;p65" title="jumper.jpg"/>
+          <p:cNvPicPr preferRelativeResize="0"/>
+          <p:nvPr/>
+        </p:nvPicPr>
+        <p:blipFill>
+          <a:blip r:embed="rId4">
+            <a:alphaModFix/>
+          </a:blip>
+          <a:stretch>
+            <a:fillRect/>
+          </a:stretch>
+        </p:blipFill>
+        <p:spPr>
+          <a:xfrm>
+            <a:off x="7185889" y="3027429"/>
+            <a:ext cx="1820775" cy="1340464"/>
+          </a:xfrm>
+          <a:prstGeom prst="rect">
+            <a:avLst/>
+          </a:prstGeom>
+          <a:noFill/>
+          <a:ln>
+            <a:noFill/>
+          </a:ln>
+        </p:spPr>
+      </p:pic>
+    </p:spTree>
+  </p:cSld>
+  <p:clrMapOvr>
+    <a:masterClrMapping/>
+  </p:clrMapOvr>
+</p:sld>
+</file>
+
+<file path=ppt/slides/slide17.xml><?xml version="1.0" encoding="utf-8"?>
+<p:sld xmlns:a="http://schemas.openxmlformats.org/drawingml/2006/main" xmlns:r="http://schemas.openxmlformats.org/officeDocument/2006/relationships" xmlns:p="http://schemas.openxmlformats.org/presentationml/2006/main">
+  <p:cSld>
+    <p:bg>
+      <p:bgPr>
+        <a:solidFill>
+          <a:schemeClr val="tx2">
+            <a:lumMod val="40000"/>
+            <a:lumOff val="60000"/>
+          </a:schemeClr>
+        </a:solidFill>
+        <a:effectLst/>
+      </p:bgPr>
+    </p:bg>
+    <p:spTree>
+      <p:nvGrpSpPr>
+        <p:cNvPr id="1" name="Shape 639"/>
+        <p:cNvGrpSpPr/>
+        <p:nvPr/>
+      </p:nvGrpSpPr>
+      <p:grpSpPr>
+        <a:xfrm>
+          <a:off x="0" y="0"/>
+          <a:ext cx="0" cy="0"/>
+          <a:chOff x="0" y="0"/>
+          <a:chExt cx="0" cy="0"/>
+        </a:xfrm>
+      </p:grpSpPr>
+      <p:sp>
+        <p:nvSpPr>
+          <p:cNvPr id="3" name="Title 2">
+            <a:extLst>
+              <a:ext uri="{FF2B5EF4-FFF2-40B4-BE49-F238E27FC236}">
+                <a16:creationId xmlns:a16="http://schemas.microsoft.com/office/drawing/2014/main" id="{5F4EBC09-2EC3-9034-2523-4F31638ADFA7}"/>
+              </a:ext>
+            </a:extLst>
+          </p:cNvPr>
+          <p:cNvSpPr>
+            <a:spLocks noGrp="1"/>
+          </p:cNvSpPr>
+          <p:nvPr>
+            <p:ph type="title"/>
+          </p:nvPr>
+        </p:nvSpPr>
+        <p:spPr/>
+        <p:txBody>
+          <a:bodyPr/>
+          <a:lstStyle/>
+          <a:p>
+            <a:r>
+              <a:rPr lang="en" sz="3200" b="1" dirty="0">
+                <a:latin typeface="Arial"/>
+                <a:ea typeface="Arial"/>
+                <a:cs typeface="Arial"/>
+                <a:sym typeface="Arial"/>
+              </a:rPr>
+              <a:t>✅ </a:t>
+            </a:r>
+            <a:r>
+              <a:rPr lang="en-IN" sz="3200" b="1" dirty="0">
+                <a:latin typeface="Arial"/>
+                <a:ea typeface="Arial"/>
+                <a:cs typeface="Arial"/>
+                <a:sym typeface="Arial"/>
+              </a:rPr>
+              <a:t>Conclusion</a:t>
+            </a:r>
+            <a:br>
+              <a:rPr lang="en-IN" sz="3200" b="1" dirty="0">
+                <a:latin typeface="Arial"/>
+                <a:ea typeface="Arial"/>
+                <a:cs typeface="Arial"/>
+                <a:sym typeface="Arial"/>
+              </a:rPr>
+            </a:br>
+            <a:endParaRPr lang="en-IN" sz="3200" dirty="0"/>
+          </a:p>
+        </p:txBody>
+      </p:sp>
+      <p:sp>
+        <p:nvSpPr>
+          <p:cNvPr id="640" name="Google Shape;640;p66"/>
+          <p:cNvSpPr txBox="1">
+            <a:spLocks noGrp="1"/>
+          </p:cNvSpPr>
+          <p:nvPr>
+            <p:ph type="body" idx="4294967295"/>
+          </p:nvPr>
+        </p:nvSpPr>
+        <p:spPr>
+          <a:xfrm>
+            <a:off x="0" y="1338942"/>
+            <a:ext cx="8353425" cy="3658507"/>
+          </a:xfrm>
+          <a:prstGeom prst="rect">
+            <a:avLst/>
+          </a:prstGeom>
+        </p:spPr>
+        <p:txBody>
+          <a:bodyPr spcFirstLastPara="1" wrap="square" lIns="91425" tIns="91425" rIns="91425" bIns="91425" anchor="t" anchorCtr="0">
+            <a:noAutofit/>
+          </a:bodyPr>
+          <a:lstStyle/>
+          <a:p>
+            <a:pPr>
+              <a:buNone/>
+            </a:pPr>
+            <a:r>
+              <a:rPr lang="en-IN" sz="2000" b="1" dirty="0">
+                <a:latin typeface="Times New Roman" panose="02020603050405020304" pitchFamily="18" charset="0"/>
+                <a:cs typeface="Times New Roman" panose="02020603050405020304" pitchFamily="18" charset="0"/>
+              </a:rPr>
+              <a:t>🌿 Smart Waste Segregation System – Highlights:</a:t>
+            </a:r>
+          </a:p>
+          <a:p>
+            <a:pPr>
+              <a:buFont typeface="Arial" panose="020B0604020202020204" pitchFamily="34" charset="0"/>
+              <a:buChar char="•"/>
+            </a:pPr>
+            <a:r>
+              <a:rPr lang="en-IN" sz="2000" dirty="0">
+                <a:latin typeface="Times New Roman" panose="02020603050405020304" pitchFamily="18" charset="0"/>
+                <a:cs typeface="Times New Roman" panose="02020603050405020304" pitchFamily="18" charset="0"/>
+              </a:rPr>
+              <a:t>♻️ </a:t>
+            </a:r>
+            <a:r>
+              <a:rPr lang="en-IN" sz="2000" b="1" dirty="0">
+                <a:latin typeface="Times New Roman" panose="02020603050405020304" pitchFamily="18" charset="0"/>
+                <a:cs typeface="Times New Roman" panose="02020603050405020304" pitchFamily="18" charset="0"/>
+              </a:rPr>
+              <a:t>Eco-friendly &amp; efficient</a:t>
+            </a:r>
+            <a:r>
+              <a:rPr lang="en-IN" sz="2000" dirty="0">
+                <a:latin typeface="Times New Roman" panose="02020603050405020304" pitchFamily="18" charset="0"/>
+                <a:cs typeface="Times New Roman" panose="02020603050405020304" pitchFamily="18" charset="0"/>
+              </a:rPr>
+              <a:t> waste management solution</a:t>
+            </a:r>
+          </a:p>
+          <a:p>
+            <a:pPr>
+              <a:buFont typeface="Arial" panose="020B0604020202020204" pitchFamily="34" charset="0"/>
+              <a:buChar char="•"/>
+            </a:pPr>
+            <a:r>
+              <a:rPr lang="en-IN" sz="2000" dirty="0">
+                <a:latin typeface="Times New Roman" panose="02020603050405020304" pitchFamily="18" charset="0"/>
+                <a:cs typeface="Times New Roman" panose="02020603050405020304" pitchFamily="18" charset="0"/>
+              </a:rPr>
+              <a:t>🤖 </a:t>
+            </a:r>
+            <a:r>
+              <a:rPr lang="en-IN" sz="2000" b="1" dirty="0">
+                <a:latin typeface="Times New Roman" panose="02020603050405020304" pitchFamily="18" charset="0"/>
+                <a:cs typeface="Times New Roman" panose="02020603050405020304" pitchFamily="18" charset="0"/>
+              </a:rPr>
+              <a:t>Arduino Uno + sensors</a:t>
+            </a:r>
+            <a:r>
+              <a:rPr lang="en-IN" sz="2000" dirty="0">
+                <a:latin typeface="Times New Roman" panose="02020603050405020304" pitchFamily="18" charset="0"/>
+                <a:cs typeface="Times New Roman" panose="02020603050405020304" pitchFamily="18" charset="0"/>
+              </a:rPr>
+              <a:t> detect moisture to sort waste</a:t>
+            </a:r>
+          </a:p>
+          <a:p>
+            <a:pPr>
+              <a:buFont typeface="Arial" panose="020B0604020202020204" pitchFamily="34" charset="0"/>
+              <a:buChar char="•"/>
+            </a:pPr>
+            <a:r>
+              <a:rPr lang="en-IN" sz="2000" dirty="0">
+                <a:latin typeface="Times New Roman" panose="02020603050405020304" pitchFamily="18" charset="0"/>
+                <a:cs typeface="Times New Roman" panose="02020603050405020304" pitchFamily="18" charset="0"/>
+              </a:rPr>
+              <a:t>🙌 </a:t>
+            </a:r>
+            <a:r>
+              <a:rPr lang="en-IN" sz="2000" b="1" dirty="0">
+                <a:latin typeface="Times New Roman" panose="02020603050405020304" pitchFamily="18" charset="0"/>
+                <a:cs typeface="Times New Roman" panose="02020603050405020304" pitchFamily="18" charset="0"/>
+              </a:rPr>
+              <a:t>Reduces human effort &amp; error</a:t>
+            </a:r>
+            <a:r>
+              <a:rPr lang="en-IN" sz="2000" dirty="0">
+                <a:latin typeface="Times New Roman" panose="02020603050405020304" pitchFamily="18" charset="0"/>
+                <a:cs typeface="Times New Roman" panose="02020603050405020304" pitchFamily="18" charset="0"/>
+              </a:rPr>
+              <a:t> with automation</a:t>
+            </a:r>
+          </a:p>
+          <a:p>
+            <a:pPr>
+              <a:buFont typeface="Arial" panose="020B0604020202020204" pitchFamily="34" charset="0"/>
+              <a:buChar char="•"/>
+            </a:pPr>
+            <a:r>
+              <a:rPr lang="en-IN" sz="2000" dirty="0">
+                <a:latin typeface="Times New Roman" panose="02020603050405020304" pitchFamily="18" charset="0"/>
+                <a:cs typeface="Times New Roman" panose="02020603050405020304" pitchFamily="18" charset="0"/>
+              </a:rPr>
+              <a:t>🧼 </a:t>
+            </a:r>
+            <a:r>
+              <a:rPr lang="en-IN" sz="2000" b="1" dirty="0">
+                <a:latin typeface="Times New Roman" panose="02020603050405020304" pitchFamily="18" charset="0"/>
+                <a:cs typeface="Times New Roman" panose="02020603050405020304" pitchFamily="18" charset="0"/>
+              </a:rPr>
+              <a:t>Promotes clean &amp; sustainable</a:t>
+            </a:r>
+            <a:r>
+              <a:rPr lang="en-IN" sz="2000" dirty="0">
+                <a:latin typeface="Times New Roman" panose="02020603050405020304" pitchFamily="18" charset="0"/>
+                <a:cs typeface="Times New Roman" panose="02020603050405020304" pitchFamily="18" charset="0"/>
+              </a:rPr>
+              <a:t> habits</a:t>
+            </a:r>
+          </a:p>
+          <a:p>
+            <a:pPr>
+              <a:buFont typeface="Arial" panose="020B0604020202020204" pitchFamily="34" charset="0"/>
+              <a:buChar char="•"/>
+            </a:pPr>
+            <a:r>
+              <a:rPr lang="en-IN" sz="2000" dirty="0">
+                <a:latin typeface="Times New Roman" panose="02020603050405020304" pitchFamily="18" charset="0"/>
+                <a:cs typeface="Times New Roman" panose="02020603050405020304" pitchFamily="18" charset="0"/>
+              </a:rPr>
+              <a:t>🏫 </a:t>
+            </a:r>
+            <a:r>
+              <a:rPr lang="en-IN" sz="2000" b="1" dirty="0">
+                <a:latin typeface="Times New Roman" panose="02020603050405020304" pitchFamily="18" charset="0"/>
+                <a:cs typeface="Times New Roman" panose="02020603050405020304" pitchFamily="18" charset="0"/>
+              </a:rPr>
+              <a:t>Scalable</a:t>
+            </a:r>
+            <a:r>
+              <a:rPr lang="en-IN" sz="2000" dirty="0">
+                <a:latin typeface="Times New Roman" panose="02020603050405020304" pitchFamily="18" charset="0"/>
+                <a:cs typeface="Times New Roman" panose="02020603050405020304" pitchFamily="18" charset="0"/>
+              </a:rPr>
+              <a:t> for homes, schools, offices &amp; public spaces</a:t>
+            </a:r>
+          </a:p>
+          <a:p>
+            <a:pPr>
+              <a:buFont typeface="Arial" panose="020B0604020202020204" pitchFamily="34" charset="0"/>
+              <a:buChar char="•"/>
+            </a:pPr>
+            <a:r>
+              <a:rPr lang="en-IN" sz="2000" dirty="0">
+                <a:latin typeface="Times New Roman" panose="02020603050405020304" pitchFamily="18" charset="0"/>
+                <a:cs typeface="Times New Roman" panose="02020603050405020304" pitchFamily="18" charset="0"/>
+              </a:rPr>
+              <a:t>🌍 </a:t>
+            </a:r>
+            <a:r>
+              <a:rPr lang="en-IN" sz="2000" b="1" dirty="0">
+                <a:latin typeface="Times New Roman" panose="02020603050405020304" pitchFamily="18" charset="0"/>
+                <a:cs typeface="Times New Roman" panose="02020603050405020304" pitchFamily="18" charset="0"/>
+              </a:rPr>
+              <a:t>Contributes to a greener future</a:t>
+            </a:r>
+            <a:r>
+              <a:rPr lang="en-IN" sz="2000" dirty="0">
+                <a:latin typeface="Times New Roman" panose="02020603050405020304" pitchFamily="18" charset="0"/>
+                <a:cs typeface="Times New Roman" panose="02020603050405020304" pitchFamily="18" charset="0"/>
+              </a:rPr>
+              <a:t> with smart tech</a:t>
+            </a:r>
+          </a:p>
+          <a:p>
+            <a:pPr marL="0" lvl="0" indent="0" algn="l" rtl="0">
+              <a:lnSpc>
+                <a:spcPct val="115000"/>
+              </a:lnSpc>
+              <a:spcBef>
+                <a:spcPts val="1200"/>
+              </a:spcBef>
+              <a:spcAft>
+                <a:spcPts val="0"/>
+              </a:spcAft>
+              <a:buClr>
+                <a:schemeClr val="dk1"/>
+              </a:buClr>
+              <a:buSzPts val="1100"/>
+              <a:buFont typeface="Arial"/>
+              <a:buNone/>
+            </a:pPr>
+            <a:endParaRPr sz="2000" dirty="0">
+              <a:latin typeface="Arial"/>
+              <a:ea typeface="Arial"/>
+              <a:cs typeface="Arial"/>
+              <a:sym typeface="Arial"/>
+            </a:endParaRPr>
+          </a:p>
+          <a:p>
+            <a:pPr marL="0" lvl="0" indent="0" algn="l" rtl="0">
+              <a:lnSpc>
+                <a:spcPct val="115000"/>
+              </a:lnSpc>
+              <a:spcBef>
+                <a:spcPts val="1200"/>
+              </a:spcBef>
+              <a:spcAft>
+                <a:spcPts val="0"/>
+              </a:spcAft>
+              <a:buNone/>
+            </a:pPr>
+            <a:endParaRPr dirty="0"/>
+          </a:p>
+        </p:txBody>
+      </p:sp>
+    </p:spTree>
+  </p:cSld>
+  <p:clrMapOvr>
+    <a:masterClrMapping/>
+  </p:clrMapOvr>
+</p:sld>
+</file>
+
+<file path=ppt/slides/slide18.xml><?xml version="1.0" encoding="utf-8"?>
+<p:sld xmlns:a="http://schemas.openxmlformats.org/drawingml/2006/main" xmlns:r="http://schemas.openxmlformats.org/officeDocument/2006/relationships" xmlns:p="http://schemas.openxmlformats.org/presentationml/2006/main">
+  <p:cSld>
+    <p:bg>
+      <p:bgPr>
+        <a:blipFill dpi="0" rotWithShape="1">
+          <a:blip r:embed="rId3">
+            <a:lum/>
+          </a:blip>
+          <a:srcRect/>
+          <a:stretch>
+            <a:fillRect t="-13000" b="-13000"/>
+          </a:stretch>
+        </a:blipFill>
+        <a:effectLst/>
+      </p:bgPr>
+    </p:bg>
+    <p:spTree>
+      <p:nvGrpSpPr>
+        <p:cNvPr id="1" name="Shape 644"/>
+        <p:cNvGrpSpPr/>
+        <p:nvPr/>
+      </p:nvGrpSpPr>
+      <p:grpSpPr>
+        <a:xfrm>
+          <a:off x="0" y="0"/>
+          <a:ext cx="0" cy="0"/>
+          <a:chOff x="0" y="0"/>
+          <a:chExt cx="0" cy="0"/>
+        </a:xfrm>
+      </p:grpSpPr>
+      <p:sp>
+        <p:nvSpPr>
+          <p:cNvPr id="3" name="TextBox 2">
+            <a:extLst>
+              <a:ext uri="{FF2B5EF4-FFF2-40B4-BE49-F238E27FC236}">
+                <a16:creationId xmlns:a16="http://schemas.microsoft.com/office/drawing/2014/main" id="{94A0DC45-116B-5C77-C124-A50C4B411571}"/>
+              </a:ext>
+            </a:extLst>
+          </p:cNvPr>
+          <p:cNvSpPr txBox="1"/>
+          <p:nvPr/>
+        </p:nvSpPr>
+        <p:spPr>
+          <a:xfrm>
+            <a:off x="2286000" y="1985170"/>
+            <a:ext cx="4572000" cy="1169551"/>
+          </a:xfrm>
+          <a:prstGeom prst="rect">
+            <a:avLst/>
+          </a:prstGeom>
+          <a:noFill/>
+        </p:spPr>
+        <p:txBody>
+          <a:bodyPr wrap="square">
+            <a:spAutoFit/>
+          </a:bodyPr>
+          <a:lstStyle/>
+          <a:p>
+            <a:pPr>
+              <a:buNone/>
+            </a:pPr>
+            <a:r>
+              <a:rPr lang="en-US" sz="1400"/>
+              <a:t>🎓 To Students:</a:t>
+            </a:r>
+          </a:p>
+          <a:p>
+            <a:pPr>
+              <a:buFont typeface="Arial" panose="020B0604020202020204" pitchFamily="34" charset="0"/>
+              <a:buChar char="•"/>
+            </a:pPr>
+            <a:r>
+              <a:rPr lang="en-US" sz="1400" dirty="0"/>
+              <a:t>Do you know about wet/dry waste? 📚</a:t>
+            </a:r>
+          </a:p>
+          <a:p>
+            <a:pPr>
+              <a:buFont typeface="Arial" panose="020B0604020202020204" pitchFamily="34" charset="0"/>
+              <a:buChar char="•"/>
+            </a:pPr>
+            <a:r>
+              <a:rPr lang="en-US" sz="1400" dirty="0"/>
+              <a:t>Do you segregate it?</a:t>
+            </a:r>
+          </a:p>
+          <a:p>
+            <a:pPr>
+              <a:buFont typeface="Arial" panose="020B0604020202020204" pitchFamily="34" charset="0"/>
+              <a:buChar char="•"/>
+            </a:pPr>
+            <a:r>
+              <a:rPr lang="en-US" sz="1400" dirty="0"/>
+              <a:t>What would make it fun or rewarding? 🎯</a:t>
+            </a:r>
+          </a:p>
+          <a:p>
+            <a:pPr>
+              <a:buFont typeface="Arial" panose="020B0604020202020204" pitchFamily="34" charset="0"/>
+              <a:buChar char="•"/>
+            </a:pPr>
+            <a:r>
+              <a:rPr lang="en-US" sz="1400" dirty="0"/>
+              <a:t>Would you use an app for this?</a:t>
+            </a:r>
+          </a:p>
+        </p:txBody>
+      </p:sp>
+    </p:spTree>
+  </p:cSld>
+  <p:clrMapOvr>
+    <a:masterClrMapping/>
+  </p:clrMapOvr>
+</p:sld>
+</file>
+
+<file path=ppt/slides/slide2.xml><?xml version="1.0" encoding="utf-8"?>
+<p:sld xmlns:a="http://schemas.openxmlformats.org/drawingml/2006/main" xmlns:r="http://schemas.openxmlformats.org/officeDocument/2006/relationships" xmlns:p="http://schemas.openxmlformats.org/presentationml/2006/main">
+  <p:cSld>
+    <p:bg>
+      <p:bgPr>
+        <a:solidFill>
+          <a:schemeClr val="accent3">
+            <a:lumMod val="25000"/>
+            <a:lumOff val="75000"/>
+          </a:schemeClr>
+        </a:solidFill>
+        <a:effectLst/>
+      </p:bgPr>
+    </p:bg>
+    <p:spTree>
+      <p:nvGrpSpPr>
+        <p:cNvPr id="1" name=""/>
+        <p:cNvGrpSpPr/>
+        <p:nvPr/>
+      </p:nvGrpSpPr>
+      <p:grpSpPr>
+        <a:xfrm>
+          <a:off x="0" y="0"/>
+          <a:ext cx="0" cy="0"/>
+          <a:chOff x="0" y="0"/>
+          <a:chExt cx="0" cy="0"/>
+        </a:xfrm>
+      </p:grpSpPr>
+      <p:sp>
+        <p:nvSpPr>
+          <p:cNvPr id="2" name="Title 1">
+            <a:extLst>
+              <a:ext uri="{FF2B5EF4-FFF2-40B4-BE49-F238E27FC236}">
+                <a16:creationId xmlns:a16="http://schemas.microsoft.com/office/drawing/2014/main" id="{C6BC2FC1-0405-8012-383C-B9E4401F90C8}"/>
+              </a:ext>
+            </a:extLst>
+          </p:cNvPr>
+          <p:cNvSpPr>
+            <a:spLocks noGrp="1"/>
+          </p:cNvSpPr>
+          <p:nvPr>
+            <p:ph type="title"/>
+          </p:nvPr>
+        </p:nvSpPr>
+        <p:spPr>
+          <a:xfrm>
+            <a:off x="311700" y="233358"/>
+            <a:ext cx="8520600" cy="572700"/>
+          </a:xfrm>
+        </p:spPr>
+        <p:txBody>
+          <a:bodyPr/>
+          <a:lstStyle/>
+          <a:p>
+            <a:r>
+              <a:rPr lang="en" sz="3600" b="1" i="1" u="sng" dirty="0">
+                <a:solidFill>
+                  <a:schemeClr val="tx1"/>
+                </a:solidFill>
+                <a:effectLst>
+                  <a:innerShdw blurRad="114300">
+                    <a:prstClr val="black"/>
+                  </a:innerShdw>
+                </a:effectLst>
+                <a:latin typeface="Roboto Serif Medium"/>
+                <a:ea typeface="Roboto Serif Medium"/>
+                <a:cs typeface="Roboto Serif Medium"/>
+                <a:sym typeface="Roboto Serif Medium"/>
+              </a:rPr>
+              <a:t>WET AND DRY WASTE SEGREGATION </a:t>
+            </a:r>
+            <a:endParaRPr lang="en-IN" sz="3600" u="sng" dirty="0"/>
+          </a:p>
+        </p:txBody>
+      </p:sp>
+      <p:sp>
+        <p:nvSpPr>
+          <p:cNvPr id="4" name="Text Placeholder 3">
+            <a:extLst>
+              <a:ext uri="{FF2B5EF4-FFF2-40B4-BE49-F238E27FC236}">
+                <a16:creationId xmlns:a16="http://schemas.microsoft.com/office/drawing/2014/main" id="{E6070296-6369-7967-5373-D3C7E88DA530}"/>
+              </a:ext>
+            </a:extLst>
+          </p:cNvPr>
+          <p:cNvSpPr>
+            <a:spLocks noGrp="1"/>
+          </p:cNvSpPr>
+          <p:nvPr>
+            <p:ph type="body" idx="2"/>
+          </p:nvPr>
+        </p:nvSpPr>
+        <p:spPr>
+          <a:xfrm>
+            <a:off x="4931523" y="1794277"/>
+            <a:ext cx="3999900" cy="3416400"/>
+          </a:xfrm>
+        </p:spPr>
+        <p:txBody>
+          <a:bodyPr/>
+          <a:lstStyle/>
+          <a:p>
+            <a:pPr marL="0" lvl="0" indent="0" rtl="0">
+              <a:spcBef>
+                <a:spcPts val="0"/>
+              </a:spcBef>
+              <a:spcAft>
+                <a:spcPts val="0"/>
+              </a:spcAft>
+              <a:buNone/>
+            </a:pPr>
+            <a:r>
+              <a:rPr lang="en-US" sz="2000" dirty="0">
+                <a:latin typeface="Arial Narrow" panose="020B0606020202030204" pitchFamily="34" charset="0"/>
+              </a:rPr>
+              <a:t>UNDER THE GUIDENCE OF </a:t>
+            </a:r>
+          </a:p>
+          <a:p>
+            <a:pPr marL="0" lvl="0" indent="0" algn="l" rtl="0">
+              <a:spcBef>
+                <a:spcPts val="0"/>
+              </a:spcBef>
+              <a:spcAft>
+                <a:spcPts val="0"/>
+              </a:spcAft>
+              <a:buNone/>
+            </a:pPr>
+            <a:r>
+              <a:rPr lang="en-US" sz="2000" b="1" dirty="0" err="1">
+                <a:latin typeface="Arial Narrow" panose="020B0606020202030204" pitchFamily="34" charset="0"/>
+              </a:rPr>
+              <a:t>Mr.B.RAM</a:t>
+            </a:r>
+            <a:r>
+              <a:rPr lang="en-US" sz="2000" b="1" dirty="0">
+                <a:latin typeface="Arial Narrow" panose="020B0606020202030204" pitchFamily="34" charset="0"/>
+              </a:rPr>
+              <a:t> VARA PRASAD,</a:t>
+            </a:r>
+            <a:r>
+              <a:rPr lang="en-US" sz="2000" dirty="0">
+                <a:latin typeface="Arial Narrow" panose="020B0606020202030204" pitchFamily="34" charset="0"/>
+              </a:rPr>
+              <a:t>(</a:t>
+            </a:r>
+            <a:r>
+              <a:rPr lang="en-US" sz="2000" dirty="0" err="1">
+                <a:latin typeface="Arial Narrow" panose="020B0606020202030204" pitchFamily="34" charset="0"/>
+              </a:rPr>
+              <a:t>Ph.D</a:t>
+            </a:r>
+            <a:r>
+              <a:rPr lang="en-US" sz="2000" dirty="0">
+                <a:latin typeface="Arial Narrow" panose="020B0606020202030204" pitchFamily="34" charset="0"/>
+              </a:rPr>
+              <a:t>)</a:t>
+            </a:r>
+            <a:endParaRPr lang="en-US" sz="2000" b="1" dirty="0">
+              <a:latin typeface="Arial Narrow" panose="020B0606020202030204" pitchFamily="34" charset="0"/>
+            </a:endParaRPr>
+          </a:p>
+          <a:p>
+            <a:pPr marL="0" lvl="0" indent="0" algn="l" rtl="0">
+              <a:spcBef>
+                <a:spcPts val="0"/>
+              </a:spcBef>
+              <a:spcAft>
+                <a:spcPts val="0"/>
+              </a:spcAft>
+              <a:buNone/>
+            </a:pPr>
+            <a:r>
+              <a:rPr lang="en-US" sz="2000" dirty="0">
+                <a:latin typeface="Arial Narrow" panose="020B0606020202030204" pitchFamily="34" charset="0"/>
+              </a:rPr>
+              <a:t>Assistant professor,</a:t>
+            </a:r>
+          </a:p>
+          <a:p>
+            <a:pPr marL="0" lvl="0" indent="0" algn="l" rtl="0">
+              <a:spcBef>
+                <a:spcPts val="0"/>
+              </a:spcBef>
+              <a:spcAft>
+                <a:spcPts val="0"/>
+              </a:spcAft>
+              <a:buNone/>
+            </a:pPr>
+            <a:r>
+              <a:rPr lang="en-US" sz="2000" dirty="0">
+                <a:latin typeface="Arial Narrow" panose="020B0606020202030204" pitchFamily="34" charset="0"/>
+              </a:rPr>
+              <a:t>Department of EEE, LIET(A). </a:t>
+            </a:r>
+          </a:p>
+          <a:p>
+            <a:endParaRPr lang="en-IN" dirty="0"/>
+          </a:p>
+        </p:txBody>
+      </p:sp>
+      <p:pic>
+        <p:nvPicPr>
+          <p:cNvPr id="6" name="Picture 5">
+            <a:extLst>
+              <a:ext uri="{FF2B5EF4-FFF2-40B4-BE49-F238E27FC236}">
+                <a16:creationId xmlns:a16="http://schemas.microsoft.com/office/drawing/2014/main" id="{43C0ECEA-9C2D-C21D-9282-1DA9C9A38537}"/>
+              </a:ext>
+            </a:extLst>
+          </p:cNvPr>
+          <p:cNvPicPr>
+            <a:picLocks noChangeAspect="1"/>
+          </p:cNvPicPr>
+          <p:nvPr/>
+        </p:nvPicPr>
+        <p:blipFill>
+          <a:blip r:embed="rId2"/>
+          <a:stretch>
+            <a:fillRect/>
+          </a:stretch>
+        </p:blipFill>
+        <p:spPr>
+          <a:xfrm>
+            <a:off x="540335" y="1671812"/>
+            <a:ext cx="3394851" cy="3177773"/>
+          </a:xfrm>
+          <a:prstGeom prst="rect">
+            <a:avLst/>
+          </a:prstGeom>
+        </p:spPr>
+      </p:pic>
+    </p:spTree>
+    <p:extLst>
+      <p:ext uri="{BB962C8B-B14F-4D97-AF65-F5344CB8AC3E}">
+        <p14:creationId xmlns:p14="http://schemas.microsoft.com/office/powerpoint/2010/main" val="4045479026"/>
+      </p:ext>
+    </p:extLst>
+  </p:cSld>
+  <p:clrMapOvr>
+    <a:masterClrMapping/>
+  </p:clrMapOvr>
+</p:sld>
+</file>
+
+<file path=ppt/slides/slide3.xml><?xml version="1.0" encoding="utf-8"?>
+<p:sld xmlns:a="http://schemas.openxmlformats.org/drawingml/2006/main" xmlns:r="http://schemas.openxmlformats.org/officeDocument/2006/relationships" xmlns:p="http://schemas.openxmlformats.org/presentationml/2006/main">
+  <p:cSld>
+    <p:bg>
+      <p:bgPr>
+        <a:solidFill>
+          <a:schemeClr val="tx2">
+            <a:lumMod val="60000"/>
+            <a:lumOff val="40000"/>
+          </a:schemeClr>
+        </a:solidFill>
+        <a:effectLst/>
+      </p:bgPr>
+    </p:bg>
+    <p:spTree>
+      <p:nvGrpSpPr>
+        <p:cNvPr id="1" name="Shape 537"/>
+        <p:cNvGrpSpPr/>
+        <p:nvPr/>
+      </p:nvGrpSpPr>
+      <p:grpSpPr>
+        <a:xfrm>
+          <a:off x="0" y="0"/>
+          <a:ext cx="0" cy="0"/>
+          <a:chOff x="0" y="0"/>
+          <a:chExt cx="0" cy="0"/>
+        </a:xfrm>
+      </p:grpSpPr>
+      <p:sp>
+        <p:nvSpPr>
+          <p:cNvPr id="539" name="Google Shape;539;p49"/>
+          <p:cNvSpPr txBox="1">
+            <a:spLocks noGrp="1"/>
+          </p:cNvSpPr>
+          <p:nvPr>
+            <p:ph type="subTitle" idx="1"/>
+          </p:nvPr>
+        </p:nvSpPr>
+        <p:spPr>
+          <a:xfrm>
+            <a:off x="4311073" y="250573"/>
+            <a:ext cx="4409700" cy="542700"/>
+          </a:xfrm>
+          <a:prstGeom prst="rect">
+            <a:avLst/>
+          </a:prstGeom>
+        </p:spPr>
+        <p:txBody>
+          <a:bodyPr spcFirstLastPara="1" wrap="square" lIns="91425" tIns="91425" rIns="91425" bIns="91425" anchor="t" anchorCtr="0">
+            <a:noAutofit/>
+          </a:bodyPr>
+          <a:lstStyle/>
+          <a:p>
+            <a:pPr marL="457200" lvl="0" indent="-355600" algn="l" rtl="0">
+              <a:spcBef>
+                <a:spcPts val="0"/>
+              </a:spcBef>
+              <a:spcAft>
+                <a:spcPts val="0"/>
+              </a:spcAft>
+              <a:buSzPts val="2000"/>
+              <a:buFont typeface="Wingdings" panose="05000000000000000000" pitchFamily="2" charset="2"/>
+              <a:buChar char="v"/>
+            </a:pPr>
+            <a:r>
+              <a:rPr lang="en" dirty="0"/>
+              <a:t>INTRODUCTION TO DESIGN THINKING</a:t>
+            </a:r>
+            <a:endParaRPr dirty="0"/>
+          </a:p>
+        </p:txBody>
+      </p:sp>
+      <p:sp>
+        <p:nvSpPr>
+          <p:cNvPr id="540" name="Google Shape;540;p49"/>
+          <p:cNvSpPr txBox="1">
+            <a:spLocks noGrp="1"/>
+          </p:cNvSpPr>
+          <p:nvPr>
+            <p:ph type="subTitle" idx="2"/>
+          </p:nvPr>
+        </p:nvSpPr>
+        <p:spPr>
+          <a:xfrm>
+            <a:off x="4311073" y="1026170"/>
+            <a:ext cx="4409700" cy="542700"/>
+          </a:xfrm>
+          <a:prstGeom prst="rect">
+            <a:avLst/>
+          </a:prstGeom>
+        </p:spPr>
+        <p:txBody>
+          <a:bodyPr spcFirstLastPara="1" wrap="square" lIns="91425" tIns="91425" rIns="91425" bIns="91425" anchor="t" anchorCtr="0">
+            <a:noAutofit/>
+          </a:bodyPr>
+          <a:lstStyle/>
+          <a:p>
+            <a:pPr marL="444500" lvl="0" indent="-342900" algn="l" rtl="0">
+              <a:spcBef>
+                <a:spcPts val="0"/>
+              </a:spcBef>
+              <a:spcAft>
+                <a:spcPts val="0"/>
+              </a:spcAft>
+              <a:buSzPts val="2000"/>
+              <a:buFont typeface="Wingdings" panose="05000000000000000000" pitchFamily="2" charset="2"/>
+              <a:buChar char="v"/>
+            </a:pPr>
+            <a:r>
+              <a:rPr lang="en" dirty="0"/>
+              <a:t>PROBLEM STATEMENT</a:t>
+            </a:r>
+            <a:endParaRPr dirty="0"/>
+          </a:p>
+        </p:txBody>
+      </p:sp>
+      <p:sp>
+        <p:nvSpPr>
+          <p:cNvPr id="541" name="Google Shape;541;p49"/>
+          <p:cNvSpPr txBox="1">
+            <a:spLocks noGrp="1"/>
+          </p:cNvSpPr>
+          <p:nvPr>
+            <p:ph type="subTitle" idx="3"/>
+          </p:nvPr>
+        </p:nvSpPr>
+        <p:spPr>
+          <a:xfrm>
+            <a:off x="4311073" y="2731175"/>
+            <a:ext cx="4409700" cy="542700"/>
+          </a:xfrm>
+          <a:prstGeom prst="rect">
+            <a:avLst/>
+          </a:prstGeom>
+        </p:spPr>
+        <p:txBody>
+          <a:bodyPr spcFirstLastPara="1" wrap="square" lIns="91425" tIns="91425" rIns="91425" bIns="91425" anchor="t" anchorCtr="0">
+            <a:noAutofit/>
+          </a:bodyPr>
+          <a:lstStyle/>
+          <a:p>
+            <a:pPr marL="457200" lvl="0" indent="-355600" algn="l" rtl="0">
+              <a:spcBef>
+                <a:spcPts val="0"/>
+              </a:spcBef>
+              <a:spcAft>
+                <a:spcPts val="0"/>
+              </a:spcAft>
+              <a:buSzPts val="2000"/>
+              <a:buFont typeface="Wingdings" panose="05000000000000000000" pitchFamily="2" charset="2"/>
+              <a:buChar char="v"/>
+            </a:pPr>
+            <a:r>
+              <a:rPr lang="en" dirty="0"/>
+              <a:t>IDEATE</a:t>
+            </a:r>
+            <a:endParaRPr dirty="0"/>
+          </a:p>
+        </p:txBody>
+      </p:sp>
+      <p:sp>
+        <p:nvSpPr>
+          <p:cNvPr id="542" name="Google Shape;542;p49"/>
+          <p:cNvSpPr txBox="1">
+            <a:spLocks noGrp="1"/>
+          </p:cNvSpPr>
+          <p:nvPr>
+            <p:ph type="subTitle" idx="4"/>
+          </p:nvPr>
+        </p:nvSpPr>
+        <p:spPr>
+          <a:xfrm>
+            <a:off x="4311073" y="1568870"/>
+            <a:ext cx="4409700" cy="542700"/>
+          </a:xfrm>
+          <a:prstGeom prst="rect">
+            <a:avLst/>
+          </a:prstGeom>
+        </p:spPr>
+        <p:txBody>
+          <a:bodyPr spcFirstLastPara="1" wrap="square" lIns="91425" tIns="91425" rIns="91425" bIns="91425" anchor="t" anchorCtr="0">
+            <a:noAutofit/>
+          </a:bodyPr>
+          <a:lstStyle/>
+          <a:p>
+            <a:pPr marL="457200" lvl="0" indent="-355600" algn="l" rtl="0">
+              <a:spcBef>
+                <a:spcPts val="0"/>
+              </a:spcBef>
+              <a:spcAft>
+                <a:spcPts val="0"/>
+              </a:spcAft>
+              <a:buSzPts val="2000"/>
+              <a:buFont typeface="Wingdings" panose="05000000000000000000" pitchFamily="2" charset="2"/>
+              <a:buChar char="v"/>
+            </a:pPr>
+            <a:r>
+              <a:rPr lang="en" dirty="0"/>
+              <a:t>EMPATHY </a:t>
+            </a:r>
+            <a:endParaRPr dirty="0"/>
+          </a:p>
+        </p:txBody>
+      </p:sp>
+      <p:sp>
+        <p:nvSpPr>
+          <p:cNvPr id="543" name="Google Shape;543;p49"/>
+          <p:cNvSpPr txBox="1">
+            <a:spLocks noGrp="1"/>
+          </p:cNvSpPr>
+          <p:nvPr>
+            <p:ph type="subTitle" idx="5"/>
+          </p:nvPr>
+        </p:nvSpPr>
+        <p:spPr>
+          <a:xfrm>
+            <a:off x="4283350" y="3273875"/>
+            <a:ext cx="4409700" cy="1036500"/>
+          </a:xfrm>
+          <a:prstGeom prst="rect">
+            <a:avLst/>
+          </a:prstGeom>
+        </p:spPr>
+        <p:txBody>
+          <a:bodyPr spcFirstLastPara="1" wrap="square" lIns="91425" tIns="91425" rIns="91425" bIns="91425" anchor="t" anchorCtr="0">
+            <a:noAutofit/>
+          </a:bodyPr>
+          <a:lstStyle/>
+          <a:p>
+            <a:pPr marL="457200" lvl="0" indent="-355600" algn="l" rtl="0">
+              <a:spcBef>
+                <a:spcPts val="0"/>
+              </a:spcBef>
+              <a:spcAft>
+                <a:spcPts val="0"/>
+              </a:spcAft>
+              <a:buSzPts val="2000"/>
+              <a:buFont typeface="Wingdings" panose="05000000000000000000" pitchFamily="2" charset="2"/>
+              <a:buChar char="v"/>
+            </a:pPr>
+            <a:r>
+              <a:rPr lang="en" dirty="0"/>
+              <a:t>PROTOTYPE EXPLANATION</a:t>
+            </a:r>
+          </a:p>
+          <a:p>
+            <a:pPr marL="457200" lvl="0" indent="-355600" algn="l" rtl="0">
+              <a:spcBef>
+                <a:spcPts val="0"/>
+              </a:spcBef>
+              <a:spcAft>
+                <a:spcPts val="0"/>
+              </a:spcAft>
+              <a:buSzPts val="2000"/>
+              <a:buFont typeface="Wingdings" panose="05000000000000000000" pitchFamily="2" charset="2"/>
+              <a:buChar char="v"/>
+            </a:pPr>
+            <a:endParaRPr lang="en" dirty="0"/>
+          </a:p>
+          <a:p>
+            <a:pPr marL="457200" lvl="0" indent="-355600" algn="l" rtl="0">
+              <a:spcBef>
+                <a:spcPts val="0"/>
+              </a:spcBef>
+              <a:spcAft>
+                <a:spcPts val="0"/>
+              </a:spcAft>
+              <a:buSzPts val="2000"/>
+              <a:buFont typeface="Wingdings" panose="05000000000000000000" pitchFamily="2" charset="2"/>
+              <a:buChar char="v"/>
+            </a:pPr>
+            <a:r>
+              <a:rPr lang="en" dirty="0"/>
+              <a:t>CONCLUSION </a:t>
+            </a:r>
+            <a:endParaRPr dirty="0"/>
+          </a:p>
+          <a:p>
+            <a:pPr marL="0" lvl="0" indent="0" algn="l" rtl="0">
+              <a:spcBef>
+                <a:spcPts val="0"/>
+              </a:spcBef>
+              <a:spcAft>
+                <a:spcPts val="0"/>
+              </a:spcAft>
+              <a:buNone/>
+            </a:pPr>
+            <a:endParaRPr dirty="0"/>
+          </a:p>
+        </p:txBody>
+      </p:sp>
+      <p:sp>
+        <p:nvSpPr>
+          <p:cNvPr id="544" name="Google Shape;544;p49"/>
+          <p:cNvSpPr txBox="1">
+            <a:spLocks noGrp="1"/>
+          </p:cNvSpPr>
+          <p:nvPr>
+            <p:ph type="subTitle" idx="6"/>
+          </p:nvPr>
+        </p:nvSpPr>
+        <p:spPr>
+          <a:xfrm>
+            <a:off x="4311073" y="2188475"/>
+            <a:ext cx="4409700" cy="542700"/>
+          </a:xfrm>
+          <a:prstGeom prst="rect">
+            <a:avLst/>
+          </a:prstGeom>
+        </p:spPr>
+        <p:txBody>
+          <a:bodyPr spcFirstLastPara="1" wrap="square" lIns="91425" tIns="91425" rIns="91425" bIns="91425" anchor="t" anchorCtr="0">
+            <a:noAutofit/>
+          </a:bodyPr>
+          <a:lstStyle/>
+          <a:p>
+            <a:pPr marL="457200" lvl="0" indent="-355600" algn="l" rtl="0">
+              <a:spcBef>
+                <a:spcPts val="0"/>
+              </a:spcBef>
+              <a:spcAft>
+                <a:spcPts val="0"/>
+              </a:spcAft>
+              <a:buSzPts val="2000"/>
+              <a:buFont typeface="Wingdings" panose="05000000000000000000" pitchFamily="2" charset="2"/>
+              <a:buChar char="v"/>
+            </a:pPr>
+            <a:r>
+              <a:rPr lang="en" dirty="0"/>
+              <a:t>DEFINE </a:t>
+            </a:r>
+            <a:endParaRPr dirty="0"/>
+          </a:p>
+        </p:txBody>
+      </p:sp>
+      <p:pic>
+        <p:nvPicPr>
+          <p:cNvPr id="4" name="Picture 3">
+            <a:extLst>
+              <a:ext uri="{FF2B5EF4-FFF2-40B4-BE49-F238E27FC236}">
+                <a16:creationId xmlns:a16="http://schemas.microsoft.com/office/drawing/2014/main" id="{DD74DBD3-514D-714C-77DB-9B543D3394FF}"/>
+              </a:ext>
+            </a:extLst>
+          </p:cNvPr>
+          <p:cNvPicPr>
+            <a:picLocks noChangeAspect="1"/>
+          </p:cNvPicPr>
+          <p:nvPr/>
+        </p:nvPicPr>
+        <p:blipFill>
+          <a:blip r:embed="rId3"/>
+          <a:stretch>
+            <a:fillRect/>
+          </a:stretch>
+        </p:blipFill>
+        <p:spPr>
+          <a:xfrm>
+            <a:off x="0" y="0"/>
+            <a:ext cx="3988440" cy="5143500"/>
+          </a:xfrm>
+          <a:prstGeom prst="rect">
+            <a:avLst/>
+          </a:prstGeom>
+        </p:spPr>
+      </p:pic>
+      <p:sp>
+        <p:nvSpPr>
+          <p:cNvPr id="5" name="TextBox 4">
+            <a:extLst>
+              <a:ext uri="{FF2B5EF4-FFF2-40B4-BE49-F238E27FC236}">
+                <a16:creationId xmlns:a16="http://schemas.microsoft.com/office/drawing/2014/main" id="{16939CBA-AF9C-8356-E5B3-72AB625F5675}"/>
+              </a:ext>
+            </a:extLst>
+          </p:cNvPr>
+          <p:cNvSpPr txBox="1"/>
+          <p:nvPr/>
+        </p:nvSpPr>
+        <p:spPr>
+          <a:xfrm>
+            <a:off x="898071" y="2111570"/>
+            <a:ext cx="2155372" cy="523220"/>
+          </a:xfrm>
+          <a:prstGeom prst="rect">
+            <a:avLst/>
+          </a:prstGeom>
+          <a:noFill/>
+        </p:spPr>
+        <p:txBody>
+          <a:bodyPr wrap="square" rtlCol="0">
+            <a:spAutoFit/>
+          </a:bodyPr>
+          <a:lstStyle/>
+          <a:p>
+            <a:r>
+              <a:rPr lang="en-US" sz="2800" dirty="0"/>
+              <a:t>CONTENTS</a:t>
+            </a:r>
+            <a:endParaRPr lang="en-IN" sz="2800" dirty="0"/>
+          </a:p>
+        </p:txBody>
+      </p:sp>
+    </p:spTree>
+  </p:cSld>
+  <p:clrMapOvr>
+    <a:masterClrMapping/>
+  </p:clrMapOvr>
+</p:sld>
+</file>
+
+<file path=ppt/slides/slide4.xml><?xml version="1.0" encoding="utf-8"?>
+<p:sld xmlns:a="http://schemas.openxmlformats.org/drawingml/2006/main" xmlns:r="http://schemas.openxmlformats.org/officeDocument/2006/relationships" xmlns:p="http://schemas.openxmlformats.org/presentationml/2006/main">
+  <p:cSld>
+    <p:spTree>
+      <p:nvGrpSpPr>
+        <p:cNvPr id="1" name="Shape 548"/>
+        <p:cNvGrpSpPr/>
+        <p:nvPr/>
+      </p:nvGrpSpPr>
+      <p:grpSpPr>
+        <a:xfrm>
+          <a:off x="0" y="0"/>
+          <a:ext cx="0" cy="0"/>
+          <a:chOff x="0" y="0"/>
+          <a:chExt cx="0" cy="0"/>
+        </a:xfrm>
+      </p:grpSpPr>
+      <p:sp>
+        <p:nvSpPr>
+          <p:cNvPr id="549" name="Google Shape;549;p50"/>
+          <p:cNvSpPr txBox="1">
+            <a:spLocks noGrp="1"/>
+          </p:cNvSpPr>
+          <p:nvPr>
+            <p:ph type="title"/>
+          </p:nvPr>
+        </p:nvSpPr>
+        <p:spPr>
+          <a:xfrm>
+            <a:off x="0" y="-277586"/>
+            <a:ext cx="9144000" cy="1379765"/>
+          </a:xfrm>
+          <a:prstGeom prst="rect">
+            <a:avLst/>
+          </a:prstGeom>
+          <a:solidFill>
+            <a:schemeClr val="accent3">
+              <a:lumMod val="25000"/>
+              <a:lumOff val="75000"/>
+            </a:schemeClr>
+          </a:solidFill>
+        </p:spPr>
+        <p:txBody>
+          <a:bodyPr spcFirstLastPara="1" wrap="square" lIns="91425" tIns="91425" rIns="91425" bIns="91425" anchor="b" anchorCtr="0">
+            <a:noAutofit/>
+          </a:bodyPr>
+          <a:lstStyle/>
+          <a:p>
+            <a:pPr lvl="0" algn="l"/>
+            <a:r>
+              <a:rPr lang="en" sz="2000" dirty="0">
+                <a:latin typeface="Times New Roman" panose="02020603050405020304" pitchFamily="18" charset="0"/>
+                <a:cs typeface="Times New Roman" panose="02020603050405020304" pitchFamily="18" charset="0"/>
+              </a:rPr>
+              <a:t>Design thinking and innovation are interconnected processes focused on creating value by understanding user needs and exploring creative solutions. </a:t>
+            </a:r>
+            <a:br>
+              <a:rPr lang="en" dirty="0">
+                <a:latin typeface="Times New Roman" panose="02020603050405020304" pitchFamily="18" charset="0"/>
+                <a:cs typeface="Times New Roman" panose="02020603050405020304" pitchFamily="18" charset="0"/>
+              </a:rPr>
+            </a:br>
+            <a:endParaRPr sz="2400" dirty="0">
+              <a:latin typeface="Times New Roman" panose="02020603050405020304" pitchFamily="18" charset="0"/>
+              <a:cs typeface="Times New Roman" panose="02020603050405020304" pitchFamily="18" charset="0"/>
+            </a:endParaRPr>
+          </a:p>
+        </p:txBody>
+      </p:sp>
+      <p:pic>
+        <p:nvPicPr>
+          <p:cNvPr id="551" name="Google Shape;551;p50"/>
+          <p:cNvPicPr preferRelativeResize="0"/>
+          <p:nvPr/>
+        </p:nvPicPr>
+        <p:blipFill>
+          <a:blip r:embed="rId3"/>
+          <a:srcRect/>
+          <a:stretch/>
+        </p:blipFill>
+        <p:spPr>
+          <a:xfrm>
+            <a:off x="0" y="1045030"/>
+            <a:ext cx="9143999" cy="4098470"/>
+          </a:xfrm>
+          <a:prstGeom prst="rect">
+            <a:avLst/>
+          </a:prstGeom>
+          <a:noFill/>
+          <a:ln>
+            <a:noFill/>
+          </a:ln>
+        </p:spPr>
+      </p:pic>
+    </p:spTree>
+  </p:cSld>
+  <p:clrMapOvr>
+    <a:masterClrMapping/>
+  </p:clrMapOvr>
+</p:sld>
+</file>
+
+<file path=ppt/slides/slide5.xml><?xml version="1.0" encoding="utf-8"?>
+<p:sld xmlns:a="http://schemas.openxmlformats.org/drawingml/2006/main" xmlns:r="http://schemas.openxmlformats.org/officeDocument/2006/relationships" xmlns:p="http://schemas.openxmlformats.org/presentationml/2006/main">
+  <p:cSld>
+    <p:bg>
+      <p:bgPr>
+        <a:solidFill>
+          <a:schemeClr val="tx2">
+            <a:lumMod val="40000"/>
+            <a:lumOff val="60000"/>
+          </a:schemeClr>
+        </a:solidFill>
+        <a:effectLst/>
+      </p:bgPr>
+    </p:bg>
+    <p:spTree>
+      <p:nvGrpSpPr>
+        <p:cNvPr id="1" name="Shape 555"/>
+        <p:cNvGrpSpPr/>
+        <p:nvPr/>
+      </p:nvGrpSpPr>
+      <p:grpSpPr>
+        <a:xfrm>
+          <a:off x="0" y="0"/>
+          <a:ext cx="0" cy="0"/>
+          <a:chOff x="0" y="0"/>
+          <a:chExt cx="0" cy="0"/>
+        </a:xfrm>
+      </p:grpSpPr>
+      <p:pic>
+        <p:nvPicPr>
+          <p:cNvPr id="5" name="Picture 4">
+            <a:extLst>
+              <a:ext uri="{FF2B5EF4-FFF2-40B4-BE49-F238E27FC236}">
+                <a16:creationId xmlns:a16="http://schemas.microsoft.com/office/drawing/2014/main" id="{E0BBC570-57C6-356E-78A7-61E7DCABAD5A}"/>
+              </a:ext>
+            </a:extLst>
+          </p:cNvPr>
+          <p:cNvPicPr>
+            <a:picLocks noChangeAspect="1"/>
+          </p:cNvPicPr>
+          <p:nvPr/>
+        </p:nvPicPr>
+        <p:blipFill>
+          <a:blip r:embed="rId3"/>
+          <a:stretch>
+            <a:fillRect/>
+          </a:stretch>
+        </p:blipFill>
+        <p:spPr>
+          <a:xfrm>
+            <a:off x="0" y="-40822"/>
+            <a:ext cx="3872707" cy="5225143"/>
+          </a:xfrm>
+          <a:prstGeom prst="rect">
+            <a:avLst/>
+          </a:prstGeom>
+        </p:spPr>
+      </p:pic>
+      <p:sp>
+        <p:nvSpPr>
+          <p:cNvPr id="6" name="Rectangle 1">
+            <a:extLst>
+              <a:ext uri="{FF2B5EF4-FFF2-40B4-BE49-F238E27FC236}">
+                <a16:creationId xmlns:a16="http://schemas.microsoft.com/office/drawing/2014/main" id="{3DAA6844-08D7-866A-4587-0C88044A4621}"/>
+              </a:ext>
+            </a:extLst>
+          </p:cNvPr>
+          <p:cNvSpPr>
+            <a:spLocks noGrp="1" noChangeArrowheads="1"/>
+          </p:cNvSpPr>
+          <p:nvPr>
+            <p:ph type="title"/>
+          </p:nvPr>
+        </p:nvSpPr>
+        <p:spPr bwMode="auto">
+          <a:xfrm>
+            <a:off x="4502667" y="282237"/>
+            <a:ext cx="4398961" cy="584775"/>
+          </a:xfrm>
+          <a:prstGeom prst="rect">
+            <a:avLst/>
+          </a:prstGeom>
+          <a:noFill/>
+          <a:ln>
+            <a:noFill/>
+          </a:ln>
+          <a:effectLst/>
+          <a:extLst>
+            <a:ext uri="{909E8E84-426E-40DD-AFC4-6F175D3DCCD1}">
+              <a14:hiddenFill xmlns:a14="http://schemas.microsoft.com/office/drawing/2010/main">
+                <a:solidFill>
+                  <a:schemeClr val="accent1"/>
+                </a:solidFill>
+              </a14:hiddenFill>
+            </a:ext>
+            <a:ext uri="{91240B29-F687-4F45-9708-019B960494DF}">
+              <a14:hiddenLine xmlns:a14="http://schemas.microsoft.com/office/drawing/2010/main" w="9525">
+                <a:solidFill>
+                  <a:schemeClr val="tx1"/>
+                </a:solidFill>
+                <a:miter lim="800000"/>
+                <a:headEnd/>
+                <a:tailEnd/>
+              </a14:hiddenLine>
+            </a:ext>
+            <a:ext uri="{AF507438-7753-43E0-B8FC-AC1667EBCBE1}">
+              <a14:hiddenEffects xmlns:a14="http://schemas.microsoft.com/office/drawing/2010/main">
+                <a:effectLst>
+                  <a:outerShdw dist="35921" dir="2700000" algn="ctr" rotWithShape="0">
+                    <a:schemeClr val="bg2"/>
+                  </a:outerShdw>
+                </a:effectLst>
+              </a14:hiddenEffects>
+            </a:ext>
+          </a:extLst>
+        </p:spPr>
+        <p:txBody>
+          <a:bodyPr vert="horz" wrap="none" lIns="91440" tIns="45720" rIns="91440" bIns="45720" numCol="1" anchor="ctr" anchorCtr="0" compatLnSpc="1">
+            <a:prstTxWarp prst="textNoShape">
+              <a:avLst/>
+            </a:prstTxWarp>
+            <a:spAutoFit/>
+          </a:bodyPr>
+          <a:lstStyle/>
+          <a:p>
+            <a:pPr marL="0" marR="0" lvl="0" indent="0" algn="l" defTabSz="914400" rtl="0" eaLnBrk="0" fontAlgn="base" latinLnBrk="0" hangingPunct="0">
+              <a:lnSpc>
+                <a:spcPct val="100000"/>
+              </a:lnSpc>
+              <a:spcBef>
+                <a:spcPct val="0"/>
+              </a:spcBef>
+              <a:spcAft>
+                <a:spcPct val="0"/>
+              </a:spcAft>
+              <a:buClrTx/>
+              <a:buSzTx/>
+              <a:tabLst/>
+            </a:pPr>
+            <a:r>
+              <a:rPr lang="en-US" altLang="en-US" sz="3200" dirty="0">
+                <a:solidFill>
+                  <a:schemeClr val="tx1"/>
+                </a:solidFill>
+                <a:latin typeface="Algerian" panose="04020705040A02060702" pitchFamily="82" charset="0"/>
+              </a:rPr>
+              <a:t>Problem Statement</a:t>
+            </a:r>
+            <a:endParaRPr kumimoji="0" lang="en-US" altLang="en-US" sz="3200" b="0" i="0" u="none" strike="noStrike" cap="none" normalizeH="0" baseline="0" dirty="0">
+              <a:ln>
+                <a:noFill/>
+              </a:ln>
+              <a:solidFill>
+                <a:schemeClr val="tx1"/>
+              </a:solidFill>
+              <a:effectLst/>
+              <a:latin typeface="Algerian" panose="04020705040A02060702" pitchFamily="82" charset="0"/>
+            </a:endParaRPr>
+          </a:p>
+        </p:txBody>
+      </p:sp>
+      <p:sp>
+        <p:nvSpPr>
+          <p:cNvPr id="7" name="Text Placeholder 6">
+            <a:extLst>
+              <a:ext uri="{FF2B5EF4-FFF2-40B4-BE49-F238E27FC236}">
+                <a16:creationId xmlns:a16="http://schemas.microsoft.com/office/drawing/2014/main" id="{10730C2F-28C7-06FE-CB82-73D2487136C7}"/>
+              </a:ext>
+            </a:extLst>
+          </p:cNvPr>
+          <p:cNvSpPr>
+            <a:spLocks noGrp="1"/>
+          </p:cNvSpPr>
+          <p:nvPr>
+            <p:ph type="body" idx="1"/>
+          </p:nvPr>
+        </p:nvSpPr>
+        <p:spPr>
+          <a:xfrm>
+            <a:off x="3872707" y="1152475"/>
+            <a:ext cx="5189650" cy="3893054"/>
+          </a:xfrm>
+        </p:spPr>
+        <p:txBody>
+          <a:bodyPr/>
+          <a:lstStyle/>
+          <a:p>
+            <a:pPr marL="0" marR="0" lvl="0" indent="0" algn="l" defTabSz="914400" rtl="0" eaLnBrk="0" fontAlgn="base" latinLnBrk="0" hangingPunct="0">
+              <a:lnSpc>
+                <a:spcPct val="100000"/>
+              </a:lnSpc>
+              <a:spcBef>
+                <a:spcPct val="0"/>
+              </a:spcBef>
+              <a:spcAft>
+                <a:spcPct val="0"/>
+              </a:spcAft>
+              <a:buClrTx/>
+              <a:buSzTx/>
+              <a:buFontTx/>
+              <a:buChar char="•"/>
+              <a:tabLst/>
+            </a:pPr>
+            <a:r>
+              <a:rPr kumimoji="0" lang="en-US" altLang="en-US" sz="2400" b="0" i="0" u="none" strike="noStrike" cap="none" normalizeH="0" baseline="0" dirty="0">
+                <a:ln>
+                  <a:noFill/>
+                </a:ln>
+                <a:solidFill>
+                  <a:schemeClr val="tx1"/>
+                </a:solidFill>
+                <a:effectLst/>
+                <a:latin typeface="Times New Roman" panose="02020603050405020304" pitchFamily="18" charset="0"/>
+                <a:cs typeface="Times New Roman" panose="02020603050405020304" pitchFamily="18" charset="0"/>
+              </a:rPr>
+              <a:t>✅ </a:t>
+            </a:r>
+            <a:r>
+              <a:rPr kumimoji="0" lang="en-US" altLang="en-US" sz="2400" b="1" i="0" u="none" strike="noStrike" cap="none" normalizeH="0" baseline="0" dirty="0">
+                <a:ln>
+                  <a:noFill/>
+                </a:ln>
+                <a:solidFill>
+                  <a:schemeClr val="tx1"/>
+                </a:solidFill>
+                <a:effectLst/>
+                <a:latin typeface="Times New Roman" panose="02020603050405020304" pitchFamily="18" charset="0"/>
+                <a:cs typeface="Times New Roman" panose="02020603050405020304" pitchFamily="18" charset="0"/>
+              </a:rPr>
+              <a:t>Poor Segregation</a:t>
+            </a:r>
+            <a:endParaRPr kumimoji="0" lang="en-US" altLang="en-US" sz="2400" b="0" i="0" u="none" strike="noStrike" cap="none" normalizeH="0" baseline="0" dirty="0">
+              <a:ln>
+                <a:noFill/>
+              </a:ln>
+              <a:solidFill>
+                <a:schemeClr val="tx1"/>
+              </a:solidFill>
+              <a:effectLst/>
+              <a:latin typeface="Times New Roman" panose="02020603050405020304" pitchFamily="18" charset="0"/>
+              <a:cs typeface="Times New Roman" panose="02020603050405020304" pitchFamily="18" charset="0"/>
+            </a:endParaRPr>
+          </a:p>
+          <a:p>
+            <a:pPr marL="0" marR="0" lvl="0" indent="0" algn="l" defTabSz="914400" rtl="0" eaLnBrk="0" fontAlgn="base" latinLnBrk="0" hangingPunct="0">
+              <a:lnSpc>
+                <a:spcPct val="100000"/>
+              </a:lnSpc>
+              <a:spcBef>
+                <a:spcPct val="0"/>
+              </a:spcBef>
+              <a:spcAft>
+                <a:spcPct val="0"/>
+              </a:spcAft>
+              <a:buClrTx/>
+              <a:buSzTx/>
+              <a:buFontTx/>
+              <a:buChar char="•"/>
+              <a:tabLst/>
+            </a:pPr>
+            <a:r>
+              <a:rPr kumimoji="0" lang="en-US" altLang="en-US" sz="2400" b="0" i="0" u="none" strike="noStrike" cap="none" normalizeH="0" baseline="0" dirty="0">
+                <a:ln>
+                  <a:noFill/>
+                </a:ln>
+                <a:solidFill>
+                  <a:schemeClr val="tx1"/>
+                </a:solidFill>
+                <a:effectLst/>
+                <a:latin typeface="Times New Roman" panose="02020603050405020304" pitchFamily="18" charset="0"/>
+                <a:cs typeface="Times New Roman" panose="02020603050405020304" pitchFamily="18" charset="0"/>
+              </a:rPr>
+              <a:t>🕒 </a:t>
+            </a:r>
+            <a:r>
+              <a:rPr kumimoji="0" lang="en-US" altLang="en-US" sz="2400" b="1" i="0" u="none" strike="noStrike" cap="none" normalizeH="0" baseline="0" dirty="0">
+                <a:ln>
+                  <a:noFill/>
+                </a:ln>
+                <a:solidFill>
+                  <a:schemeClr val="tx1"/>
+                </a:solidFill>
+                <a:effectLst/>
+                <a:latin typeface="Times New Roman" panose="02020603050405020304" pitchFamily="18" charset="0"/>
+                <a:cs typeface="Times New Roman" panose="02020603050405020304" pitchFamily="18" charset="0"/>
+              </a:rPr>
+              <a:t>Time-Consuming</a:t>
+            </a:r>
+            <a:endParaRPr kumimoji="0" lang="en-US" altLang="en-US" sz="2400" b="0" i="0" u="none" strike="noStrike" cap="none" normalizeH="0" baseline="0" dirty="0">
+              <a:ln>
+                <a:noFill/>
+              </a:ln>
+              <a:solidFill>
+                <a:schemeClr val="tx1"/>
+              </a:solidFill>
+              <a:effectLst/>
+              <a:latin typeface="Times New Roman" panose="02020603050405020304" pitchFamily="18" charset="0"/>
+              <a:cs typeface="Times New Roman" panose="02020603050405020304" pitchFamily="18" charset="0"/>
+            </a:endParaRPr>
+          </a:p>
+          <a:p>
+            <a:pPr marL="0" marR="0" lvl="0" indent="0" algn="l" defTabSz="914400" rtl="0" eaLnBrk="0" fontAlgn="base" latinLnBrk="0" hangingPunct="0">
+              <a:lnSpc>
+                <a:spcPct val="100000"/>
+              </a:lnSpc>
+              <a:spcBef>
+                <a:spcPct val="0"/>
+              </a:spcBef>
+              <a:spcAft>
+                <a:spcPct val="0"/>
+              </a:spcAft>
+              <a:buClrTx/>
+              <a:buSzTx/>
+              <a:buFontTx/>
+              <a:buChar char="•"/>
+              <a:tabLst/>
+            </a:pPr>
+            <a:r>
+              <a:rPr kumimoji="0" lang="en-US" altLang="en-US" sz="2400" b="0" i="0" u="none" strike="noStrike" cap="none" normalizeH="0" baseline="0" dirty="0">
+                <a:ln>
+                  <a:noFill/>
+                </a:ln>
+                <a:solidFill>
+                  <a:schemeClr val="tx1"/>
+                </a:solidFill>
+                <a:effectLst/>
+                <a:latin typeface="Times New Roman" panose="02020603050405020304" pitchFamily="18" charset="0"/>
+                <a:cs typeface="Times New Roman" panose="02020603050405020304" pitchFamily="18" charset="0"/>
+              </a:rPr>
+              <a:t>🧤 </a:t>
+            </a:r>
+            <a:r>
+              <a:rPr kumimoji="0" lang="en-US" altLang="en-US" sz="2400" b="1" i="0" u="none" strike="noStrike" cap="none" normalizeH="0" baseline="0" dirty="0">
+                <a:ln>
+                  <a:noFill/>
+                </a:ln>
+                <a:solidFill>
+                  <a:schemeClr val="tx1"/>
+                </a:solidFill>
+                <a:effectLst/>
+                <a:latin typeface="Times New Roman" panose="02020603050405020304" pitchFamily="18" charset="0"/>
+                <a:cs typeface="Times New Roman" panose="02020603050405020304" pitchFamily="18" charset="0"/>
+              </a:rPr>
+              <a:t>Unhygienic</a:t>
+            </a:r>
+            <a:endParaRPr kumimoji="0" lang="en-US" altLang="en-US" sz="2400" b="0" i="0" u="none" strike="noStrike" cap="none" normalizeH="0" baseline="0" dirty="0">
+              <a:ln>
+                <a:noFill/>
+              </a:ln>
+              <a:solidFill>
+                <a:schemeClr val="tx1"/>
+              </a:solidFill>
+              <a:effectLst/>
+              <a:latin typeface="Times New Roman" panose="02020603050405020304" pitchFamily="18" charset="0"/>
+              <a:cs typeface="Times New Roman" panose="02020603050405020304" pitchFamily="18" charset="0"/>
+            </a:endParaRPr>
+          </a:p>
+          <a:p>
+            <a:pPr marL="0" marR="0" lvl="0" indent="0" algn="l" defTabSz="914400" rtl="0" eaLnBrk="0" fontAlgn="base" latinLnBrk="0" hangingPunct="0">
+              <a:lnSpc>
+                <a:spcPct val="100000"/>
+              </a:lnSpc>
+              <a:spcBef>
+                <a:spcPct val="0"/>
+              </a:spcBef>
+              <a:spcAft>
+                <a:spcPct val="0"/>
+              </a:spcAft>
+              <a:buClrTx/>
+              <a:buSzTx/>
+              <a:buFontTx/>
+              <a:buChar char="•"/>
+              <a:tabLst/>
+            </a:pPr>
+            <a:r>
+              <a:rPr kumimoji="0" lang="en-US" altLang="en-US" sz="2400" b="0" i="0" u="none" strike="noStrike" cap="none" normalizeH="0" baseline="0" dirty="0">
+                <a:ln>
+                  <a:noFill/>
+                </a:ln>
+                <a:solidFill>
+                  <a:schemeClr val="tx1"/>
+                </a:solidFill>
+                <a:effectLst/>
+                <a:latin typeface="Times New Roman" panose="02020603050405020304" pitchFamily="18" charset="0"/>
+                <a:cs typeface="Times New Roman" panose="02020603050405020304" pitchFamily="18" charset="0"/>
+              </a:rPr>
+              <a:t>💸 </a:t>
+            </a:r>
+            <a:r>
+              <a:rPr kumimoji="0" lang="en-US" altLang="en-US" sz="2400" b="1" i="0" u="none" strike="noStrike" cap="none" normalizeH="0" baseline="0" dirty="0">
+                <a:ln>
+                  <a:noFill/>
+                </a:ln>
+                <a:solidFill>
+                  <a:schemeClr val="tx1"/>
+                </a:solidFill>
+                <a:effectLst/>
+                <a:latin typeface="Times New Roman" panose="02020603050405020304" pitchFamily="18" charset="0"/>
+                <a:cs typeface="Times New Roman" panose="02020603050405020304" pitchFamily="18" charset="0"/>
+              </a:rPr>
+              <a:t>High Cost</a:t>
+            </a:r>
+            <a:endParaRPr kumimoji="0" lang="en-US" altLang="en-US" sz="2400" b="0" i="0" u="none" strike="noStrike" cap="none" normalizeH="0" baseline="0" dirty="0">
+              <a:ln>
+                <a:noFill/>
+              </a:ln>
+              <a:solidFill>
+                <a:schemeClr val="tx1"/>
+              </a:solidFill>
+              <a:effectLst/>
+              <a:latin typeface="Times New Roman" panose="02020603050405020304" pitchFamily="18" charset="0"/>
+              <a:cs typeface="Times New Roman" panose="02020603050405020304" pitchFamily="18" charset="0"/>
+            </a:endParaRPr>
+          </a:p>
+          <a:p>
+            <a:pPr marL="0" marR="0" lvl="0" indent="0" algn="l" defTabSz="914400" rtl="0" eaLnBrk="0" fontAlgn="base" latinLnBrk="0" hangingPunct="0">
+              <a:lnSpc>
+                <a:spcPct val="100000"/>
+              </a:lnSpc>
+              <a:spcBef>
+                <a:spcPct val="0"/>
+              </a:spcBef>
+              <a:spcAft>
+                <a:spcPct val="0"/>
+              </a:spcAft>
+              <a:buClrTx/>
+              <a:buSzTx/>
+              <a:buFontTx/>
+              <a:buChar char="•"/>
+              <a:tabLst/>
+            </a:pPr>
+            <a:r>
+              <a:rPr kumimoji="0" lang="en-US" altLang="en-US" sz="2400" b="0" i="0" u="none" strike="noStrike" cap="none" normalizeH="0" baseline="0" dirty="0">
+                <a:ln>
+                  <a:noFill/>
+                </a:ln>
+                <a:solidFill>
+                  <a:schemeClr val="tx1"/>
+                </a:solidFill>
+                <a:effectLst/>
+                <a:latin typeface="Times New Roman" panose="02020603050405020304" pitchFamily="18" charset="0"/>
+                <a:cs typeface="Times New Roman" panose="02020603050405020304" pitchFamily="18" charset="0"/>
+              </a:rPr>
+              <a:t>🌍 </a:t>
+            </a:r>
+            <a:r>
+              <a:rPr kumimoji="0" lang="en-US" altLang="en-US" sz="2400" b="1" i="0" u="none" strike="noStrike" cap="none" normalizeH="0" baseline="0" dirty="0">
+                <a:ln>
+                  <a:noFill/>
+                </a:ln>
+                <a:solidFill>
+                  <a:schemeClr val="tx1"/>
+                </a:solidFill>
+                <a:effectLst/>
+                <a:latin typeface="Times New Roman" panose="02020603050405020304" pitchFamily="18" charset="0"/>
+                <a:cs typeface="Times New Roman" panose="02020603050405020304" pitchFamily="18" charset="0"/>
+              </a:rPr>
+              <a:t>Eco Solution</a:t>
+            </a:r>
+          </a:p>
+          <a:p>
+            <a:pPr marL="0" marR="0" lvl="0" indent="0" algn="l" defTabSz="914400" rtl="0" eaLnBrk="0" fontAlgn="base" latinLnBrk="0" hangingPunct="0">
+              <a:lnSpc>
+                <a:spcPct val="100000"/>
+              </a:lnSpc>
+              <a:spcBef>
+                <a:spcPct val="0"/>
+              </a:spcBef>
+              <a:spcAft>
+                <a:spcPct val="0"/>
+              </a:spcAft>
+              <a:buClrTx/>
+              <a:buSzTx/>
+              <a:buNone/>
+              <a:tabLst/>
+            </a:pPr>
+            <a:endParaRPr lang="en-US" sz="1600" dirty="0">
+              <a:latin typeface="Times New Roman" panose="02020603050405020304" pitchFamily="18" charset="0"/>
+              <a:cs typeface="Times New Roman" panose="02020603050405020304" pitchFamily="18" charset="0"/>
+            </a:endParaRPr>
+          </a:p>
+          <a:p>
+            <a:pPr marL="0" marR="0" lvl="0" indent="0" algn="l" defTabSz="914400" rtl="0" eaLnBrk="0" fontAlgn="base" latinLnBrk="0" hangingPunct="0">
+              <a:lnSpc>
+                <a:spcPct val="100000"/>
+              </a:lnSpc>
+              <a:spcBef>
+                <a:spcPct val="0"/>
+              </a:spcBef>
+              <a:spcAft>
+                <a:spcPct val="0"/>
+              </a:spcAft>
+              <a:buClrTx/>
+              <a:buSzTx/>
+              <a:buNone/>
+              <a:tabLst/>
+            </a:pPr>
+            <a:r>
+              <a:rPr lang="en-US" sz="1600" dirty="0">
+                <a:latin typeface="Times New Roman" panose="02020603050405020304" pitchFamily="18" charset="0"/>
+                <a:cs typeface="Times New Roman" panose="02020603050405020304" pitchFamily="18" charset="0"/>
+              </a:rPr>
+              <a:t> </a:t>
+            </a:r>
+            <a:r>
+              <a:rPr lang="en-US" sz="1600" b="1" dirty="0">
+                <a:latin typeface="Times New Roman" panose="02020603050405020304" pitchFamily="18" charset="0"/>
+                <a:cs typeface="Times New Roman" panose="02020603050405020304" pitchFamily="18" charset="0"/>
+              </a:rPr>
+              <a:t>Problem statement</a:t>
+            </a:r>
+            <a:r>
+              <a:rPr lang="en-US" sz="1600" dirty="0">
+                <a:latin typeface="Times New Roman" panose="02020603050405020304" pitchFamily="18" charset="0"/>
+                <a:cs typeface="Times New Roman" panose="02020603050405020304" pitchFamily="18" charset="0"/>
+              </a:rPr>
+              <a:t> is a clear, concise description of the issue that needs to be addressed by a project. It identifies the gap between the current state and the desired state, explaining </a:t>
+            </a:r>
+            <a:r>
+              <a:rPr lang="en-US" sz="1600" b="1" dirty="0">
+                <a:latin typeface="Times New Roman" panose="02020603050405020304" pitchFamily="18" charset="0"/>
+                <a:cs typeface="Times New Roman" panose="02020603050405020304" pitchFamily="18" charset="0"/>
+              </a:rPr>
+              <a:t>why</a:t>
+            </a:r>
+            <a:r>
+              <a:rPr lang="en-US" sz="1600" dirty="0">
+                <a:latin typeface="Times New Roman" panose="02020603050405020304" pitchFamily="18" charset="0"/>
+                <a:cs typeface="Times New Roman" panose="02020603050405020304" pitchFamily="18" charset="0"/>
+              </a:rPr>
+              <a:t> the problem is important and </a:t>
+            </a:r>
+            <a:r>
+              <a:rPr lang="en-US" sz="1600" b="1" dirty="0">
+                <a:latin typeface="Times New Roman" panose="02020603050405020304" pitchFamily="18" charset="0"/>
+                <a:cs typeface="Times New Roman" panose="02020603050405020304" pitchFamily="18" charset="0"/>
+              </a:rPr>
+              <a:t>what impact</a:t>
+            </a:r>
+            <a:r>
+              <a:rPr lang="en-US" sz="1600" dirty="0">
+                <a:latin typeface="Times New Roman" panose="02020603050405020304" pitchFamily="18" charset="0"/>
+                <a:cs typeface="Times New Roman" panose="02020603050405020304" pitchFamily="18" charset="0"/>
+              </a:rPr>
+              <a:t> solving it will have.</a:t>
+            </a:r>
+            <a:endParaRPr lang="en-IN" sz="1600" dirty="0">
+              <a:latin typeface="Times New Roman" panose="02020603050405020304" pitchFamily="18" charset="0"/>
+              <a:cs typeface="Times New Roman" panose="02020603050405020304" pitchFamily="18" charset="0"/>
+            </a:endParaRPr>
+          </a:p>
+        </p:txBody>
+      </p:sp>
+    </p:spTree>
+  </p:cSld>
+  <p:clrMapOvr>
+    <a:masterClrMapping/>
+  </p:clrMapOvr>
+</p:sld>
+</file>
+
+<file path=ppt/slides/slide6.xml><?xml version="1.0" encoding="utf-8"?>
+<p:sld xmlns:a="http://schemas.openxmlformats.org/drawingml/2006/main" xmlns:r="http://schemas.openxmlformats.org/officeDocument/2006/relationships" xmlns:p="http://schemas.openxmlformats.org/presentationml/2006/main" showMasterSp="0">
+  <p:cSld>
+    <p:bg>
+      <p:bgPr>
+        <a:solidFill>
+          <a:schemeClr val="tx2">
+            <a:lumMod val="60000"/>
+            <a:lumOff val="40000"/>
+          </a:schemeClr>
+        </a:solidFill>
+        <a:effectLst/>
+      </p:bgPr>
+    </p:bg>
+    <p:spTree>
+      <p:nvGrpSpPr>
+        <p:cNvPr id="1" name="Shape 561"/>
+        <p:cNvGrpSpPr/>
+        <p:nvPr/>
+      </p:nvGrpSpPr>
+      <p:grpSpPr>
+        <a:xfrm>
+          <a:off x="0" y="0"/>
+          <a:ext cx="0" cy="0"/>
+          <a:chOff x="0" y="0"/>
+          <a:chExt cx="0" cy="0"/>
+        </a:xfrm>
+      </p:grpSpPr>
+      <p:sp>
+        <p:nvSpPr>
+          <p:cNvPr id="22" name="Title 21">
+            <a:extLst>
+              <a:ext uri="{FF2B5EF4-FFF2-40B4-BE49-F238E27FC236}">
+                <a16:creationId xmlns:a16="http://schemas.microsoft.com/office/drawing/2014/main" id="{D3394C41-CB37-93A0-D20C-1E7F2F9DF5A5}"/>
+              </a:ext>
+            </a:extLst>
+          </p:cNvPr>
+          <p:cNvSpPr>
+            <a:spLocks noGrp="1" noChangeArrowheads="1"/>
+          </p:cNvSpPr>
+          <p:nvPr>
+            <p:ph type="title"/>
+          </p:nvPr>
+        </p:nvSpPr>
+        <p:spPr bwMode="auto">
+          <a:xfrm>
+            <a:off x="347133" y="81703"/>
+            <a:ext cx="4825092" cy="584775"/>
+          </a:xfrm>
+          <a:prstGeom prst="rect">
+            <a:avLst/>
+          </a:prstGeom>
+          <a:noFill/>
+          <a:ln>
+            <a:noFill/>
+          </a:ln>
+          <a:effectLst/>
+          <a:extLst>
+            <a:ext uri="{909E8E84-426E-40DD-AFC4-6F175D3DCCD1}">
+              <a14:hiddenFill xmlns:a14="http://schemas.microsoft.com/office/drawing/2010/main">
+                <a:solidFill>
+                  <a:schemeClr val="accent1"/>
+                </a:solidFill>
+              </a14:hiddenFill>
+            </a:ext>
+            <a:ext uri="{91240B29-F687-4F45-9708-019B960494DF}">
+              <a14:hiddenLine xmlns:a14="http://schemas.microsoft.com/office/drawing/2010/main" w="9525">
+                <a:solidFill>
+                  <a:schemeClr val="tx1"/>
+                </a:solidFill>
+                <a:miter lim="800000"/>
+                <a:headEnd/>
+                <a:tailEnd/>
+              </a14:hiddenLine>
+            </a:ext>
+            <a:ext uri="{AF507438-7753-43E0-B8FC-AC1667EBCBE1}">
+              <a14:hiddenEffects xmlns:a14="http://schemas.microsoft.com/office/drawing/2010/main">
+                <a:effectLst>
+                  <a:outerShdw dist="35921" dir="2700000" algn="ctr" rotWithShape="0">
+                    <a:schemeClr val="bg2"/>
+                  </a:outerShdw>
+                </a:effectLst>
+              </a14:hiddenEffects>
+            </a:ext>
+          </a:extLst>
+        </p:spPr>
+        <p:txBody>
+          <a:bodyPr vert="horz" wrap="square" lIns="91440" tIns="45720" rIns="91440" bIns="45720" numCol="1" anchor="ctr" anchorCtr="0" compatLnSpc="1">
+            <a:prstTxWarp prst="textNoShape">
+              <a:avLst/>
+            </a:prstTxWarp>
+            <a:spAutoFit/>
+          </a:bodyPr>
+          <a:lstStyle/>
+          <a:p>
+            <a:pPr marL="0" marR="0" lvl="0" indent="0" algn="l" defTabSz="914400" rtl="0" eaLnBrk="0" fontAlgn="base" latinLnBrk="0" hangingPunct="0">
+              <a:lnSpc>
+                <a:spcPct val="100000"/>
+              </a:lnSpc>
+              <a:spcBef>
+                <a:spcPct val="0"/>
+              </a:spcBef>
+              <a:spcAft>
+                <a:spcPct val="0"/>
+              </a:spcAft>
+              <a:buClrTx/>
+              <a:buSzTx/>
+              <a:tabLst/>
+            </a:pPr>
+            <a:r>
+              <a:rPr kumimoji="0" lang="en-US" altLang="en-US" sz="3200" b="1" i="0" u="none" strike="noStrike" cap="none" normalizeH="0" baseline="0" dirty="0">
+                <a:ln>
+                  <a:noFill/>
+                </a:ln>
+                <a:solidFill>
+                  <a:schemeClr val="tx1"/>
+                </a:solidFill>
+                <a:effectLst/>
+                <a:latin typeface="Arial" panose="020B0604020202020204" pitchFamily="34" charset="0"/>
+              </a:rPr>
+              <a:t>EMPATHY</a:t>
+            </a:r>
+          </a:p>
+        </p:txBody>
+      </p:sp>
+      <p:pic>
+        <p:nvPicPr>
+          <p:cNvPr id="4" name="Picture 3">
+            <a:extLst>
+              <a:ext uri="{FF2B5EF4-FFF2-40B4-BE49-F238E27FC236}">
+                <a16:creationId xmlns:a16="http://schemas.microsoft.com/office/drawing/2014/main" id="{C329B3CE-DBD7-D2C1-9F9B-D614CF4B91FD}"/>
+              </a:ext>
+            </a:extLst>
+          </p:cNvPr>
+          <p:cNvPicPr>
+            <a:picLocks noChangeAspect="1"/>
+          </p:cNvPicPr>
+          <p:nvPr/>
+        </p:nvPicPr>
+        <p:blipFill>
+          <a:blip r:embed="rId3"/>
+          <a:stretch>
+            <a:fillRect/>
+          </a:stretch>
+        </p:blipFill>
+        <p:spPr>
+          <a:xfrm>
+            <a:off x="4403575" y="0"/>
+            <a:ext cx="4825092" cy="5143500"/>
+          </a:xfrm>
+          <a:prstGeom prst="rect">
+            <a:avLst/>
+          </a:prstGeom>
+        </p:spPr>
+      </p:pic>
+      <p:sp>
+        <p:nvSpPr>
+          <p:cNvPr id="5" name="TextBox 4">
+            <a:extLst>
+              <a:ext uri="{FF2B5EF4-FFF2-40B4-BE49-F238E27FC236}">
+                <a16:creationId xmlns:a16="http://schemas.microsoft.com/office/drawing/2014/main" id="{4656FE3E-F0BE-275C-D73E-138EAE692C91}"/>
+              </a:ext>
+            </a:extLst>
+          </p:cNvPr>
+          <p:cNvSpPr txBox="1"/>
+          <p:nvPr/>
+        </p:nvSpPr>
+        <p:spPr>
+          <a:xfrm>
+            <a:off x="516467" y="1693333"/>
+            <a:ext cx="3208866" cy="1477328"/>
+          </a:xfrm>
+          <a:prstGeom prst="rect">
+            <a:avLst/>
+          </a:prstGeom>
+          <a:noFill/>
+        </p:spPr>
+        <p:txBody>
+          <a:bodyPr wrap="square" rtlCol="0">
+            <a:spAutoFit/>
+          </a:bodyPr>
+          <a:lstStyle/>
+          <a:p>
+            <a:pPr marL="285750" indent="-285750">
+              <a:buFont typeface="Wingdings" panose="05000000000000000000" pitchFamily="2" charset="2"/>
+              <a:buChar char="q"/>
+            </a:pPr>
+            <a:r>
+              <a:rPr lang="en-US" sz="1800" dirty="0"/>
+              <a:t>5 WHY’S</a:t>
+            </a:r>
+          </a:p>
+          <a:p>
+            <a:pPr marL="285750" indent="-285750">
+              <a:buFont typeface="Wingdings" panose="05000000000000000000" pitchFamily="2" charset="2"/>
+              <a:buChar char="q"/>
+            </a:pPr>
+            <a:endParaRPr lang="en-US" sz="1800" dirty="0"/>
+          </a:p>
+          <a:p>
+            <a:pPr marL="285750" indent="-285750">
+              <a:buFont typeface="Wingdings" panose="05000000000000000000" pitchFamily="2" charset="2"/>
+              <a:buChar char="q"/>
+            </a:pPr>
+            <a:r>
+              <a:rPr lang="en-US" sz="1800" dirty="0"/>
+              <a:t>PERSONA’S</a:t>
+            </a:r>
+          </a:p>
+          <a:p>
+            <a:pPr marL="285750" indent="-285750">
+              <a:buFont typeface="Wingdings" panose="05000000000000000000" pitchFamily="2" charset="2"/>
+              <a:buChar char="q"/>
+            </a:pPr>
+            <a:endParaRPr lang="en-US" sz="1800" dirty="0"/>
+          </a:p>
+          <a:p>
+            <a:pPr marL="285750" indent="-285750">
+              <a:buFont typeface="Wingdings" panose="05000000000000000000" pitchFamily="2" charset="2"/>
+              <a:buChar char="q"/>
+            </a:pPr>
+            <a:r>
+              <a:rPr lang="en-US" sz="1800" dirty="0"/>
+              <a:t>INTERVIEW QUESTIONS</a:t>
+            </a:r>
+            <a:endParaRPr lang="en-IN" sz="1800" dirty="0"/>
+          </a:p>
+        </p:txBody>
+      </p:sp>
+    </p:spTree>
+  </p:cSld>
+  <p:clrMapOvr>
+    <a:masterClrMapping/>
+  </p:clrMapOvr>
+</p:sld>
+</file>
+
+<file path=ppt/slides/slide7.xml><?xml version="1.0" encoding="utf-8"?>
+<p:sld xmlns:a="http://schemas.openxmlformats.org/drawingml/2006/main" xmlns:r="http://schemas.openxmlformats.org/officeDocument/2006/relationships" xmlns:p="http://schemas.openxmlformats.org/presentationml/2006/main">
+  <p:cSld>
+    <p:bg>
+      <p:bgPr>
+        <a:solidFill>
+          <a:schemeClr val="accent3">
+            <a:lumMod val="25000"/>
+            <a:lumOff val="75000"/>
+          </a:schemeClr>
+        </a:solidFill>
+        <a:effectLst/>
+      </p:bgPr>
+    </p:bg>
+    <p:spTree>
+      <p:nvGrpSpPr>
+        <p:cNvPr id="1" name=""/>
+        <p:cNvGrpSpPr/>
+        <p:nvPr/>
+      </p:nvGrpSpPr>
+      <p:grpSpPr>
+        <a:xfrm>
+          <a:off x="0" y="0"/>
+          <a:ext cx="0" cy="0"/>
+          <a:chOff x="0" y="0"/>
+          <a:chExt cx="0" cy="0"/>
+        </a:xfrm>
+      </p:grpSpPr>
+      <p:sp>
+        <p:nvSpPr>
+          <p:cNvPr id="2" name="Title 1">
+            <a:extLst>
+              <a:ext uri="{FF2B5EF4-FFF2-40B4-BE49-F238E27FC236}">
+                <a16:creationId xmlns:a16="http://schemas.microsoft.com/office/drawing/2014/main" id="{21EC1E0A-1BB1-CB15-8ABD-BE1A105327C6}"/>
+              </a:ext>
+            </a:extLst>
+          </p:cNvPr>
+          <p:cNvSpPr>
+            <a:spLocks noGrp="1"/>
+          </p:cNvSpPr>
+          <p:nvPr>
+            <p:ph type="title"/>
+          </p:nvPr>
+        </p:nvSpPr>
+        <p:spPr/>
+        <p:txBody>
+          <a:bodyPr/>
+          <a:lstStyle/>
+          <a:p>
+            <a:r>
+              <a:rPr lang="en-US" b="1" dirty="0"/>
+              <a:t>5 WHY’s</a:t>
+            </a:r>
+            <a:r>
+              <a:rPr lang="en-US" dirty="0"/>
+              <a:t> 🔍</a:t>
+            </a:r>
+            <a:br>
+              <a:rPr lang="en-US" dirty="0"/>
+            </a:br>
+            <a:endParaRPr lang="en-IN" dirty="0"/>
+          </a:p>
+        </p:txBody>
+      </p:sp>
+      <p:sp>
+        <p:nvSpPr>
+          <p:cNvPr id="4" name="TextBox 3">
+            <a:extLst>
+              <a:ext uri="{FF2B5EF4-FFF2-40B4-BE49-F238E27FC236}">
+                <a16:creationId xmlns:a16="http://schemas.microsoft.com/office/drawing/2014/main" id="{D588BAB9-EAF3-5490-1031-D207F54FEEE0}"/>
+              </a:ext>
+            </a:extLst>
+          </p:cNvPr>
+          <p:cNvSpPr txBox="1"/>
+          <p:nvPr/>
+        </p:nvSpPr>
+        <p:spPr>
+          <a:xfrm>
+            <a:off x="160866" y="1560549"/>
+            <a:ext cx="8520599" cy="2769989"/>
+          </a:xfrm>
+          <a:prstGeom prst="rect">
+            <a:avLst/>
+          </a:prstGeom>
+          <a:noFill/>
+        </p:spPr>
+        <p:txBody>
+          <a:bodyPr wrap="square">
+            <a:spAutoFit/>
+          </a:bodyPr>
+          <a:lstStyle/>
+          <a:p>
+            <a:pPr>
+              <a:buNone/>
+            </a:pPr>
+            <a:br>
+              <a:rPr lang="en-US" dirty="0"/>
+            </a:br>
+            <a:r>
+              <a:rPr lang="en-US" sz="2000" dirty="0"/>
+              <a:t>Problem: People often mix wet and dry waste, making segregation ineffective.</a:t>
+            </a:r>
+          </a:p>
+          <a:p>
+            <a:pPr>
+              <a:buNone/>
+            </a:pPr>
+            <a:endParaRPr lang="en-US" sz="2000" dirty="0"/>
+          </a:p>
+          <a:p>
+            <a:pPr>
+              <a:buFont typeface="Arial" panose="020B0604020202020204" pitchFamily="34" charset="0"/>
+              <a:buChar char="•"/>
+            </a:pPr>
+            <a:r>
+              <a:rPr lang="en-US" sz="2000" dirty="0"/>
+              <a:t>❓ Why 1: People don’t separate waste at the source (home/office).</a:t>
+            </a:r>
+          </a:p>
+          <a:p>
+            <a:pPr>
+              <a:buFont typeface="Arial" panose="020B0604020202020204" pitchFamily="34" charset="0"/>
+              <a:buChar char="•"/>
+            </a:pPr>
+            <a:r>
+              <a:rPr lang="en-US" sz="2000" dirty="0"/>
+              <a:t>❓ Why 2: They’re unaware or find it inconvenient.</a:t>
+            </a:r>
+          </a:p>
+          <a:p>
+            <a:pPr>
+              <a:buFont typeface="Arial" panose="020B0604020202020204" pitchFamily="34" charset="0"/>
+              <a:buChar char="•"/>
+            </a:pPr>
+            <a:r>
+              <a:rPr lang="en-US" sz="2000" dirty="0"/>
+              <a:t>❓ Why 3: No easy tools or proper awareness.</a:t>
+            </a:r>
+          </a:p>
+          <a:p>
+            <a:pPr>
+              <a:buFont typeface="Arial" panose="020B0604020202020204" pitchFamily="34" charset="0"/>
+              <a:buChar char="•"/>
+            </a:pPr>
+            <a:r>
+              <a:rPr lang="en-US" sz="2000" dirty="0"/>
+              <a:t>❓ Why 4: Lack of local campaigns or smart solutions.</a:t>
+            </a:r>
+          </a:p>
+          <a:p>
+            <a:pPr>
+              <a:buFont typeface="Arial" panose="020B0604020202020204" pitchFamily="34" charset="0"/>
+              <a:buChar char="•"/>
+            </a:pPr>
+            <a:r>
+              <a:rPr lang="en-US" sz="2000" dirty="0"/>
+              <a:t>❓ Why 5: No integration into daily habits or incentives</a:t>
+            </a:r>
+            <a:r>
+              <a:rPr lang="en-US" dirty="0"/>
+              <a:t>.</a:t>
+            </a:r>
+          </a:p>
+        </p:txBody>
+      </p:sp>
+      <p:pic>
+        <p:nvPicPr>
+          <p:cNvPr id="6" name="Picture 5">
+            <a:extLst>
+              <a:ext uri="{FF2B5EF4-FFF2-40B4-BE49-F238E27FC236}">
+                <a16:creationId xmlns:a16="http://schemas.microsoft.com/office/drawing/2014/main" id="{9E41B0DB-2313-A3FE-8288-033F2956811E}"/>
+              </a:ext>
+            </a:extLst>
+          </p:cNvPr>
+          <p:cNvPicPr>
+            <a:picLocks noChangeAspect="1"/>
+          </p:cNvPicPr>
+          <p:nvPr/>
+        </p:nvPicPr>
+        <p:blipFill>
+          <a:blip r:embed="rId2"/>
+          <a:stretch>
+            <a:fillRect/>
+          </a:stretch>
+        </p:blipFill>
+        <p:spPr>
+          <a:xfrm>
+            <a:off x="2429933" y="190390"/>
+            <a:ext cx="1001292" cy="1245144"/>
+          </a:xfrm>
+          <a:prstGeom prst="rect">
+            <a:avLst/>
+          </a:prstGeom>
+        </p:spPr>
+      </p:pic>
+    </p:spTree>
+    <p:extLst>
+      <p:ext uri="{BB962C8B-B14F-4D97-AF65-F5344CB8AC3E}">
+        <p14:creationId xmlns:p14="http://schemas.microsoft.com/office/powerpoint/2010/main" val="3751867296"/>
+      </p:ext>
+    </p:extLst>
+  </p:cSld>
+  <p:clrMapOvr>
+    <a:masterClrMapping/>
+  </p:clrMapOvr>
+</p:sld>
+</file>
+
+<file path=ppt/slides/slide8.xml><?xml version="1.0" encoding="utf-8"?>
+<p:sld xmlns:a="http://schemas.openxmlformats.org/drawingml/2006/main" xmlns:r="http://schemas.openxmlformats.org/officeDocument/2006/relationships" xmlns:p="http://schemas.openxmlformats.org/presentationml/2006/main">
+  <p:cSld>
+    <p:bg>
+      <p:bgPr>
+        <a:solidFill>
+          <a:schemeClr val="tx2">
+            <a:lumMod val="40000"/>
+            <a:lumOff val="60000"/>
+          </a:schemeClr>
+        </a:solidFill>
+        <a:effectLst/>
+      </p:bgPr>
+    </p:bg>
+    <p:spTree>
+      <p:nvGrpSpPr>
+        <p:cNvPr id="1" name=""/>
+        <p:cNvGrpSpPr/>
+        <p:nvPr/>
+      </p:nvGrpSpPr>
+      <p:grpSpPr>
+        <a:xfrm>
+          <a:off x="0" y="0"/>
+          <a:ext cx="0" cy="0"/>
+          <a:chOff x="0" y="0"/>
+          <a:chExt cx="0" cy="0"/>
+        </a:xfrm>
+      </p:grpSpPr>
+      <p:sp>
+        <p:nvSpPr>
+          <p:cNvPr id="2" name="Title 1">
+            <a:extLst>
+              <a:ext uri="{FF2B5EF4-FFF2-40B4-BE49-F238E27FC236}">
+                <a16:creationId xmlns:a16="http://schemas.microsoft.com/office/drawing/2014/main" id="{A95639E7-75FE-DC22-7303-C78D5237D917}"/>
+              </a:ext>
+            </a:extLst>
+          </p:cNvPr>
+          <p:cNvSpPr>
+            <a:spLocks noGrp="1"/>
+          </p:cNvSpPr>
+          <p:nvPr>
+            <p:ph type="title"/>
+          </p:nvPr>
+        </p:nvSpPr>
+        <p:spPr>
+          <a:xfrm>
+            <a:off x="66166" y="114825"/>
+            <a:ext cx="8520600" cy="572700"/>
+          </a:xfrm>
+        </p:spPr>
+        <p:txBody>
+          <a:bodyPr/>
+          <a:lstStyle/>
+          <a:p>
+            <a:r>
+              <a:rPr lang="en-IN" dirty="0"/>
+              <a:t>⧉ </a:t>
+            </a:r>
+            <a:r>
+              <a:rPr lang="en-IN" b="1" dirty="0"/>
+              <a:t>PERSONAS</a:t>
+            </a:r>
+            <a:r>
+              <a:rPr lang="en-IN" dirty="0"/>
+              <a:t> 🧑‍🤝‍🧑</a:t>
+            </a:r>
+            <a:br>
+              <a:rPr lang="en-IN" dirty="0"/>
+            </a:br>
+            <a:endParaRPr lang="en-IN" dirty="0"/>
+          </a:p>
+        </p:txBody>
+      </p:sp>
+      <p:sp>
+        <p:nvSpPr>
+          <p:cNvPr id="4" name="TextBox 3">
+            <a:extLst>
+              <a:ext uri="{FF2B5EF4-FFF2-40B4-BE49-F238E27FC236}">
+                <a16:creationId xmlns:a16="http://schemas.microsoft.com/office/drawing/2014/main" id="{79207DB4-DE73-7298-8153-E7954C334576}"/>
+              </a:ext>
+            </a:extLst>
+          </p:cNvPr>
+          <p:cNvSpPr txBox="1"/>
+          <p:nvPr/>
+        </p:nvSpPr>
+        <p:spPr>
+          <a:xfrm>
+            <a:off x="0" y="2835176"/>
+            <a:ext cx="4936067" cy="1846659"/>
+          </a:xfrm>
+          <a:prstGeom prst="rect">
+            <a:avLst/>
+          </a:prstGeom>
+          <a:noFill/>
+        </p:spPr>
+        <p:txBody>
+          <a:bodyPr wrap="square">
+            <a:spAutoFit/>
+          </a:bodyPr>
+          <a:lstStyle/>
+          <a:p>
+            <a:pPr>
+              <a:buNone/>
+            </a:pPr>
+            <a:r>
+              <a:rPr lang="en-IN" sz="1600" dirty="0"/>
+              <a:t>👩‍🍳 Lakshmi – Homemaker (40 yrs)</a:t>
+            </a:r>
+            <a:br>
+              <a:rPr lang="en-IN" sz="1600" dirty="0"/>
+            </a:br>
+            <a:r>
+              <a:rPr lang="en-IN" sz="1600" dirty="0"/>
+              <a:t>🔸 Pain Points: Confused about waste categories, lacks multiple bins</a:t>
+            </a:r>
+            <a:br>
+              <a:rPr lang="en-IN" sz="1600" dirty="0"/>
+            </a:br>
+            <a:r>
+              <a:rPr lang="en-IN" sz="1600" dirty="0"/>
+              <a:t>🔸 Needs: Clear labels, easy visuals, pickup reminders</a:t>
+            </a:r>
+            <a:br>
+              <a:rPr lang="en-IN" sz="1600" dirty="0"/>
+            </a:br>
+            <a:r>
+              <a:rPr lang="en-IN" sz="1600" dirty="0"/>
+              <a:t>🔸 Goal: Wants to keep surroundings clean 🧼</a:t>
+            </a:r>
+          </a:p>
+          <a:p>
+            <a:pPr>
+              <a:buNone/>
+            </a:pPr>
+            <a:endParaRPr lang="en-IN" sz="1800" dirty="0"/>
+          </a:p>
+        </p:txBody>
+      </p:sp>
+      <p:pic>
+        <p:nvPicPr>
+          <p:cNvPr id="6" name="Picture 5">
+            <a:extLst>
+              <a:ext uri="{FF2B5EF4-FFF2-40B4-BE49-F238E27FC236}">
+                <a16:creationId xmlns:a16="http://schemas.microsoft.com/office/drawing/2014/main" id="{DEDF46A5-1650-1BD6-AC74-10F7CE30C9ED}"/>
+              </a:ext>
+            </a:extLst>
+          </p:cNvPr>
+          <p:cNvPicPr>
+            <a:picLocks noChangeAspect="1"/>
+          </p:cNvPicPr>
+          <p:nvPr/>
+        </p:nvPicPr>
+        <p:blipFill>
+          <a:blip r:embed="rId2"/>
+          <a:stretch>
+            <a:fillRect/>
+          </a:stretch>
+        </p:blipFill>
+        <p:spPr>
+          <a:xfrm>
+            <a:off x="846669" y="1067958"/>
+            <a:ext cx="1503792" cy="1503792"/>
+          </a:xfrm>
+          <a:prstGeom prst="rect">
+            <a:avLst/>
+          </a:prstGeom>
+        </p:spPr>
+      </p:pic>
+      <p:pic>
+        <p:nvPicPr>
+          <p:cNvPr id="8" name="Picture 7">
+            <a:extLst>
+              <a:ext uri="{FF2B5EF4-FFF2-40B4-BE49-F238E27FC236}">
+                <a16:creationId xmlns:a16="http://schemas.microsoft.com/office/drawing/2014/main" id="{0BC0B637-03B8-0D57-52D8-8A09C2BE36ED}"/>
+              </a:ext>
+            </a:extLst>
+          </p:cNvPr>
+          <p:cNvPicPr>
+            <a:picLocks noChangeAspect="1"/>
+          </p:cNvPicPr>
+          <p:nvPr/>
+        </p:nvPicPr>
+        <p:blipFill>
+          <a:blip r:embed="rId3"/>
+          <a:stretch>
+            <a:fillRect/>
+          </a:stretch>
+        </p:blipFill>
+        <p:spPr>
+          <a:xfrm>
+            <a:off x="6350001" y="1067957"/>
+            <a:ext cx="1503793" cy="1503793"/>
+          </a:xfrm>
+          <a:prstGeom prst="rect">
+            <a:avLst/>
+          </a:prstGeom>
+        </p:spPr>
+      </p:pic>
+      <p:sp>
+        <p:nvSpPr>
+          <p:cNvPr id="9" name="TextBox 8">
+            <a:extLst>
+              <a:ext uri="{FF2B5EF4-FFF2-40B4-BE49-F238E27FC236}">
+                <a16:creationId xmlns:a16="http://schemas.microsoft.com/office/drawing/2014/main" id="{E8F7EA91-4360-5ACA-17DF-7F469F4CE616}"/>
+              </a:ext>
+            </a:extLst>
+          </p:cNvPr>
+          <p:cNvSpPr txBox="1"/>
+          <p:nvPr/>
+        </p:nvSpPr>
+        <p:spPr>
+          <a:xfrm>
+            <a:off x="4887864" y="2835176"/>
+            <a:ext cx="4428066" cy="1569660"/>
+          </a:xfrm>
+          <a:prstGeom prst="rect">
+            <a:avLst/>
+          </a:prstGeom>
+          <a:noFill/>
+        </p:spPr>
+        <p:txBody>
+          <a:bodyPr wrap="square" rtlCol="0">
+            <a:spAutoFit/>
+          </a:bodyPr>
+          <a:lstStyle/>
+          <a:p>
+            <a:r>
+              <a:rPr lang="en-IN" sz="1600" dirty="0"/>
+              <a:t>🎓 Raj – College Student (21 yrs)</a:t>
+            </a:r>
+            <a:br>
+              <a:rPr lang="en-IN" sz="1600" dirty="0"/>
+            </a:br>
+            <a:r>
+              <a:rPr lang="en-IN" sz="1600" dirty="0"/>
+              <a:t>🔸 Pain Points: Doesn’t care much, no motivation</a:t>
+            </a:r>
+            <a:br>
+              <a:rPr lang="en-IN" sz="1600" dirty="0"/>
+            </a:br>
+            <a:r>
+              <a:rPr lang="en-IN" sz="1600" dirty="0"/>
+              <a:t>🔸 Needs: Gamification 🎮, incentives 💰, fun approach</a:t>
+            </a:r>
+            <a:br>
+              <a:rPr lang="en-IN" sz="1600" dirty="0"/>
+            </a:br>
+            <a:r>
+              <a:rPr lang="en-IN" sz="1600" dirty="0"/>
+              <a:t>🔸 Goal: Wants simplicity &amp; engagement</a:t>
+            </a:r>
+          </a:p>
+        </p:txBody>
+      </p:sp>
+    </p:spTree>
+    <p:extLst>
+      <p:ext uri="{BB962C8B-B14F-4D97-AF65-F5344CB8AC3E}">
+        <p14:creationId xmlns:p14="http://schemas.microsoft.com/office/powerpoint/2010/main" val="1845298979"/>
+      </p:ext>
+    </p:extLst>
+  </p:cSld>
+  <p:clrMapOvr>
+    <a:masterClrMapping/>
+  </p:clrMapOvr>
+</p:sld>
+</file>
+
+<file path=ppt/slides/slide9.xml><?xml version="1.0" encoding="utf-8"?>
+<p:sld xmlns:a="http://schemas.openxmlformats.org/drawingml/2006/main" xmlns:r="http://schemas.openxmlformats.org/officeDocument/2006/relationships" xmlns:p="http://schemas.openxmlformats.org/presentationml/2006/main">
+  <p:cSld>
+    <p:bg>
+      <p:bgPr>
+        <a:solidFill>
+          <a:schemeClr val="accent3">
+            <a:lumMod val="25000"/>
+            <a:lumOff val="75000"/>
+          </a:schemeClr>
+        </a:solidFill>
+        <a:effectLst/>
+      </p:bgPr>
+    </p:bg>
+    <p:spTree>
+      <p:nvGrpSpPr>
+        <p:cNvPr id="1" name=""/>
+        <p:cNvGrpSpPr/>
+        <p:nvPr/>
+      </p:nvGrpSpPr>
+      <p:grpSpPr>
+        <a:xfrm>
+          <a:off x="0" y="0"/>
+          <a:ext cx="0" cy="0"/>
+          <a:chOff x="0" y="0"/>
+          <a:chExt cx="0" cy="0"/>
+        </a:xfrm>
+      </p:grpSpPr>
+      <p:sp>
+        <p:nvSpPr>
+          <p:cNvPr id="2" name="Title 1">
+            <a:extLst>
+              <a:ext uri="{FF2B5EF4-FFF2-40B4-BE49-F238E27FC236}">
+                <a16:creationId xmlns:a16="http://schemas.microsoft.com/office/drawing/2014/main" id="{20C41E1D-5F01-411F-5823-2CC5B04AB192}"/>
+              </a:ext>
+            </a:extLst>
+          </p:cNvPr>
+          <p:cNvSpPr>
+            <a:spLocks noGrp="1"/>
+          </p:cNvSpPr>
+          <p:nvPr>
+            <p:ph type="title"/>
+          </p:nvPr>
+        </p:nvSpPr>
+        <p:spPr/>
+        <p:txBody>
+          <a:bodyPr/>
+          <a:lstStyle/>
+          <a:p>
+            <a:r>
+              <a:rPr lang="en-US" dirty="0"/>
+              <a:t>🗣️ </a:t>
+            </a:r>
+            <a:r>
+              <a:rPr lang="en-US" b="1" dirty="0"/>
+              <a:t>INTERVIEW QUESTIONS</a:t>
+            </a:r>
+            <a:r>
+              <a:rPr lang="en-US" dirty="0"/>
+              <a:t> ❓</a:t>
+            </a:r>
+            <a:br>
+              <a:rPr lang="en-US" dirty="0"/>
+            </a:br>
+            <a:endParaRPr lang="en-IN" dirty="0"/>
+          </a:p>
+        </p:txBody>
+      </p:sp>
+      <p:sp>
+        <p:nvSpPr>
+          <p:cNvPr id="4" name="TextBox 3">
+            <a:extLst>
+              <a:ext uri="{FF2B5EF4-FFF2-40B4-BE49-F238E27FC236}">
+                <a16:creationId xmlns:a16="http://schemas.microsoft.com/office/drawing/2014/main" id="{4906506A-7327-311F-7B43-E576A5C634D3}"/>
+              </a:ext>
+            </a:extLst>
+          </p:cNvPr>
+          <p:cNvSpPr txBox="1"/>
+          <p:nvPr/>
+        </p:nvSpPr>
+        <p:spPr>
+          <a:xfrm>
+            <a:off x="0" y="1794337"/>
+            <a:ext cx="4715933" cy="2308324"/>
+          </a:xfrm>
+          <a:prstGeom prst="rect">
+            <a:avLst/>
+          </a:prstGeom>
+          <a:noFill/>
+        </p:spPr>
+        <p:txBody>
+          <a:bodyPr wrap="square">
+            <a:spAutoFit/>
+          </a:bodyPr>
+          <a:lstStyle/>
+          <a:p>
+            <a:pPr>
+              <a:buNone/>
+            </a:pPr>
+            <a:endParaRPr lang="en-US" sz="1600" dirty="0"/>
+          </a:p>
+          <a:p>
+            <a:pPr>
+              <a:buNone/>
+            </a:pPr>
+            <a:r>
+              <a:rPr lang="en-US" sz="1600" dirty="0"/>
+              <a:t>👩‍🍳 To Homemakers:</a:t>
+            </a:r>
+          </a:p>
+          <a:p>
+            <a:pPr>
+              <a:buNone/>
+            </a:pPr>
+            <a:endParaRPr lang="en-US" sz="1600" dirty="0"/>
+          </a:p>
+          <a:p>
+            <a:pPr>
+              <a:buFont typeface="Arial" panose="020B0604020202020204" pitchFamily="34" charset="0"/>
+              <a:buChar char="•"/>
+            </a:pPr>
+            <a:r>
+              <a:rPr lang="en-US" sz="1600" dirty="0"/>
+              <a:t>How do you dispose of your household waste daily? 🗑️</a:t>
+            </a:r>
+          </a:p>
+          <a:p>
+            <a:pPr>
+              <a:buFont typeface="Arial" panose="020B0604020202020204" pitchFamily="34" charset="0"/>
+              <a:buChar char="•"/>
+            </a:pPr>
+            <a:r>
+              <a:rPr lang="en-US" sz="1600" dirty="0"/>
+              <a:t>Do you separate it? Why/why not?</a:t>
+            </a:r>
+          </a:p>
+          <a:p>
+            <a:pPr>
+              <a:buFont typeface="Arial" panose="020B0604020202020204" pitchFamily="34" charset="0"/>
+              <a:buChar char="•"/>
+            </a:pPr>
+            <a:r>
+              <a:rPr lang="en-US" sz="1600" dirty="0"/>
+              <a:t>What makes it hard or easy for you?</a:t>
+            </a:r>
+          </a:p>
+          <a:p>
+            <a:pPr>
+              <a:buFont typeface="Arial" panose="020B0604020202020204" pitchFamily="34" charset="0"/>
+              <a:buChar char="•"/>
+            </a:pPr>
+            <a:r>
+              <a:rPr lang="en-US" sz="1600" dirty="0"/>
+              <a:t>What would help you do it better? ✅</a:t>
+            </a:r>
+          </a:p>
+          <a:p>
+            <a:pPr>
+              <a:buFont typeface="Arial" panose="020B0604020202020204" pitchFamily="34" charset="0"/>
+              <a:buChar char="•"/>
+            </a:pPr>
+            <a:endParaRPr lang="en-US" sz="1600" dirty="0"/>
+          </a:p>
+        </p:txBody>
+      </p:sp>
+      <p:sp>
+        <p:nvSpPr>
+          <p:cNvPr id="5" name="TextBox 4">
+            <a:extLst>
+              <a:ext uri="{FF2B5EF4-FFF2-40B4-BE49-F238E27FC236}">
+                <a16:creationId xmlns:a16="http://schemas.microsoft.com/office/drawing/2014/main" id="{7F1100CD-16AC-9C03-6858-512E9905E138}"/>
+              </a:ext>
+            </a:extLst>
+          </p:cNvPr>
+          <p:cNvSpPr txBox="1"/>
+          <p:nvPr/>
+        </p:nvSpPr>
+        <p:spPr>
+          <a:xfrm>
+            <a:off x="5029200" y="2040559"/>
+            <a:ext cx="3803100" cy="1815882"/>
+          </a:xfrm>
+          <a:prstGeom prst="rect">
+            <a:avLst/>
+          </a:prstGeom>
+          <a:noFill/>
+        </p:spPr>
+        <p:txBody>
+          <a:bodyPr wrap="square" rtlCol="0">
+            <a:spAutoFit/>
+          </a:bodyPr>
+          <a:lstStyle/>
+          <a:p>
+            <a:pPr>
+              <a:buNone/>
+            </a:pPr>
+            <a:r>
+              <a:rPr lang="en-US" sz="1600" dirty="0"/>
+              <a:t>🎓 To Students:</a:t>
+            </a:r>
+          </a:p>
+          <a:p>
+            <a:pPr>
+              <a:buNone/>
+            </a:pPr>
+            <a:endParaRPr lang="en-US" sz="1600" dirty="0"/>
+          </a:p>
+          <a:p>
+            <a:pPr>
+              <a:buFont typeface="Arial" panose="020B0604020202020204" pitchFamily="34" charset="0"/>
+              <a:buChar char="•"/>
+            </a:pPr>
+            <a:r>
+              <a:rPr lang="en-US" sz="1600" dirty="0"/>
+              <a:t>Do you know about wet/dry waste? 📚</a:t>
+            </a:r>
+          </a:p>
+          <a:p>
+            <a:pPr>
+              <a:buFont typeface="Arial" panose="020B0604020202020204" pitchFamily="34" charset="0"/>
+              <a:buChar char="•"/>
+            </a:pPr>
+            <a:r>
+              <a:rPr lang="en-US" sz="1600" dirty="0"/>
+              <a:t>Do you segregate it?</a:t>
+            </a:r>
+          </a:p>
+          <a:p>
+            <a:pPr>
+              <a:buFont typeface="Arial" panose="020B0604020202020204" pitchFamily="34" charset="0"/>
+              <a:buChar char="•"/>
+            </a:pPr>
+            <a:r>
+              <a:rPr lang="en-US" sz="1600" dirty="0"/>
+              <a:t>What would make it fun or rewarding? 🎯</a:t>
+            </a:r>
+          </a:p>
+          <a:p>
+            <a:pPr>
+              <a:buFont typeface="Arial" panose="020B0604020202020204" pitchFamily="34" charset="0"/>
+              <a:buChar char="•"/>
+            </a:pPr>
+            <a:r>
+              <a:rPr lang="en-US" sz="1600" dirty="0"/>
+              <a:t>Would you use an app for this?</a:t>
+            </a:r>
+          </a:p>
+        </p:txBody>
+      </p:sp>
+    </p:spTree>
+    <p:extLst>
+      <p:ext uri="{BB962C8B-B14F-4D97-AF65-F5344CB8AC3E}">
+        <p14:creationId xmlns:p14="http://schemas.microsoft.com/office/powerpoint/2010/main" val="305697632"/>
+      </p:ext>
+    </p:extLst>
   </p:cSld>
   <p:clrMapOvr>
     <a:masterClrMapping/>

--- a/public/team_presentations/team_13_presentation.pptx
+++ b/public/team_presentations/team_13_presentation.pptx
@@ -5,7 +5,7 @@
     <p:sldMasterId id="2147483693" r:id="rId1"/>
   </p:sldMasterIdLst>
   <p:notesMasterIdLst>
-    <p:notesMasterId r:id="rId20"/>
+    <p:notesMasterId r:id="rId22"/>
   </p:notesMasterIdLst>
   <p:sldIdLst>
     <p:sldId id="256" r:id="rId2"/>
@@ -16,58 +16,60 @@
     <p:sldId id="261" r:id="rId7"/>
     <p:sldId id="282" r:id="rId8"/>
     <p:sldId id="283" r:id="rId9"/>
-    <p:sldId id="284" r:id="rId10"/>
-    <p:sldId id="278" r:id="rId11"/>
-    <p:sldId id="279" r:id="rId12"/>
-    <p:sldId id="272" r:id="rId13"/>
-    <p:sldId id="280" r:id="rId14"/>
-    <p:sldId id="285" r:id="rId15"/>
-    <p:sldId id="273" r:id="rId16"/>
-    <p:sldId id="274" r:id="rId17"/>
-    <p:sldId id="275" r:id="rId18"/>
-    <p:sldId id="276" r:id="rId19"/>
+    <p:sldId id="286" r:id="rId10"/>
+    <p:sldId id="284" r:id="rId11"/>
+    <p:sldId id="287" r:id="rId12"/>
+    <p:sldId id="278" r:id="rId13"/>
+    <p:sldId id="279" r:id="rId14"/>
+    <p:sldId id="272" r:id="rId15"/>
+    <p:sldId id="280" r:id="rId16"/>
+    <p:sldId id="285" r:id="rId17"/>
+    <p:sldId id="273" r:id="rId18"/>
+    <p:sldId id="274" r:id="rId19"/>
+    <p:sldId id="275" r:id="rId20"/>
+    <p:sldId id="276" r:id="rId21"/>
   </p:sldIdLst>
   <p:sldSz cx="9144000" cy="5143500" type="screen16x9"/>
   <p:notesSz cx="6858000" cy="9144000"/>
   <p:embeddedFontLst>
     <p:embeddedFont>
       <p:font typeface="Algerian" panose="04020705040A02060702" pitchFamily="82" charset="0"/>
-      <p:regular r:id="rId21"/>
+      <p:regular r:id="rId23"/>
     </p:embeddedFont>
     <p:embeddedFont>
       <p:font typeface="Arial Narrow" panose="020B0606020202030204" pitchFamily="34" charset="0"/>
-      <p:regular r:id="rId22"/>
-      <p:bold r:id="rId23"/>
-      <p:italic r:id="rId24"/>
-      <p:boldItalic r:id="rId25"/>
+      <p:regular r:id="rId24"/>
+      <p:bold r:id="rId25"/>
+      <p:italic r:id="rId26"/>
+      <p:boldItalic r:id="rId27"/>
     </p:embeddedFont>
     <p:embeddedFont>
       <p:font typeface="Roboto Serif" panose="020B0604020202020204" charset="0"/>
-      <p:regular r:id="rId26"/>
-      <p:bold r:id="rId27"/>
-      <p:italic r:id="rId28"/>
-      <p:boldItalic r:id="rId29"/>
+      <p:regular r:id="rId28"/>
+      <p:bold r:id="rId29"/>
+      <p:italic r:id="rId30"/>
+      <p:boldItalic r:id="rId31"/>
     </p:embeddedFont>
     <p:embeddedFont>
       <p:font typeface="Roboto Serif Medium" panose="020B0604020202020204" charset="0"/>
-      <p:regular r:id="rId30"/>
-      <p:bold r:id="rId31"/>
-      <p:italic r:id="rId32"/>
-      <p:boldItalic r:id="rId33"/>
+      <p:regular r:id="rId32"/>
+      <p:bold r:id="rId33"/>
+      <p:italic r:id="rId34"/>
+      <p:boldItalic r:id="rId35"/>
     </p:embeddedFont>
     <p:embeddedFont>
       <p:font typeface="Work Sans" pitchFamily="2" charset="0"/>
-      <p:regular r:id="rId34"/>
-      <p:bold r:id="rId35"/>
-      <p:italic r:id="rId36"/>
-      <p:boldItalic r:id="rId37"/>
+      <p:regular r:id="rId36"/>
+      <p:bold r:id="rId37"/>
+      <p:italic r:id="rId38"/>
+      <p:boldItalic r:id="rId39"/>
     </p:embeddedFont>
     <p:embeddedFont>
       <p:font typeface="Work Sans Medium" pitchFamily="2" charset="0"/>
-      <p:regular r:id="rId38"/>
-      <p:bold r:id="rId39"/>
-      <p:italic r:id="rId40"/>
-      <p:boldItalic r:id="rId41"/>
+      <p:regular r:id="rId40"/>
+      <p:bold r:id="rId41"/>
+      <p:italic r:id="rId42"/>
+      <p:boldItalic r:id="rId43"/>
     </p:embeddedFont>
   </p:embeddedFontLst>
   <p:defaultTextStyle>
@@ -56048,6 +56050,536 @@
     <p:bg>
       <p:bgPr>
         <a:solidFill>
+          <a:schemeClr val="accent3">
+            <a:lumMod val="25000"/>
+            <a:lumOff val="75000"/>
+          </a:schemeClr>
+        </a:solidFill>
+        <a:effectLst/>
+      </p:bgPr>
+    </p:bg>
+    <p:spTree>
+      <p:nvGrpSpPr>
+        <p:cNvPr id="1" name=""/>
+        <p:cNvGrpSpPr/>
+        <p:nvPr/>
+      </p:nvGrpSpPr>
+      <p:grpSpPr>
+        <a:xfrm>
+          <a:off x="0" y="0"/>
+          <a:ext cx="0" cy="0"/>
+          <a:chOff x="0" y="0"/>
+          <a:chExt cx="0" cy="0"/>
+        </a:xfrm>
+      </p:grpSpPr>
+      <p:sp>
+        <p:nvSpPr>
+          <p:cNvPr id="2" name="Title 1">
+            <a:extLst>
+              <a:ext uri="{FF2B5EF4-FFF2-40B4-BE49-F238E27FC236}">
+                <a16:creationId xmlns:a16="http://schemas.microsoft.com/office/drawing/2014/main" id="{20C41E1D-5F01-411F-5823-2CC5B04AB192}"/>
+              </a:ext>
+            </a:extLst>
+          </p:cNvPr>
+          <p:cNvSpPr>
+            <a:spLocks noGrp="1"/>
+          </p:cNvSpPr>
+          <p:nvPr>
+            <p:ph type="title"/>
+          </p:nvPr>
+        </p:nvSpPr>
+        <p:spPr/>
+        <p:txBody>
+          <a:bodyPr/>
+          <a:lstStyle/>
+          <a:p>
+            <a:r>
+              <a:rPr lang="en-US" dirty="0"/>
+              <a:t>🗣️ </a:t>
+            </a:r>
+            <a:r>
+              <a:rPr lang="en-US" b="1" dirty="0"/>
+              <a:t>INTERVIEW QUESTIONS</a:t>
+            </a:r>
+            <a:r>
+              <a:rPr lang="en-US" dirty="0"/>
+              <a:t> ❓</a:t>
+            </a:r>
+            <a:br>
+              <a:rPr lang="en-US" dirty="0"/>
+            </a:br>
+            <a:endParaRPr lang="en-IN" dirty="0"/>
+          </a:p>
+        </p:txBody>
+      </p:sp>
+      <p:sp>
+        <p:nvSpPr>
+          <p:cNvPr id="4" name="TextBox 3">
+            <a:extLst>
+              <a:ext uri="{FF2B5EF4-FFF2-40B4-BE49-F238E27FC236}">
+                <a16:creationId xmlns:a16="http://schemas.microsoft.com/office/drawing/2014/main" id="{4906506A-7327-311F-7B43-E576A5C634D3}"/>
+              </a:ext>
+            </a:extLst>
+          </p:cNvPr>
+          <p:cNvSpPr txBox="1"/>
+          <p:nvPr/>
+        </p:nvSpPr>
+        <p:spPr>
+          <a:xfrm>
+            <a:off x="0" y="1794337"/>
+            <a:ext cx="4715933" cy="2308324"/>
+          </a:xfrm>
+          <a:prstGeom prst="rect">
+            <a:avLst/>
+          </a:prstGeom>
+          <a:noFill/>
+        </p:spPr>
+        <p:txBody>
+          <a:bodyPr wrap="square">
+            <a:spAutoFit/>
+          </a:bodyPr>
+          <a:lstStyle/>
+          <a:p>
+            <a:pPr>
+              <a:buNone/>
+            </a:pPr>
+            <a:endParaRPr lang="en-US" sz="1600" dirty="0"/>
+          </a:p>
+          <a:p>
+            <a:pPr>
+              <a:buNone/>
+            </a:pPr>
+            <a:r>
+              <a:rPr lang="en-US" sz="1600" dirty="0"/>
+              <a:t>👩‍🍳 To Homemakers:</a:t>
+            </a:r>
+          </a:p>
+          <a:p>
+            <a:pPr>
+              <a:buNone/>
+            </a:pPr>
+            <a:endParaRPr lang="en-US" sz="1600" dirty="0"/>
+          </a:p>
+          <a:p>
+            <a:pPr>
+              <a:buFont typeface="Arial" panose="020B0604020202020204" pitchFamily="34" charset="0"/>
+              <a:buChar char="•"/>
+            </a:pPr>
+            <a:r>
+              <a:rPr lang="en-US" sz="1600" dirty="0"/>
+              <a:t>How do you dispose of your household waste daily? 🗑️</a:t>
+            </a:r>
+          </a:p>
+          <a:p>
+            <a:pPr>
+              <a:buFont typeface="Arial" panose="020B0604020202020204" pitchFamily="34" charset="0"/>
+              <a:buChar char="•"/>
+            </a:pPr>
+            <a:r>
+              <a:rPr lang="en-US" sz="1600" dirty="0"/>
+              <a:t>Do you separate it? Why/why not?</a:t>
+            </a:r>
+          </a:p>
+          <a:p>
+            <a:pPr>
+              <a:buFont typeface="Arial" panose="020B0604020202020204" pitchFamily="34" charset="0"/>
+              <a:buChar char="•"/>
+            </a:pPr>
+            <a:r>
+              <a:rPr lang="en-US" sz="1600" dirty="0"/>
+              <a:t>What makes it hard or easy for you?</a:t>
+            </a:r>
+          </a:p>
+          <a:p>
+            <a:pPr>
+              <a:buFont typeface="Arial" panose="020B0604020202020204" pitchFamily="34" charset="0"/>
+              <a:buChar char="•"/>
+            </a:pPr>
+            <a:r>
+              <a:rPr lang="en-US" sz="1600" dirty="0"/>
+              <a:t>What would help you do it better? ✅</a:t>
+            </a:r>
+          </a:p>
+          <a:p>
+            <a:pPr>
+              <a:buFont typeface="Arial" panose="020B0604020202020204" pitchFamily="34" charset="0"/>
+              <a:buChar char="•"/>
+            </a:pPr>
+            <a:endParaRPr lang="en-US" sz="1600" dirty="0"/>
+          </a:p>
+        </p:txBody>
+      </p:sp>
+      <p:sp>
+        <p:nvSpPr>
+          <p:cNvPr id="5" name="TextBox 4">
+            <a:extLst>
+              <a:ext uri="{FF2B5EF4-FFF2-40B4-BE49-F238E27FC236}">
+                <a16:creationId xmlns:a16="http://schemas.microsoft.com/office/drawing/2014/main" id="{7F1100CD-16AC-9C03-6858-512E9905E138}"/>
+              </a:ext>
+            </a:extLst>
+          </p:cNvPr>
+          <p:cNvSpPr txBox="1"/>
+          <p:nvPr/>
+        </p:nvSpPr>
+        <p:spPr>
+          <a:xfrm>
+            <a:off x="5029200" y="2040559"/>
+            <a:ext cx="3803100" cy="1815882"/>
+          </a:xfrm>
+          <a:prstGeom prst="rect">
+            <a:avLst/>
+          </a:prstGeom>
+          <a:noFill/>
+        </p:spPr>
+        <p:txBody>
+          <a:bodyPr wrap="square" rtlCol="0">
+            <a:spAutoFit/>
+          </a:bodyPr>
+          <a:lstStyle/>
+          <a:p>
+            <a:pPr>
+              <a:buNone/>
+            </a:pPr>
+            <a:r>
+              <a:rPr lang="en-US" sz="1600" dirty="0"/>
+              <a:t>🎓 To Students:</a:t>
+            </a:r>
+          </a:p>
+          <a:p>
+            <a:pPr>
+              <a:buNone/>
+            </a:pPr>
+            <a:endParaRPr lang="en-US" sz="1600" dirty="0"/>
+          </a:p>
+          <a:p>
+            <a:pPr>
+              <a:buFont typeface="Arial" panose="020B0604020202020204" pitchFamily="34" charset="0"/>
+              <a:buChar char="•"/>
+            </a:pPr>
+            <a:r>
+              <a:rPr lang="en-US" sz="1600" dirty="0"/>
+              <a:t>Do you know about wet/dry waste? 📚</a:t>
+            </a:r>
+          </a:p>
+          <a:p>
+            <a:pPr>
+              <a:buFont typeface="Arial" panose="020B0604020202020204" pitchFamily="34" charset="0"/>
+              <a:buChar char="•"/>
+            </a:pPr>
+            <a:r>
+              <a:rPr lang="en-US" sz="1600" dirty="0"/>
+              <a:t>Do you segregate it?</a:t>
+            </a:r>
+          </a:p>
+          <a:p>
+            <a:pPr>
+              <a:buFont typeface="Arial" panose="020B0604020202020204" pitchFamily="34" charset="0"/>
+              <a:buChar char="•"/>
+            </a:pPr>
+            <a:r>
+              <a:rPr lang="en-US" sz="1600" dirty="0"/>
+              <a:t>What would make it fun or rewarding? 🎯</a:t>
+            </a:r>
+          </a:p>
+          <a:p>
+            <a:pPr>
+              <a:buFont typeface="Arial" panose="020B0604020202020204" pitchFamily="34" charset="0"/>
+              <a:buChar char="•"/>
+            </a:pPr>
+            <a:r>
+              <a:rPr lang="en-US" sz="1600" dirty="0"/>
+              <a:t>Would you use an app for this?</a:t>
+            </a:r>
+          </a:p>
+        </p:txBody>
+      </p:sp>
+    </p:spTree>
+    <p:extLst>
+      <p:ext uri="{BB962C8B-B14F-4D97-AF65-F5344CB8AC3E}">
+        <p14:creationId xmlns:p14="http://schemas.microsoft.com/office/powerpoint/2010/main" val="305697632"/>
+      </p:ext>
+    </p:extLst>
+  </p:cSld>
+  <p:clrMapOvr>
+    <a:masterClrMapping/>
+  </p:clrMapOvr>
+</p:sld>
+</file>
+
+<file path=ppt/slides/slide11.xml><?xml version="1.0" encoding="utf-8"?>
+<p:sld xmlns:a="http://schemas.openxmlformats.org/drawingml/2006/main" xmlns:r="http://schemas.openxmlformats.org/officeDocument/2006/relationships" xmlns:p="http://schemas.openxmlformats.org/presentationml/2006/main">
+  <p:cSld>
+    <p:bg>
+      <p:bgPr>
+        <a:solidFill>
+          <a:schemeClr val="tx2">
+            <a:lumMod val="40000"/>
+            <a:lumOff val="60000"/>
+          </a:schemeClr>
+        </a:solidFill>
+        <a:effectLst/>
+      </p:bgPr>
+    </p:bg>
+    <p:spTree>
+      <p:nvGrpSpPr>
+        <p:cNvPr id="1" name=""/>
+        <p:cNvGrpSpPr/>
+        <p:nvPr/>
+      </p:nvGrpSpPr>
+      <p:grpSpPr>
+        <a:xfrm>
+          <a:off x="0" y="0"/>
+          <a:ext cx="0" cy="0"/>
+          <a:chOff x="0" y="0"/>
+          <a:chExt cx="0" cy="0"/>
+        </a:xfrm>
+      </p:grpSpPr>
+      <p:sp>
+        <p:nvSpPr>
+          <p:cNvPr id="4" name="TextBox 3">
+            <a:extLst>
+              <a:ext uri="{FF2B5EF4-FFF2-40B4-BE49-F238E27FC236}">
+                <a16:creationId xmlns:a16="http://schemas.microsoft.com/office/drawing/2014/main" id="{2D3050CD-6612-2F68-B030-93BB5C13971E}"/>
+              </a:ext>
+            </a:extLst>
+          </p:cNvPr>
+          <p:cNvSpPr txBox="1"/>
+          <p:nvPr/>
+        </p:nvSpPr>
+        <p:spPr>
+          <a:xfrm>
+            <a:off x="-57150" y="1012371"/>
+            <a:ext cx="4751614" cy="2677656"/>
+          </a:xfrm>
+          <a:prstGeom prst="rect">
+            <a:avLst/>
+          </a:prstGeom>
+          <a:noFill/>
+        </p:spPr>
+        <p:txBody>
+          <a:bodyPr wrap="square" rtlCol="0">
+            <a:spAutoFit/>
+          </a:bodyPr>
+          <a:lstStyle/>
+          <a:p>
+            <a:pPr>
+              <a:buNone/>
+            </a:pPr>
+            <a:r>
+              <a:rPr lang="en-US" sz="1600" dirty="0"/>
+              <a:t>👷‍♂️ </a:t>
+            </a:r>
+            <a:r>
+              <a:rPr lang="en-US" sz="1600" b="1" dirty="0"/>
+              <a:t>To Sanitation Workers</a:t>
+            </a:r>
+          </a:p>
+          <a:p>
+            <a:pPr>
+              <a:buNone/>
+            </a:pPr>
+            <a:endParaRPr lang="en-US" b="1" dirty="0"/>
+          </a:p>
+          <a:p>
+            <a:pPr>
+              <a:buNone/>
+            </a:pPr>
+            <a:endParaRPr lang="en-US" b="1" dirty="0"/>
+          </a:p>
+          <a:p>
+            <a:pPr>
+              <a:buNone/>
+            </a:pPr>
+            <a:endParaRPr lang="en-US" dirty="0"/>
+          </a:p>
+          <a:p>
+            <a:pPr marL="285750" indent="-285750">
+              <a:buFont typeface="Arial" panose="020B0604020202020204" pitchFamily="34" charset="0"/>
+              <a:buChar char="•"/>
+            </a:pPr>
+            <a:r>
+              <a:rPr lang="en-US" sz="1600" dirty="0"/>
+              <a:t>🗑️ What problems do you face during collection?</a:t>
+            </a:r>
+          </a:p>
+          <a:p>
+            <a:pPr marL="285750" indent="-285750">
+              <a:buFont typeface="Arial" panose="020B0604020202020204" pitchFamily="34" charset="0"/>
+              <a:buChar char="•"/>
+            </a:pPr>
+            <a:r>
+              <a:rPr lang="en-US" sz="1600" dirty="0"/>
+              <a:t>🤢 How often is the waste mixed?</a:t>
+            </a:r>
+          </a:p>
+          <a:p>
+            <a:pPr marL="285750" indent="-285750">
+              <a:buFont typeface="Arial" panose="020B0604020202020204" pitchFamily="34" charset="0"/>
+              <a:buChar char="•"/>
+            </a:pPr>
+            <a:r>
+              <a:rPr lang="en-US" sz="1600" dirty="0"/>
+              <a:t>🙏 How can people help you?</a:t>
+            </a:r>
+          </a:p>
+          <a:p>
+            <a:pPr marL="285750" indent="-285750">
+              <a:buFont typeface="Arial" panose="020B0604020202020204" pitchFamily="34" charset="0"/>
+              <a:buChar char="•"/>
+            </a:pPr>
+            <a:r>
+              <a:rPr lang="en-US" sz="1600" dirty="0"/>
+              <a:t>💡 Have you seen any good solutions?</a:t>
+            </a:r>
+          </a:p>
+          <a:p>
+            <a:pPr marL="285750" indent="-285750">
+              <a:buFont typeface="Arial" panose="020B0604020202020204" pitchFamily="34" charset="0"/>
+              <a:buChar char="•"/>
+            </a:pPr>
+            <a:r>
+              <a:rPr lang="en-US" sz="1600" dirty="0"/>
+              <a:t>🛠️ Do you get tools or safety gear?</a:t>
+            </a:r>
+          </a:p>
+          <a:p>
+            <a:endParaRPr lang="en-IN" dirty="0"/>
+          </a:p>
+        </p:txBody>
+      </p:sp>
+      <p:sp>
+        <p:nvSpPr>
+          <p:cNvPr id="6" name="TextBox 5">
+            <a:extLst>
+              <a:ext uri="{FF2B5EF4-FFF2-40B4-BE49-F238E27FC236}">
+                <a16:creationId xmlns:a16="http://schemas.microsoft.com/office/drawing/2014/main" id="{4BFC7935-0738-958B-D052-B1A0125EFD41}"/>
+              </a:ext>
+            </a:extLst>
+          </p:cNvPr>
+          <p:cNvSpPr txBox="1"/>
+          <p:nvPr/>
+        </p:nvSpPr>
+        <p:spPr>
+          <a:xfrm>
+            <a:off x="4571999" y="1012371"/>
+            <a:ext cx="4433207" cy="3016210"/>
+          </a:xfrm>
+          <a:prstGeom prst="rect">
+            <a:avLst/>
+          </a:prstGeom>
+          <a:noFill/>
+        </p:spPr>
+        <p:txBody>
+          <a:bodyPr wrap="square" rtlCol="0">
+            <a:spAutoFit/>
+          </a:bodyPr>
+          <a:lstStyle/>
+          <a:p>
+            <a:pPr>
+              <a:buNone/>
+            </a:pPr>
+            <a:r>
+              <a:rPr lang="en-US" sz="1600" dirty="0"/>
+              <a:t>🏢 </a:t>
+            </a:r>
+            <a:r>
+              <a:rPr lang="en-US" sz="1600" b="1" dirty="0"/>
+              <a:t>To Municipal Officers</a:t>
+            </a:r>
+          </a:p>
+          <a:p>
+            <a:pPr>
+              <a:buNone/>
+            </a:pPr>
+            <a:endParaRPr lang="en-US" sz="1600" b="1" dirty="0"/>
+          </a:p>
+          <a:p>
+            <a:pPr>
+              <a:buNone/>
+            </a:pPr>
+            <a:endParaRPr lang="en-US" sz="1600" b="1" dirty="0"/>
+          </a:p>
+          <a:p>
+            <a:pPr marL="285750" indent="-285750">
+              <a:buFont typeface="Arial" panose="020B0604020202020204" pitchFamily="34" charset="0"/>
+              <a:buChar char="•"/>
+            </a:pPr>
+            <a:endParaRPr lang="en-US" sz="1600" dirty="0"/>
+          </a:p>
+          <a:p>
+            <a:pPr marL="285750" indent="-285750">
+              <a:buFont typeface="Arial" panose="020B0604020202020204" pitchFamily="34" charset="0"/>
+              <a:buChar char="•"/>
+            </a:pPr>
+            <a:r>
+              <a:rPr lang="en-US" sz="1600" dirty="0"/>
+              <a:t>📊 What is the main challenge in waste management?</a:t>
+            </a:r>
+          </a:p>
+          <a:p>
+            <a:pPr marL="285750" indent="-285750">
+              <a:buFont typeface="Arial" panose="020B0604020202020204" pitchFamily="34" charset="0"/>
+              <a:buChar char="•"/>
+            </a:pPr>
+            <a:r>
+              <a:rPr lang="en-US" sz="1600" dirty="0"/>
+              <a:t>📉 Is segregation improving or not?</a:t>
+            </a:r>
+          </a:p>
+          <a:p>
+            <a:pPr marL="285750" indent="-285750">
+              <a:buFont typeface="Arial" panose="020B0604020202020204" pitchFamily="34" charset="0"/>
+              <a:buChar char="•"/>
+            </a:pPr>
+            <a:r>
+              <a:rPr lang="en-US" sz="1600" dirty="0"/>
+              <a:t>🙋‍♂️ What do you expect from the public?</a:t>
+            </a:r>
+          </a:p>
+          <a:p>
+            <a:pPr marL="285750" indent="-285750">
+              <a:buFont typeface="Arial" panose="020B0604020202020204" pitchFamily="34" charset="0"/>
+              <a:buChar char="•"/>
+            </a:pPr>
+            <a:r>
+              <a:rPr lang="en-US" sz="1600" dirty="0"/>
+              <a:t>⚙️ What technology are you using now?</a:t>
+            </a:r>
+          </a:p>
+          <a:p>
+            <a:pPr marL="285750" indent="-285750">
+              <a:buFont typeface="Arial" panose="020B0604020202020204" pitchFamily="34" charset="0"/>
+              <a:buChar char="•"/>
+            </a:pPr>
+            <a:r>
+              <a:rPr lang="en-US" sz="1600" dirty="0"/>
+              <a:t>🚀 What support do you need to improve things?</a:t>
+            </a:r>
+          </a:p>
+          <a:p>
+            <a:endParaRPr lang="en-IN" dirty="0"/>
+          </a:p>
+        </p:txBody>
+      </p:sp>
+    </p:spTree>
+    <p:extLst>
+      <p:ext uri="{BB962C8B-B14F-4D97-AF65-F5344CB8AC3E}">
+        <p14:creationId xmlns:p14="http://schemas.microsoft.com/office/powerpoint/2010/main" val="2044489300"/>
+      </p:ext>
+    </p:extLst>
+  </p:cSld>
+  <p:clrMapOvr>
+    <a:masterClrMapping/>
+  </p:clrMapOvr>
+</p:sld>
+</file>
+
+<file path=ppt/slides/slide12.xml><?xml version="1.0" encoding="utf-8"?>
+<p:sld xmlns:a="http://schemas.openxmlformats.org/drawingml/2006/main" xmlns:r="http://schemas.openxmlformats.org/officeDocument/2006/relationships" xmlns:p="http://schemas.openxmlformats.org/presentationml/2006/main">
+  <p:cSld>
+    <p:bg>
+      <p:bgPr>
+        <a:solidFill>
           <a:schemeClr val="tx2">
             <a:lumMod val="60000"/>
             <a:lumOff val="40000"/>
@@ -56329,7 +56861,7 @@
 </p:sld>
 </file>
 
-<file path=ppt/slides/slide11.xml><?xml version="1.0" encoding="utf-8"?>
+<file path=ppt/slides/slide13.xml><?xml version="1.0" encoding="utf-8"?>
 <p:sld xmlns:a="http://schemas.openxmlformats.org/drawingml/2006/main" xmlns:r="http://schemas.openxmlformats.org/officeDocument/2006/relationships" xmlns:p="http://schemas.openxmlformats.org/presentationml/2006/main">
   <p:cSld>
     <p:bg>
@@ -56845,7 +57377,7 @@
 </p:sld>
 </file>
 
-<file path=ppt/slides/slide12.xml><?xml version="1.0" encoding="utf-8"?>
+<file path=ppt/slides/slide14.xml><?xml version="1.0" encoding="utf-8"?>
 <p:sld xmlns:a="http://schemas.openxmlformats.org/drawingml/2006/main" xmlns:r="http://schemas.openxmlformats.org/officeDocument/2006/relationships" xmlns:p="http://schemas.openxmlformats.org/presentationml/2006/main">
   <p:cSld>
     <p:bg>
@@ -57078,7 +57610,7 @@
 </p:sld>
 </file>
 
-<file path=ppt/slides/slide13.xml><?xml version="1.0" encoding="utf-8"?>
+<file path=ppt/slides/slide15.xml><?xml version="1.0" encoding="utf-8"?>
 <p:sld xmlns:a="http://schemas.openxmlformats.org/drawingml/2006/main" xmlns:r="http://schemas.openxmlformats.org/officeDocument/2006/relationships" xmlns:p="http://schemas.openxmlformats.org/presentationml/2006/main" showMasterSp="0">
   <p:cSld>
     <p:bg>
@@ -57447,7 +57979,7 @@
 </p:sld>
 </file>
 
-<file path=ppt/slides/slide14.xml><?xml version="1.0" encoding="utf-8"?>
+<file path=ppt/slides/slide16.xml><?xml version="1.0" encoding="utf-8"?>
 <p:sld xmlns:a="http://schemas.openxmlformats.org/drawingml/2006/main" xmlns:r="http://schemas.openxmlformats.org/officeDocument/2006/relationships" xmlns:p="http://schemas.openxmlformats.org/presentationml/2006/main">
   <p:cSld>
     <p:bg>
@@ -57644,7 +58176,7 @@
 </p:sld>
 </file>
 
-<file path=ppt/slides/slide15.xml><?xml version="1.0" encoding="utf-8"?>
+<file path=ppt/slides/slide17.xml><?xml version="1.0" encoding="utf-8"?>
 <p:sld xmlns:a="http://schemas.openxmlformats.org/drawingml/2006/main" xmlns:r="http://schemas.openxmlformats.org/officeDocument/2006/relationships" xmlns:p="http://schemas.openxmlformats.org/presentationml/2006/main">
   <p:cSld>
     <p:bg>
@@ -58210,7 +58742,7 @@
 </p:sld>
 </file>
 
-<file path=ppt/slides/slide16.xml><?xml version="1.0" encoding="utf-8"?>
+<file path=ppt/slides/slide18.xml><?xml version="1.0" encoding="utf-8"?>
 <p:sld xmlns:a="http://schemas.openxmlformats.org/drawingml/2006/main" xmlns:r="http://schemas.openxmlformats.org/officeDocument/2006/relationships" xmlns:p="http://schemas.openxmlformats.org/presentationml/2006/main">
   <p:cSld>
     <p:bg>
@@ -58627,7 +59159,7 @@
 </p:sld>
 </file>
 
-<file path=ppt/slides/slide17.xml><?xml version="1.0" encoding="utf-8"?>
+<file path=ppt/slides/slide19.xml><?xml version="1.0" encoding="utf-8"?>
 <p:sld xmlns:a="http://schemas.openxmlformats.org/drawingml/2006/main" xmlns:r="http://schemas.openxmlformats.org/officeDocument/2006/relationships" xmlns:p="http://schemas.openxmlformats.org/presentationml/2006/main">
   <p:cSld>
     <p:bg>
@@ -58954,123 +59486,6 @@
 </p:sld>
 </file>
 
-<file path=ppt/slides/slide18.xml><?xml version="1.0" encoding="utf-8"?>
-<p:sld xmlns:a="http://schemas.openxmlformats.org/drawingml/2006/main" xmlns:r="http://schemas.openxmlformats.org/officeDocument/2006/relationships" xmlns:p="http://schemas.openxmlformats.org/presentationml/2006/main">
-  <p:cSld>
-    <p:bg>
-      <p:bgPr>
-        <a:blipFill dpi="0" rotWithShape="1">
-          <a:blip r:embed="rId3">
-            <a:lum/>
-          </a:blip>
-          <a:srcRect/>
-          <a:stretch>
-            <a:fillRect t="-13000" b="-13000"/>
-          </a:stretch>
-        </a:blipFill>
-        <a:effectLst/>
-      </p:bgPr>
-    </p:bg>
-    <p:spTree>
-      <p:nvGrpSpPr>
-        <p:cNvPr id="1" name="Shape 644"/>
-        <p:cNvGrpSpPr/>
-        <p:nvPr/>
-      </p:nvGrpSpPr>
-      <p:grpSpPr>
-        <a:xfrm>
-          <a:off x="0" y="0"/>
-          <a:ext cx="0" cy="0"/>
-          <a:chOff x="0" y="0"/>
-          <a:chExt cx="0" cy="0"/>
-        </a:xfrm>
-      </p:grpSpPr>
-      <p:sp>
-        <p:nvSpPr>
-          <p:cNvPr id="3" name="TextBox 2">
-            <a:extLst>
-              <a:ext uri="{FF2B5EF4-FFF2-40B4-BE49-F238E27FC236}">
-                <a16:creationId xmlns:a16="http://schemas.microsoft.com/office/drawing/2014/main" id="{94A0DC45-116B-5C77-C124-A50C4B411571}"/>
-              </a:ext>
-            </a:extLst>
-          </p:cNvPr>
-          <p:cNvSpPr txBox="1"/>
-          <p:nvPr/>
-        </p:nvSpPr>
-        <p:spPr>
-          <a:xfrm>
-            <a:off x="2286000" y="1985170"/>
-            <a:ext cx="4572000" cy="1169551"/>
-          </a:xfrm>
-          <a:prstGeom prst="rect">
-            <a:avLst/>
-          </a:prstGeom>
-          <a:noFill/>
-        </p:spPr>
-        <p:txBody>
-          <a:bodyPr wrap="square">
-            <a:spAutoFit/>
-          </a:bodyPr>
-          <a:lstStyle/>
-          <a:p>
-            <a:pPr>
-              <a:buNone/>
-            </a:pPr>
-            <a:r>
-              <a:rPr lang="en-US" sz="1400"/>
-              <a:t>🎓 To Students:</a:t>
-            </a:r>
-          </a:p>
-          <a:p>
-            <a:pPr>
-              <a:buFont typeface="Arial" panose="020B0604020202020204" pitchFamily="34" charset="0"/>
-              <a:buChar char="•"/>
-            </a:pPr>
-            <a:r>
-              <a:rPr lang="en-US" sz="1400" dirty="0"/>
-              <a:t>Do you know about wet/dry waste? 📚</a:t>
-            </a:r>
-          </a:p>
-          <a:p>
-            <a:pPr>
-              <a:buFont typeface="Arial" panose="020B0604020202020204" pitchFamily="34" charset="0"/>
-              <a:buChar char="•"/>
-            </a:pPr>
-            <a:r>
-              <a:rPr lang="en-US" sz="1400" dirty="0"/>
-              <a:t>Do you segregate it?</a:t>
-            </a:r>
-          </a:p>
-          <a:p>
-            <a:pPr>
-              <a:buFont typeface="Arial" panose="020B0604020202020204" pitchFamily="34" charset="0"/>
-              <a:buChar char="•"/>
-            </a:pPr>
-            <a:r>
-              <a:rPr lang="en-US" sz="1400" dirty="0"/>
-              <a:t>What would make it fun or rewarding? 🎯</a:t>
-            </a:r>
-          </a:p>
-          <a:p>
-            <a:pPr>
-              <a:buFont typeface="Arial" panose="020B0604020202020204" pitchFamily="34" charset="0"/>
-              <a:buChar char="•"/>
-            </a:pPr>
-            <a:r>
-              <a:rPr lang="en-US" sz="1400" dirty="0"/>
-              <a:t>Would you use an app for this?</a:t>
-            </a:r>
-          </a:p>
-        </p:txBody>
-      </p:sp>
-    </p:spTree>
-  </p:cSld>
-  <p:clrMapOvr>
-    <a:masterClrMapping/>
-  </p:clrMapOvr>
-</p:sld>
-</file>
-
 <file path=ppt/slides/slide2.xml><?xml version="1.0" encoding="utf-8"?>
 <p:sld xmlns:a="http://schemas.openxmlformats.org/drawingml/2006/main" xmlns:r="http://schemas.openxmlformats.org/officeDocument/2006/relationships" xmlns:p="http://schemas.openxmlformats.org/presentationml/2006/main">
   <p:cSld>
@@ -59307,6 +59722,45 @@
         <p14:creationId xmlns:p14="http://schemas.microsoft.com/office/powerpoint/2010/main" val="4045479026"/>
       </p:ext>
     </p:extLst>
+  </p:cSld>
+  <p:clrMapOvr>
+    <a:masterClrMapping/>
+  </p:clrMapOvr>
+</p:sld>
+</file>
+
+<file path=ppt/slides/slide20.xml><?xml version="1.0" encoding="utf-8"?>
+<p:sld xmlns:a="http://schemas.openxmlformats.org/drawingml/2006/main" xmlns:r="http://schemas.openxmlformats.org/officeDocument/2006/relationships" xmlns:p="http://schemas.openxmlformats.org/presentationml/2006/main">
+  <p:cSld>
+    <p:bg>
+      <p:bgPr>
+        <a:blipFill dpi="0" rotWithShape="1">
+          <a:blip r:embed="rId3">
+            <a:lum/>
+          </a:blip>
+          <a:srcRect/>
+          <a:stretch>
+            <a:fillRect t="-13000" b="-13000"/>
+          </a:stretch>
+        </a:blipFill>
+        <a:effectLst/>
+      </p:bgPr>
+    </p:bg>
+    <p:spTree>
+      <p:nvGrpSpPr>
+        <p:cNvPr id="1" name="Shape 644"/>
+        <p:cNvGrpSpPr/>
+        <p:nvPr/>
+      </p:nvGrpSpPr>
+      <p:grpSpPr>
+        <a:xfrm>
+          <a:off x="0" y="0"/>
+          <a:ext cx="0" cy="0"/>
+          <a:chOff x="0" y="0"/>
+          <a:chExt cx="0" cy="0"/>
+        </a:xfrm>
+      </p:grpSpPr>
+    </p:spTree>
   </p:cSld>
   <p:clrMapOvr>
     <a:masterClrMapping/>
@@ -59398,7 +59852,7 @@
         </p:nvSpPr>
         <p:spPr>
           <a:xfrm>
-            <a:off x="4311073" y="1026170"/>
+            <a:off x="4311073" y="1064623"/>
             <a:ext cx="4409700" cy="542700"/>
           </a:xfrm>
           <a:prstGeom prst="rect">
@@ -59531,7 +59985,7 @@
         <p:spPr>
           <a:xfrm>
             <a:off x="4283350" y="3273875"/>
-            <a:ext cx="4409700" cy="1036500"/>
+            <a:ext cx="4409700" cy="636818"/>
           </a:xfrm>
           <a:prstGeom prst="rect">
             <a:avLst/>
@@ -59557,37 +60011,6 @@
             <a:r>
               <a:rPr lang="en" dirty="0"/>
               <a:t>PROTOTYPE EXPLANATION</a:t>
-            </a:r>
-          </a:p>
-          <a:p>
-            <a:pPr marL="457200" lvl="0" indent="-355600" algn="l" rtl="0">
-              <a:spcBef>
-                <a:spcPts val="0"/>
-              </a:spcBef>
-              <a:spcAft>
-                <a:spcPts val="0"/>
-              </a:spcAft>
-              <a:buSzPts val="2000"/>
-              <a:buFont typeface="Wingdings" panose="05000000000000000000" pitchFamily="2" charset="2"/>
-              <a:buChar char="v"/>
-            </a:pPr>
-            <a:endParaRPr lang="en" dirty="0"/>
-          </a:p>
-          <a:p>
-            <a:pPr marL="457200" lvl="0" indent="-355600" algn="l" rtl="0">
-              <a:spcBef>
-                <a:spcPts val="0"/>
-              </a:spcBef>
-              <a:spcAft>
-                <a:spcPts val="0"/>
-              </a:spcAft>
-              <a:buSzPts val="2000"/>
-              <a:buFont typeface="Wingdings" panose="05000000000000000000" pitchFamily="2" charset="2"/>
-              <a:buChar char="v"/>
-            </a:pPr>
-            <a:r>
-              <a:rPr lang="en" dirty="0"/>
-              <a:t>CONCLUSION </a:t>
             </a:r>
             <a:endParaRPr dirty="0"/>
           </a:p>
@@ -59712,6 +60135,94 @@
               <a:t>CONTENTS</a:t>
             </a:r>
             <a:endParaRPr lang="en-IN" sz="2800" dirty="0"/>
+          </a:p>
+        </p:txBody>
+      </p:sp>
+      <p:sp>
+        <p:nvSpPr>
+          <p:cNvPr id="2" name="TextBox 1">
+            <a:extLst>
+              <a:ext uri="{FF2B5EF4-FFF2-40B4-BE49-F238E27FC236}">
+                <a16:creationId xmlns:a16="http://schemas.microsoft.com/office/drawing/2014/main" id="{86E62342-1A06-4EC1-69C9-7EE7B5B0742A}"/>
+              </a:ext>
+            </a:extLst>
+          </p:cNvPr>
+          <p:cNvSpPr txBox="1"/>
+          <p:nvPr/>
+        </p:nvSpPr>
+        <p:spPr>
+          <a:xfrm>
+            <a:off x="4400550" y="3940501"/>
+            <a:ext cx="4090307" cy="400110"/>
+          </a:xfrm>
+          <a:prstGeom prst="rect">
+            <a:avLst/>
+          </a:prstGeom>
+          <a:noFill/>
+        </p:spPr>
+        <p:txBody>
+          <a:bodyPr wrap="square" rtlCol="0">
+            <a:spAutoFit/>
+          </a:bodyPr>
+          <a:lstStyle/>
+          <a:p>
+            <a:pPr marL="285750" indent="-285750">
+              <a:buFont typeface="Wingdings" panose="05000000000000000000" pitchFamily="2" charset="2"/>
+              <a:buChar char="v"/>
+            </a:pPr>
+            <a:r>
+              <a:rPr lang="en-US" sz="2000" dirty="0">
+                <a:latin typeface="Work Sans" pitchFamily="2" charset="0"/>
+              </a:rPr>
+              <a:t>TEST</a:t>
+            </a:r>
+            <a:endParaRPr lang="en-IN" sz="2000" dirty="0">
+              <a:latin typeface="Work Sans" pitchFamily="2" charset="0"/>
+            </a:endParaRPr>
+          </a:p>
+        </p:txBody>
+      </p:sp>
+      <p:sp>
+        <p:nvSpPr>
+          <p:cNvPr id="3" name="TextBox 2">
+            <a:extLst>
+              <a:ext uri="{FF2B5EF4-FFF2-40B4-BE49-F238E27FC236}">
+                <a16:creationId xmlns:a16="http://schemas.microsoft.com/office/drawing/2014/main" id="{E2611583-BA49-8219-2B63-CA4C09634DA9}"/>
+              </a:ext>
+            </a:extLst>
+          </p:cNvPr>
+          <p:cNvSpPr txBox="1"/>
+          <p:nvPr/>
+        </p:nvSpPr>
+        <p:spPr>
+          <a:xfrm>
+            <a:off x="4400550" y="4492817"/>
+            <a:ext cx="3200400" cy="400110"/>
+          </a:xfrm>
+          <a:prstGeom prst="rect">
+            <a:avLst/>
+          </a:prstGeom>
+          <a:noFill/>
+        </p:spPr>
+        <p:txBody>
+          <a:bodyPr wrap="square" rtlCol="0">
+            <a:spAutoFit/>
+          </a:bodyPr>
+          <a:lstStyle/>
+          <a:p>
+            <a:pPr marL="285750" indent="-285750">
+              <a:buFont typeface="Wingdings" panose="05000000000000000000" pitchFamily="2" charset="2"/>
+              <a:buChar char="v"/>
+            </a:pPr>
+            <a:r>
+              <a:rPr lang="en-US" sz="2000" dirty="0">
+                <a:latin typeface="Work Sans" pitchFamily="2" charset="0"/>
+              </a:rPr>
+              <a:t>CONCLUSION</a:t>
+            </a:r>
+            <a:endParaRPr lang="en-IN" sz="2000" dirty="0">
+              <a:latin typeface="Work Sans" pitchFamily="2" charset="0"/>
+            </a:endParaRPr>
           </a:p>
         </p:txBody>
       </p:sp>
@@ -60918,8 +61429,8 @@
         </p:nvSpPr>
         <p:spPr>
           <a:xfrm>
-            <a:off x="0" y="2835176"/>
-            <a:ext cx="4936067" cy="1846659"/>
+            <a:off x="1" y="2835176"/>
+            <a:ext cx="4572000" cy="1846659"/>
           </a:xfrm>
           <a:prstGeom prst="rect">
             <a:avLst/>
@@ -60991,7 +61502,7 @@
         </p:blipFill>
         <p:spPr>
           <a:xfrm>
-            <a:off x="846669" y="1067958"/>
+            <a:off x="1290206" y="1067958"/>
             <a:ext cx="1503792" cy="1503792"/>
           </a:xfrm>
           <a:prstGeom prst="rect">
@@ -61043,8 +61554,8 @@
         </p:nvSpPr>
         <p:spPr>
           <a:xfrm>
-            <a:off x="4887864" y="2835176"/>
-            <a:ext cx="4428066" cy="1569660"/>
+            <a:off x="4572000" y="2835176"/>
+            <a:ext cx="4743930" cy="1323439"/>
           </a:xfrm>
           <a:prstGeom prst="rect">
             <a:avLst/>
@@ -61104,9 +61615,9 @@
     <p:bg>
       <p:bgPr>
         <a:solidFill>
-          <a:schemeClr val="accent3">
-            <a:lumMod val="25000"/>
-            <a:lumOff val="75000"/>
+          <a:schemeClr val="tx2">
+            <a:lumMod val="40000"/>
+            <a:lumOff val="60000"/>
           </a:schemeClr>
         </a:solidFill>
         <a:effectLst/>
@@ -61128,50 +61639,10 @@
       </p:grpSpPr>
       <p:sp>
         <p:nvSpPr>
-          <p:cNvPr id="2" name="Title 1">
-            <a:extLst>
-              <a:ext uri="{FF2B5EF4-FFF2-40B4-BE49-F238E27FC236}">
-                <a16:creationId xmlns:a16="http://schemas.microsoft.com/office/drawing/2014/main" id="{20C41E1D-5F01-411F-5823-2CC5B04AB192}"/>
-              </a:ext>
-            </a:extLst>
-          </p:cNvPr>
-          <p:cNvSpPr>
-            <a:spLocks noGrp="1"/>
-          </p:cNvSpPr>
-          <p:nvPr>
-            <p:ph type="title"/>
-          </p:nvPr>
-        </p:nvSpPr>
-        <p:spPr/>
-        <p:txBody>
-          <a:bodyPr/>
-          <a:lstStyle/>
-          <a:p>
-            <a:r>
-              <a:rPr lang="en-US" dirty="0"/>
-              <a:t>🗣️ </a:t>
-            </a:r>
-            <a:r>
-              <a:rPr lang="en-US" b="1" dirty="0"/>
-              <a:t>INTERVIEW QUESTIONS</a:t>
-            </a:r>
-            <a:r>
-              <a:rPr lang="en-US" dirty="0"/>
-              <a:t> ❓</a:t>
-            </a:r>
-            <a:br>
-              <a:rPr lang="en-US" dirty="0"/>
-            </a:br>
-            <a:endParaRPr lang="en-IN" dirty="0"/>
-          </a:p>
-        </p:txBody>
-      </p:sp>
-      <p:sp>
-        <p:nvSpPr>
           <p:cNvPr id="4" name="TextBox 3">
             <a:extLst>
               <a:ext uri="{FF2B5EF4-FFF2-40B4-BE49-F238E27FC236}">
-                <a16:creationId xmlns:a16="http://schemas.microsoft.com/office/drawing/2014/main" id="{4906506A-7327-311F-7B43-E576A5C634D3}"/>
+                <a16:creationId xmlns:a16="http://schemas.microsoft.com/office/drawing/2014/main" id="{F4873D8F-1C4E-78E9-92EF-F444565EC2E1}"/>
               </a:ext>
             </a:extLst>
           </p:cNvPr>
@@ -61180,105 +61651,8 @@
         </p:nvSpPr>
         <p:spPr>
           <a:xfrm>
-            <a:off x="0" y="1794337"/>
-            <a:ext cx="4715933" cy="2308324"/>
-          </a:xfrm>
-          <a:prstGeom prst="rect">
-            <a:avLst/>
-          </a:prstGeom>
-          <a:noFill/>
-        </p:spPr>
-        <p:txBody>
-          <a:bodyPr wrap="square">
-            <a:spAutoFit/>
-          </a:bodyPr>
-          <a:lstStyle/>
-          <a:p>
-            <a:pPr>
-              <a:buNone/>
-            </a:pPr>
-            <a:endParaRPr lang="en-US" sz="1600" dirty="0"/>
-          </a:p>
-          <a:p>
-            <a:pPr>
-              <a:buNone/>
-            </a:pPr>
-            <a:r>
-              <a:rPr lang="en-US" sz="1600" dirty="0"/>
-              <a:t>👩‍🍳 To Homemakers:</a:t>
-            </a:r>
-          </a:p>
-          <a:p>
-            <a:pPr>
-              <a:buNone/>
-            </a:pPr>
-            <a:endParaRPr lang="en-US" sz="1600" dirty="0"/>
-          </a:p>
-          <a:p>
-            <a:pPr>
-              <a:buFont typeface="Arial" panose="020B0604020202020204" pitchFamily="34" charset="0"/>
-              <a:buChar char="•"/>
-            </a:pPr>
-            <a:r>
-              <a:rPr lang="en-US" sz="1600" dirty="0"/>
-              <a:t>How do you dispose of your household waste daily? 🗑️</a:t>
-            </a:r>
-          </a:p>
-          <a:p>
-            <a:pPr>
-              <a:buFont typeface="Arial" panose="020B0604020202020204" pitchFamily="34" charset="0"/>
-              <a:buChar char="•"/>
-            </a:pPr>
-            <a:r>
-              <a:rPr lang="en-US" sz="1600" dirty="0"/>
-              <a:t>Do you separate it? Why/why not?</a:t>
-            </a:r>
-          </a:p>
-          <a:p>
-            <a:pPr>
-              <a:buFont typeface="Arial" panose="020B0604020202020204" pitchFamily="34" charset="0"/>
-              <a:buChar char="•"/>
-            </a:pPr>
-            <a:r>
-              <a:rPr lang="en-US" sz="1600" dirty="0"/>
-              <a:t>What makes it hard or easy for you?</a:t>
-            </a:r>
-          </a:p>
-          <a:p>
-            <a:pPr>
-              <a:buFont typeface="Arial" panose="020B0604020202020204" pitchFamily="34" charset="0"/>
-              <a:buChar char="•"/>
-            </a:pPr>
-            <a:r>
-              <a:rPr lang="en-US" sz="1600" dirty="0"/>
-              <a:t>What would help you do it better? ✅</a:t>
-            </a:r>
-          </a:p>
-          <a:p>
-            <a:pPr>
-              <a:buFont typeface="Arial" panose="020B0604020202020204" pitchFamily="34" charset="0"/>
-              <a:buChar char="•"/>
-            </a:pPr>
-            <a:endParaRPr lang="en-US" sz="1600" dirty="0"/>
-          </a:p>
-        </p:txBody>
-      </p:sp>
-      <p:sp>
-        <p:nvSpPr>
-          <p:cNvPr id="5" name="TextBox 4">
-            <a:extLst>
-              <a:ext uri="{FF2B5EF4-FFF2-40B4-BE49-F238E27FC236}">
-                <a16:creationId xmlns:a16="http://schemas.microsoft.com/office/drawing/2014/main" id="{7F1100CD-16AC-9C03-6858-512E9905E138}"/>
-              </a:ext>
-            </a:extLst>
-          </p:cNvPr>
-          <p:cNvSpPr txBox="1"/>
-          <p:nvPr/>
-        </p:nvSpPr>
-        <p:spPr>
-          <a:xfrm>
-            <a:off x="5029200" y="2040559"/>
-            <a:ext cx="3803100" cy="1815882"/>
+            <a:off x="163286" y="2024743"/>
+            <a:ext cx="4408714" cy="2677656"/>
           </a:xfrm>
           <a:prstGeom prst="rect">
             <a:avLst/>
@@ -61295,15 +61669,15 @@
               <a:buNone/>
             </a:pPr>
             <a:r>
-              <a:rPr lang="en-US" sz="1600" dirty="0"/>
-              <a:t>🎓 To Students:</a:t>
+              <a:rPr lang="en-IN" b="1" dirty="0"/>
+              <a:t>Ramesh - Sanitation Worker(35 yrs)</a:t>
             </a:r>
           </a:p>
           <a:p>
             <a:pPr>
               <a:buNone/>
             </a:pPr>
-            <a:endParaRPr lang="en-US" sz="1600" dirty="0"/>
+            <a:endParaRPr lang="en-IN" b="1" dirty="0"/>
           </a:p>
           <a:p>
             <a:pPr>
@@ -61311,8 +61685,19 @@
               <a:buChar char="•"/>
             </a:pPr>
             <a:r>
-              <a:rPr lang="en-US" sz="1600" dirty="0"/>
-              <a:t>Do you know about wet/dry waste? 📚</a:t>
+              <a:rPr lang="en-IN" dirty="0"/>
+              <a:t>😣 </a:t>
+            </a:r>
+            <a:r>
+              <a:rPr lang="en-IN" b="1" dirty="0"/>
+              <a:t>Pain Points:</a:t>
+            </a:r>
+            <a:br>
+              <a:rPr lang="en-IN" dirty="0"/>
+            </a:br>
+            <a:r>
+              <a:rPr lang="en-IN" dirty="0"/>
+              <a:t>Faces mixed garbage which is unhygienic  and harder to manage 🧹.</a:t>
             </a:r>
           </a:p>
           <a:p>
@@ -61321,8 +61706,27 @@
               <a:buChar char="•"/>
             </a:pPr>
             <a:r>
-              <a:rPr lang="en-US" sz="1600" dirty="0"/>
-              <a:t>Do you segregate it?</a:t>
+              <a:rPr lang="en-IN" dirty="0"/>
+              <a:t>🧼 </a:t>
+            </a:r>
+            <a:r>
+              <a:rPr lang="en-IN" b="1" dirty="0"/>
+              <a:t>Needs:</a:t>
+            </a:r>
+            <a:br>
+              <a:rPr lang="en-IN" dirty="0"/>
+            </a:br>
+            <a:r>
+              <a:rPr lang="en-IN" dirty="0"/>
+              <a:t>Pre-sorted </a:t>
+            </a:r>
+            <a:r>
+              <a:rPr lang="en-IN" dirty="0" err="1"/>
+              <a:t>waste,user</a:t>
+            </a:r>
+            <a:r>
+              <a:rPr lang="en-IN" dirty="0"/>
+              <a:t> cooperation and less exposure to health risks ⚠️🦠.</a:t>
             </a:r>
           </a:p>
           <a:p>
@@ -61331,8 +61735,97 @@
               <a:buChar char="•"/>
             </a:pPr>
             <a:r>
-              <a:rPr lang="en-US" sz="1600" dirty="0"/>
-              <a:t>What would make it fun or rewarding? 🎯</a:t>
+              <a:rPr lang="en-IN" dirty="0"/>
+              <a:t>🙏 </a:t>
+            </a:r>
+            <a:r>
+              <a:rPr lang="en-IN" b="1" dirty="0"/>
+              <a:t>Goals:</a:t>
+            </a:r>
+            <a:br>
+              <a:rPr lang="en-IN" dirty="0"/>
+            </a:br>
+            <a:r>
+              <a:rPr lang="en-IN" dirty="0"/>
+              <a:t>Wants safer and cleaner waste collection 🚛 for better health and dignity.</a:t>
+            </a:r>
+          </a:p>
+          <a:p>
+            <a:endParaRPr lang="en-IN" dirty="0"/>
+          </a:p>
+        </p:txBody>
+      </p:sp>
+      <p:sp>
+        <p:nvSpPr>
+          <p:cNvPr id="5" name="TextBox 4">
+            <a:extLst>
+              <a:ext uri="{FF2B5EF4-FFF2-40B4-BE49-F238E27FC236}">
+                <a16:creationId xmlns:a16="http://schemas.microsoft.com/office/drawing/2014/main" id="{461C1530-4872-FDD5-D82E-3768C3A7ACE7}"/>
+              </a:ext>
+            </a:extLst>
+          </p:cNvPr>
+          <p:cNvSpPr txBox="1"/>
+          <p:nvPr/>
+        </p:nvSpPr>
+        <p:spPr>
+          <a:xfrm>
+            <a:off x="4572001" y="2024743"/>
+            <a:ext cx="4572000" cy="2677656"/>
+          </a:xfrm>
+          <a:prstGeom prst="rect">
+            <a:avLst/>
+          </a:prstGeom>
+          <a:noFill/>
+        </p:spPr>
+        <p:txBody>
+          <a:bodyPr wrap="square" rtlCol="0">
+            <a:spAutoFit/>
+          </a:bodyPr>
+          <a:lstStyle/>
+          <a:p>
+            <a:pPr>
+              <a:buNone/>
+            </a:pPr>
+            <a:r>
+              <a:rPr lang="en-US" dirty="0"/>
+              <a:t>🏢 </a:t>
+            </a:r>
+            <a:r>
+              <a:rPr lang="en-US" b="1" dirty="0"/>
+              <a:t>Municipal Official – Mr. Rao (45 yrs)</a:t>
+            </a:r>
+          </a:p>
+          <a:p>
+            <a:pPr>
+              <a:buNone/>
+            </a:pPr>
+            <a:endParaRPr lang="en-US" dirty="0"/>
+          </a:p>
+          <a:p>
+            <a:pPr>
+              <a:buFont typeface="Arial" panose="020B0604020202020204" pitchFamily="34" charset="0"/>
+              <a:buChar char="•"/>
+            </a:pPr>
+            <a:r>
+              <a:rPr lang="en-US" dirty="0"/>
+              <a:t>🧾 In charge of waste management operations in a ward </a:t>
+            </a:r>
+          </a:p>
+          <a:p>
+            <a:pPr>
+              <a:buFont typeface="Arial" panose="020B0604020202020204" pitchFamily="34" charset="0"/>
+              <a:buChar char="•"/>
+            </a:pPr>
+            <a:endParaRPr lang="en-US" dirty="0"/>
+          </a:p>
+          <a:p>
+            <a:pPr>
+              <a:buFont typeface="Arial" panose="020B0604020202020204" pitchFamily="34" charset="0"/>
+              <a:buChar char="•"/>
+            </a:pPr>
+            <a:r>
+              <a:rPr lang="en-US" dirty="0"/>
+              <a:t>❌ Pain Points: Poor citizen participation, limited monitoring tools</a:t>
             </a:r>
           </a:p>
           <a:p>
@@ -61341,16 +61834,89 @@
               <a:buChar char="•"/>
             </a:pPr>
             <a:r>
-              <a:rPr lang="en-US" sz="1600" dirty="0"/>
-              <a:t>Would you use an app for this?</a:t>
+              <a:rPr lang="en-US" dirty="0"/>
+              <a:t>✅ Needs: Data tracking, community feedback, better tech for waste tracking</a:t>
             </a:r>
+          </a:p>
+          <a:p>
+            <a:pPr>
+              <a:buFont typeface="Arial" panose="020B0604020202020204" pitchFamily="34" charset="0"/>
+              <a:buChar char="•"/>
+            </a:pPr>
+            <a:r>
+              <a:rPr lang="en-US" dirty="0"/>
+              <a:t>🎯 Goal: Wants to improve waste segregation rates across the city</a:t>
+            </a:r>
+          </a:p>
+          <a:p>
+            <a:endParaRPr lang="en-IN" dirty="0"/>
           </a:p>
         </p:txBody>
       </p:sp>
+      <p:pic>
+        <p:nvPicPr>
+          <p:cNvPr id="7" name="Picture 6">
+            <a:extLst>
+              <a:ext uri="{FF2B5EF4-FFF2-40B4-BE49-F238E27FC236}">
+                <a16:creationId xmlns:a16="http://schemas.microsoft.com/office/drawing/2014/main" id="{EFE15021-624A-F9B0-43CB-EBC5FE05788F}"/>
+              </a:ext>
+            </a:extLst>
+          </p:cNvPr>
+          <p:cNvPicPr>
+            <a:picLocks noChangeAspect="1"/>
+          </p:cNvPicPr>
+          <p:nvPr/>
+        </p:nvPicPr>
+        <p:blipFill>
+          <a:blip r:embed="rId2"/>
+          <a:stretch>
+            <a:fillRect/>
+          </a:stretch>
+        </p:blipFill>
+        <p:spPr>
+          <a:xfrm>
+            <a:off x="5698671" y="138793"/>
+            <a:ext cx="1616528" cy="1616528"/>
+          </a:xfrm>
+          <a:prstGeom prst="rect">
+            <a:avLst/>
+          </a:prstGeom>
+        </p:spPr>
+      </p:pic>
+      <p:pic>
+        <p:nvPicPr>
+          <p:cNvPr id="9" name="Picture 8">
+            <a:extLst>
+              <a:ext uri="{FF2B5EF4-FFF2-40B4-BE49-F238E27FC236}">
+                <a16:creationId xmlns:a16="http://schemas.microsoft.com/office/drawing/2014/main" id="{EB580B4D-73E4-A17A-C065-5C8FD35E3D27}"/>
+              </a:ext>
+            </a:extLst>
+          </p:cNvPr>
+          <p:cNvPicPr>
+            <a:picLocks noChangeAspect="1"/>
+          </p:cNvPicPr>
+          <p:nvPr/>
+        </p:nvPicPr>
+        <p:blipFill>
+          <a:blip r:embed="rId3"/>
+          <a:stretch>
+            <a:fillRect/>
+          </a:stretch>
+        </p:blipFill>
+        <p:spPr>
+          <a:xfrm>
+            <a:off x="1020536" y="138793"/>
+            <a:ext cx="1616529" cy="1616529"/>
+          </a:xfrm>
+          <a:prstGeom prst="rect">
+            <a:avLst/>
+          </a:prstGeom>
+        </p:spPr>
+      </p:pic>
     </p:spTree>
     <p:extLst>
       <p:ext uri="{BB962C8B-B14F-4D97-AF65-F5344CB8AC3E}">
-        <p14:creationId xmlns:p14="http://schemas.microsoft.com/office/powerpoint/2010/main" val="305697632"/>
+        <p14:creationId xmlns:p14="http://schemas.microsoft.com/office/powerpoint/2010/main" val="981760020"/>
       </p:ext>
     </p:extLst>
   </p:cSld>
